--- a/2022/LION/LION16.pptx
+++ b/2022/LION/LION16.pptx
@@ -29,13 +29,13 @@
     <p:sldId id="588" r:id="rId17"/>
     <p:sldId id="590" r:id="rId18"/>
     <p:sldId id="566" r:id="rId19"/>
-    <p:sldId id="567" r:id="rId20"/>
-    <p:sldId id="570" r:id="rId21"/>
-    <p:sldId id="574" r:id="rId22"/>
-    <p:sldId id="575" r:id="rId23"/>
-    <p:sldId id="584" r:id="rId24"/>
-    <p:sldId id="560" r:id="rId25"/>
-    <p:sldId id="585" r:id="rId26"/>
+    <p:sldId id="592" r:id="rId20"/>
+    <p:sldId id="567" r:id="rId21"/>
+    <p:sldId id="570" r:id="rId22"/>
+    <p:sldId id="595" r:id="rId23"/>
+    <p:sldId id="574" r:id="rId24"/>
+    <p:sldId id="593" r:id="rId25"/>
+    <p:sldId id="560" r:id="rId26"/>
   </p:sldIdLst>
   <p:sldSz cx="9906000" cy="6858000" type="A4"/>
   <p:notesSz cx="6888163" cy="10020300"/>
@@ -3164,45 +3164,7 @@
                 <a:effectLst/>
                 <a:latin typeface="CMBX12"/>
               </a:rPr>
-              <a:t>An Approach for Simultaneous Finding of</a:t>
-            </a:r>
-            <a:br>
-              <a:rPr lang="en-US" sz="3200" b="1" i="0" dirty="0">
-                <a:solidFill>
-                  <a:srgbClr val="000000"/>
-                </a:solidFill>
-                <a:effectLst/>
-                <a:latin typeface="CMBX12"/>
-              </a:rPr>
-            </a:br>
-            <a:r>
-              <a:rPr lang="en-US" sz="3200" b="1" i="0" dirty="0">
-                <a:solidFill>
-                  <a:srgbClr val="000000"/>
-                </a:solidFill>
-                <a:effectLst/>
-                <a:latin typeface="CMBX12"/>
-              </a:rPr>
-              <a:t>Multiple Efficient Decisions in Multi-objective</a:t>
-            </a:r>
-            <a:br>
-              <a:rPr lang="en-US" sz="3200" b="1" i="0" dirty="0">
-                <a:solidFill>
-                  <a:srgbClr val="000000"/>
-                </a:solidFill>
-                <a:effectLst/>
-                <a:latin typeface="CMBX12"/>
-              </a:rPr>
-            </a:br>
-            <a:r>
-              <a:rPr lang="en-US" sz="3200" b="1" i="0" dirty="0">
-                <a:solidFill>
-                  <a:srgbClr val="000000"/>
-                </a:solidFill>
-                <a:effectLst/>
-                <a:latin typeface="CMBX12"/>
-              </a:rPr>
-              <a:t>Optimization Problems</a:t>
+              <a:t>ML-based approach for accelerating global search algorithm for solving multicriteria problems</a:t>
             </a:r>
             <a:endParaRPr lang="ru-RU" sz="4400" b="0" i="1" dirty="0"/>
           </a:p>
@@ -7670,13 +7632,6 @@
           <a:p>
             <a:r>
               <a:rPr lang="ru-RU" dirty="0"/>
-              <a:t>Пример исследования области поиска при решении двумерной задачи МКО</a:t>
-            </a:r>
-          </a:p>
-          <a:p>
-            <a:pPr lvl="1"/>
-            <a:r>
-              <a:rPr lang="ru-RU" dirty="0"/>
               <a:t>Состояние области поиска при решении серий подзадач (1, 25, 50)</a:t>
             </a:r>
           </a:p>
@@ -7707,6 +7662,10 @@
           <a:p>
             <a:pPr lvl="1"/>
             <a:endParaRPr lang="ru-RU" dirty="0"/>
+          </a:p>
+          <a:p>
+            <a:pPr lvl="1"/>
+            <a:endParaRPr lang="en-US" dirty="0"/>
           </a:p>
           <a:p>
             <a:pPr lvl="1"/>
@@ -7866,8 +7825,8 @@
         </p:blipFill>
         <p:spPr>
           <a:xfrm>
-            <a:off x="6395648" y="2276872"/>
-            <a:ext cx="2880000" cy="2880000"/>
+            <a:off x="6577284" y="1556792"/>
+            <a:ext cx="3272260" cy="3272260"/>
           </a:xfrm>
           <a:prstGeom prst="rect">
             <a:avLst/>
@@ -7902,8 +7861,8 @@
         </p:blipFill>
         <p:spPr>
           <a:xfrm>
-            <a:off x="3401034" y="2276872"/>
-            <a:ext cx="2880000" cy="2880000"/>
+            <a:off x="3401034" y="1556792"/>
+            <a:ext cx="3272260" cy="3272260"/>
           </a:xfrm>
           <a:prstGeom prst="rect">
             <a:avLst/>
@@ -7938,8 +7897,8 @@
         </p:blipFill>
         <p:spPr>
           <a:xfrm>
-            <a:off x="416496" y="2276872"/>
-            <a:ext cx="2880000" cy="2880000"/>
+            <a:off x="200472" y="1556792"/>
+            <a:ext cx="3272260" cy="3272260"/>
           </a:xfrm>
           <a:prstGeom prst="rect">
             <a:avLst/>
@@ -8533,8 +8492,8 @@
         </p:blipFill>
         <p:spPr>
           <a:xfrm>
-            <a:off x="5333070" y="2924943"/>
-            <a:ext cx="4466095" cy="3349571"/>
+            <a:off x="4953000" y="2639891"/>
+            <a:ext cx="4846165" cy="3634623"/>
           </a:xfrm>
           <a:prstGeom prst="rect">
             <a:avLst/>
@@ -9160,9 +9119,10 @@
               <a:p>
                 <a:pPr lvl="1"/>
                 <a:r>
-                  <a:rPr lang="ru-RU" dirty="0"/>
-                  <a:t>Точки испытаний области Парето имеют больший вес при обучении</a:t>
+                  <a:rPr lang="ru-RU" sz="2000" dirty="0"/>
+                  <a:t>Точки испытаний из множества Парето имеют больший вес при обучении</a:t>
                 </a:r>
+                <a:endParaRPr lang="ru-RU" dirty="0"/>
               </a:p>
             </p:txBody>
           </p:sp>
@@ -9463,7 +9423,7 @@
         </p:nvSpPr>
         <p:spPr bwMode="auto">
           <a:xfrm rot="10800000">
-            <a:off x="4664968" y="3090758"/>
+            <a:off x="4664968" y="2924946"/>
             <a:ext cx="4752528" cy="3143244"/>
           </a:xfrm>
           <a:prstGeom prst="rtTriangle">
@@ -9533,7 +9493,7 @@
         </p:nvSpPr>
         <p:spPr bwMode="auto">
           <a:xfrm>
-            <a:off x="4664969" y="3090757"/>
+            <a:off x="4664969" y="2924945"/>
             <a:ext cx="4752528" cy="3143245"/>
           </a:xfrm>
           <a:prstGeom prst="rtTriangle">
@@ -9814,7 +9774,362 @@
               <a:p>
                 <a:r>
                   <a:rPr lang="ru-RU" dirty="0"/>
-                  <a:t>Правило вычисления значения характеристик </a:t>
+                  <a:t>Масштабировать вычисленные значения расстояний.</a:t>
+                </a:r>
+              </a:p>
+              <a:p>
+                <a:pPr marL="0" indent="0">
+                  <a:buNone/>
+                </a:pPr>
+                <a14:m>
+                  <m:oMathPara xmlns:m="http://schemas.openxmlformats.org/officeDocument/2006/math">
+                    <m:oMathParaPr>
+                      <m:jc m:val="left"/>
+                    </m:oMathParaPr>
+                    <m:oMath xmlns:m="http://schemas.openxmlformats.org/officeDocument/2006/math">
+                      <m:sSubSup>
+                        <m:sSubSupPr>
+                          <m:ctrlPr>
+                            <a:rPr lang="ru-RU" i="1" smtClean="0">
+                              <a:effectLst/>
+                              <a:latin typeface="Cambria Math" panose="02040503050406030204" pitchFamily="18" charset="0"/>
+                            </a:rPr>
+                          </m:ctrlPr>
+                        </m:sSubSupPr>
+                        <m:e>
+                          <m:r>
+                            <a:rPr lang="en-US" sz="1800" i="1">
+                              <a:effectLst/>
+                              <a:latin typeface="Cambria Math" panose="02040503050406030204" pitchFamily="18" charset="0"/>
+                              <a:ea typeface="Times New Roman" panose="02020603050405020304" pitchFamily="18" charset="0"/>
+                              <a:cs typeface="Times New Roman" panose="02020603050405020304" pitchFamily="18" charset="0"/>
+                            </a:rPr>
+                            <m:t>𝑑</m:t>
+                          </m:r>
+                        </m:e>
+                        <m:sub>
+                          <m:r>
+                            <a:rPr lang="en-US" sz="1800" i="1">
+                              <a:effectLst/>
+                              <a:latin typeface="Cambria Math" panose="02040503050406030204" pitchFamily="18" charset="0"/>
+                              <a:ea typeface="Times New Roman" panose="02020603050405020304" pitchFamily="18" charset="0"/>
+                              <a:cs typeface="Times New Roman" panose="02020603050405020304" pitchFamily="18" charset="0"/>
+                            </a:rPr>
+                            <m:t>𝑖</m:t>
+                          </m:r>
+                        </m:sub>
+                        <m:sup>
+                          <m:r>
+                            <a:rPr lang="ru-RU" sz="1800" i="1">
+                              <a:effectLst/>
+                              <a:latin typeface="Cambria Math" panose="02040503050406030204" pitchFamily="18" charset="0"/>
+                              <a:ea typeface="Times New Roman" panose="02020603050405020304" pitchFamily="18" charset="0"/>
+                              <a:cs typeface="Times New Roman" panose="02020603050405020304" pitchFamily="18" charset="0"/>
+                            </a:rPr>
+                            <m:t>′</m:t>
+                          </m:r>
+                        </m:sup>
+                      </m:sSubSup>
+                      <m:r>
+                        <a:rPr lang="ru-RU" sz="1800">
+                          <a:effectLst/>
+                          <a:latin typeface="Cambria Math" panose="02040503050406030204" pitchFamily="18" charset="0"/>
+                          <a:ea typeface="Times New Roman" panose="02020603050405020304" pitchFamily="18" charset="0"/>
+                          <a:cs typeface="Times New Roman" panose="02020603050405020304" pitchFamily="18" charset="0"/>
+                        </a:rPr>
+                        <m:t>=</m:t>
+                      </m:r>
+                      <m:d>
+                        <m:dPr>
+                          <m:begChr m:val="{"/>
+                          <m:endChr m:val=""/>
+                          <m:ctrlPr>
+                            <a:rPr lang="ru-RU" i="1">
+                              <a:effectLst/>
+                              <a:latin typeface="Cambria Math" panose="02040503050406030204" pitchFamily="18" charset="0"/>
+                            </a:rPr>
+                          </m:ctrlPr>
+                        </m:dPr>
+                        <m:e>
+                          <m:eqArr>
+                            <m:eqArrPr>
+                              <m:ctrlPr>
+                                <a:rPr lang="ru-RU" i="1">
+                                  <a:effectLst/>
+                                  <a:latin typeface="Cambria Math" panose="02040503050406030204" pitchFamily="18" charset="0"/>
+                                </a:rPr>
+                              </m:ctrlPr>
+                            </m:eqArrPr>
+                            <m:e>
+                              <m:sSub>
+                                <m:sSubPr>
+                                  <m:ctrlPr>
+                                    <a:rPr lang="ru-RU" i="1">
+                                      <a:effectLst/>
+                                      <a:latin typeface="Cambria Math" panose="02040503050406030204" pitchFamily="18" charset="0"/>
+                                    </a:rPr>
+                                  </m:ctrlPr>
+                                </m:sSubPr>
+                                <m:e>
+                                  <m:r>
+                                    <a:rPr lang="en-US" sz="1800" i="1">
+                                      <a:effectLst/>
+                                      <a:latin typeface="Cambria Math" panose="02040503050406030204" pitchFamily="18" charset="0"/>
+                                      <a:ea typeface="Times New Roman" panose="02020603050405020304" pitchFamily="18" charset="0"/>
+                                      <a:cs typeface="Times New Roman" panose="02020603050405020304" pitchFamily="18" charset="0"/>
+                                    </a:rPr>
+                                    <m:t>𝑑</m:t>
+                                  </m:r>
+                                </m:e>
+                                <m:sub>
+                                  <m:r>
+                                    <a:rPr lang="en-US" sz="1800" i="1">
+                                      <a:effectLst/>
+                                      <a:latin typeface="Cambria Math" panose="02040503050406030204" pitchFamily="18" charset="0"/>
+                                      <a:ea typeface="Times New Roman" panose="02020603050405020304" pitchFamily="18" charset="0"/>
+                                      <a:cs typeface="Times New Roman" panose="02020603050405020304" pitchFamily="18" charset="0"/>
+                                    </a:rPr>
+                                    <m:t>𝑖</m:t>
+                                  </m:r>
+                                </m:sub>
+                              </m:sSub>
+                              <m:r>
+                                <a:rPr lang="ru-RU" sz="1800">
+                                  <a:effectLst/>
+                                  <a:latin typeface="Cambria Math" panose="02040503050406030204" pitchFamily="18" charset="0"/>
+                                  <a:ea typeface="Times New Roman" panose="02020603050405020304" pitchFamily="18" charset="0"/>
+                                  <a:cs typeface="Times New Roman" panose="02020603050405020304" pitchFamily="18" charset="0"/>
+                                </a:rPr>
+                                <m:t>&gt;0, </m:t>
+                              </m:r>
+                              <m:f>
+                                <m:fPr>
+                                  <m:ctrlPr>
+                                    <a:rPr lang="ru-RU" i="1">
+                                      <a:effectLst/>
+                                      <a:latin typeface="Cambria Math" panose="02040503050406030204" pitchFamily="18" charset="0"/>
+                                    </a:rPr>
+                                  </m:ctrlPr>
+                                </m:fPr>
+                                <m:num>
+                                  <m:sSub>
+                                    <m:sSubPr>
+                                      <m:ctrlPr>
+                                        <a:rPr lang="ru-RU" i="1">
+                                          <a:effectLst/>
+                                          <a:latin typeface="Cambria Math" panose="02040503050406030204" pitchFamily="18" charset="0"/>
+                                        </a:rPr>
+                                      </m:ctrlPr>
+                                    </m:sSubPr>
+                                    <m:e>
+                                      <m:r>
+                                        <a:rPr lang="en-US" sz="1800" i="1">
+                                          <a:effectLst/>
+                                          <a:latin typeface="Cambria Math" panose="02040503050406030204" pitchFamily="18" charset="0"/>
+                                          <a:ea typeface="Times New Roman" panose="02020603050405020304" pitchFamily="18" charset="0"/>
+                                          <a:cs typeface="Times New Roman" panose="02020603050405020304" pitchFamily="18" charset="0"/>
+                                        </a:rPr>
+                                        <m:t>𝑑</m:t>
+                                      </m:r>
+                                    </m:e>
+                                    <m:sub>
+                                      <m:r>
+                                        <a:rPr lang="en-US" sz="1800" i="1">
+                                          <a:effectLst/>
+                                          <a:latin typeface="Cambria Math" panose="02040503050406030204" pitchFamily="18" charset="0"/>
+                                          <a:ea typeface="Times New Roman" panose="02020603050405020304" pitchFamily="18" charset="0"/>
+                                          <a:cs typeface="Times New Roman" panose="02020603050405020304" pitchFamily="18" charset="0"/>
+                                        </a:rPr>
+                                        <m:t>𝑖</m:t>
+                                      </m:r>
+                                    </m:sub>
+                                  </m:sSub>
+                                </m:num>
+                                <m:den>
+                                  <m:sSub>
+                                    <m:sSubPr>
+                                      <m:ctrlPr>
+                                        <a:rPr lang="ru-RU" i="1">
+                                          <a:effectLst/>
+                                          <a:latin typeface="Cambria Math" panose="02040503050406030204" pitchFamily="18" charset="0"/>
+                                        </a:rPr>
+                                      </m:ctrlPr>
+                                    </m:sSubPr>
+                                    <m:e>
+                                      <m:r>
+                                        <a:rPr lang="en-US" sz="1800" i="1">
+                                          <a:effectLst/>
+                                          <a:latin typeface="Cambria Math" panose="02040503050406030204" pitchFamily="18" charset="0"/>
+                                          <a:ea typeface="Times New Roman" panose="02020603050405020304" pitchFamily="18" charset="0"/>
+                                          <a:cs typeface="Times New Roman" panose="02020603050405020304" pitchFamily="18" charset="0"/>
+                                        </a:rPr>
+                                        <m:t>𝑑</m:t>
+                                      </m:r>
+                                    </m:e>
+                                    <m:sub>
+                                      <m:r>
+                                        <a:rPr lang="en-US" sz="1800" i="1">
+                                          <a:effectLst/>
+                                          <a:latin typeface="Cambria Math" panose="02040503050406030204" pitchFamily="18" charset="0"/>
+                                          <a:ea typeface="Times New Roman" panose="02020603050405020304" pitchFamily="18" charset="0"/>
+                                          <a:cs typeface="Times New Roman" panose="02020603050405020304" pitchFamily="18" charset="0"/>
+                                        </a:rPr>
+                                        <m:t>𝑚𝑎𝑥</m:t>
+                                      </m:r>
+                                    </m:sub>
+                                  </m:sSub>
+                                </m:den>
+                              </m:f>
+                            </m:e>
+                            <m:e>
+                              <m:sSub>
+                                <m:sSubPr>
+                                  <m:ctrlPr>
+                                    <a:rPr lang="ru-RU" i="1">
+                                      <a:effectLst/>
+                                      <a:latin typeface="Cambria Math" panose="02040503050406030204" pitchFamily="18" charset="0"/>
+                                    </a:rPr>
+                                  </m:ctrlPr>
+                                </m:sSubPr>
+                                <m:e>
+                                  <m:r>
+                                    <a:rPr lang="en-US" sz="1800" i="1">
+                                      <a:effectLst/>
+                                      <a:latin typeface="Cambria Math" panose="02040503050406030204" pitchFamily="18" charset="0"/>
+                                      <a:ea typeface="Times New Roman" panose="02020603050405020304" pitchFamily="18" charset="0"/>
+                                      <a:cs typeface="Times New Roman" panose="02020603050405020304" pitchFamily="18" charset="0"/>
+                                    </a:rPr>
+                                    <m:t>𝑑</m:t>
+                                  </m:r>
+                                </m:e>
+                                <m:sub>
+                                  <m:r>
+                                    <a:rPr lang="en-US" sz="1800" i="1">
+                                      <a:effectLst/>
+                                      <a:latin typeface="Cambria Math" panose="02040503050406030204" pitchFamily="18" charset="0"/>
+                                      <a:ea typeface="Times New Roman" panose="02020603050405020304" pitchFamily="18" charset="0"/>
+                                      <a:cs typeface="Times New Roman" panose="02020603050405020304" pitchFamily="18" charset="0"/>
+                                    </a:rPr>
+                                    <m:t>𝑖</m:t>
+                                  </m:r>
+                                </m:sub>
+                              </m:sSub>
+                              <m:r>
+                                <a:rPr lang="ru-RU" sz="1800">
+                                  <a:effectLst/>
+                                  <a:latin typeface="Cambria Math" panose="02040503050406030204" pitchFamily="18" charset="0"/>
+                                  <a:ea typeface="Times New Roman" panose="02020603050405020304" pitchFamily="18" charset="0"/>
+                                  <a:cs typeface="Times New Roman" panose="02020603050405020304" pitchFamily="18" charset="0"/>
+                                </a:rPr>
+                                <m:t>&lt;0,</m:t>
+                              </m:r>
+                              <m:r>
+                                <a:rPr lang="ru-RU" sz="1800" i="1">
+                                  <a:effectLst/>
+                                  <a:latin typeface="Cambria Math" panose="02040503050406030204" pitchFamily="18" charset="0"/>
+                                  <a:ea typeface="Times New Roman" panose="02020603050405020304" pitchFamily="18" charset="0"/>
+                                  <a:cs typeface="Times New Roman" panose="02020603050405020304" pitchFamily="18" charset="0"/>
+                                </a:rPr>
+                                <m:t>−</m:t>
+                              </m:r>
+                              <m:f>
+                                <m:fPr>
+                                  <m:ctrlPr>
+                                    <a:rPr lang="ru-RU" i="1">
+                                      <a:effectLst/>
+                                      <a:latin typeface="Cambria Math" panose="02040503050406030204" pitchFamily="18" charset="0"/>
+                                    </a:rPr>
+                                  </m:ctrlPr>
+                                </m:fPr>
+                                <m:num>
+                                  <m:sSub>
+                                    <m:sSubPr>
+                                      <m:ctrlPr>
+                                        <a:rPr lang="ru-RU" i="1">
+                                          <a:effectLst/>
+                                          <a:latin typeface="Cambria Math" panose="02040503050406030204" pitchFamily="18" charset="0"/>
+                                        </a:rPr>
+                                      </m:ctrlPr>
+                                    </m:sSubPr>
+                                    <m:e>
+                                      <m:r>
+                                        <a:rPr lang="en-US" sz="1800" i="1">
+                                          <a:effectLst/>
+                                          <a:latin typeface="Cambria Math" panose="02040503050406030204" pitchFamily="18" charset="0"/>
+                                          <a:ea typeface="Times New Roman" panose="02020603050405020304" pitchFamily="18" charset="0"/>
+                                          <a:cs typeface="Times New Roman" panose="02020603050405020304" pitchFamily="18" charset="0"/>
+                                        </a:rPr>
+                                        <m:t>𝑑</m:t>
+                                      </m:r>
+                                    </m:e>
+                                    <m:sub>
+                                      <m:r>
+                                        <a:rPr lang="en-US" sz="1800" i="1">
+                                          <a:effectLst/>
+                                          <a:latin typeface="Cambria Math" panose="02040503050406030204" pitchFamily="18" charset="0"/>
+                                          <a:ea typeface="Times New Roman" panose="02020603050405020304" pitchFamily="18" charset="0"/>
+                                          <a:cs typeface="Times New Roman" panose="02020603050405020304" pitchFamily="18" charset="0"/>
+                                        </a:rPr>
+                                        <m:t>𝑖</m:t>
+                                      </m:r>
+                                    </m:sub>
+                                  </m:sSub>
+                                </m:num>
+                                <m:den>
+                                  <m:sSub>
+                                    <m:sSubPr>
+                                      <m:ctrlPr>
+                                        <a:rPr lang="ru-RU" i="1">
+                                          <a:effectLst/>
+                                          <a:latin typeface="Cambria Math" panose="02040503050406030204" pitchFamily="18" charset="0"/>
+                                        </a:rPr>
+                                      </m:ctrlPr>
+                                    </m:sSubPr>
+                                    <m:e>
+                                      <m:r>
+                                        <a:rPr lang="en-US" sz="1800" i="1">
+                                          <a:effectLst/>
+                                          <a:latin typeface="Cambria Math" panose="02040503050406030204" pitchFamily="18" charset="0"/>
+                                          <a:ea typeface="Times New Roman" panose="02020603050405020304" pitchFamily="18" charset="0"/>
+                                          <a:cs typeface="Times New Roman" panose="02020603050405020304" pitchFamily="18" charset="0"/>
+                                        </a:rPr>
+                                        <m:t>𝑑</m:t>
+                                      </m:r>
+                                    </m:e>
+                                    <m:sub>
+                                      <m:r>
+                                        <a:rPr lang="en-US" sz="1800" i="1">
+                                          <a:effectLst/>
+                                          <a:latin typeface="Cambria Math" panose="02040503050406030204" pitchFamily="18" charset="0"/>
+                                          <a:ea typeface="Times New Roman" panose="02020603050405020304" pitchFamily="18" charset="0"/>
+                                          <a:cs typeface="Times New Roman" panose="02020603050405020304" pitchFamily="18" charset="0"/>
+                                        </a:rPr>
+                                        <m:t>𝑚𝑖𝑛</m:t>
+                                      </m:r>
+                                    </m:sub>
+                                  </m:sSub>
+                                </m:den>
+                              </m:f>
+                            </m:e>
+                          </m:eqArr>
+                        </m:e>
+                      </m:d>
+                    </m:oMath>
+                  </m:oMathPara>
+                </a14:m>
+                <a:endParaRPr lang="en-US" dirty="0"/>
+              </a:p>
+              <a:p>
+                <a:r>
+                  <a:rPr lang="ru-RU" dirty="0"/>
+                  <a:t>Вычислить значения </a:t>
+                </a:r>
+                <a:br>
+                  <a:rPr lang="ru-RU" dirty="0"/>
+                </a:br>
+                <a:r>
+                  <a:rPr lang="ru-RU" dirty="0"/>
+                  <a:t>характеристик </a:t>
                 </a:r>
                 <a14:m>
                   <m:oMath xmlns:m="http://schemas.openxmlformats.org/officeDocument/2006/math">
@@ -9847,23 +10162,30 @@
                       <a:rPr lang="ru-RU" i="1" dirty="0" smtClean="0">
                         <a:latin typeface="Cambria Math" panose="02040503050406030204" pitchFamily="18" charset="0"/>
                       </a:rPr>
-                      <m:t> (</m:t>
+                      <m:t> </m:t>
                     </m:r>
-                    <m:r>
-                      <a:rPr lang="ru-RU" i="1" dirty="0" smtClean="0">
-                        <a:latin typeface="Cambria Math" panose="02040503050406030204" pitchFamily="18" charset="0"/>
-                      </a:rPr>
-                      <m:t>𝑖</m:t>
-                    </m:r>
-                    <m:r>
-                      <a:rPr lang="ru-RU" i="1" dirty="0" smtClean="0">
-                        <a:latin typeface="Cambria Math" panose="02040503050406030204" pitchFamily="18" charset="0"/>
-                      </a:rPr>
-                      <m:t>)</m:t>
-                    </m:r>
+                    <m:d>
+                      <m:dPr>
+                        <m:ctrlPr>
+                          <a:rPr lang="ru-RU" i="1" dirty="0" smtClean="0">
+                            <a:latin typeface="Cambria Math" panose="02040503050406030204" pitchFamily="18" charset="0"/>
+                          </a:rPr>
+                        </m:ctrlPr>
+                      </m:dPr>
+                      <m:e>
+                        <m:r>
+                          <a:rPr lang="ru-RU" i="1" dirty="0" smtClean="0">
+                            <a:latin typeface="Cambria Math" panose="02040503050406030204" pitchFamily="18" charset="0"/>
+                          </a:rPr>
+                          <m:t>𝑖</m:t>
+                        </m:r>
+                      </m:e>
+                    </m:d>
                   </m:oMath>
                 </a14:m>
-                <a:endParaRPr lang="ru-RU" dirty="0"/>
+                <a:endParaRPr lang="ru-RU" i="1" dirty="0">
+                  <a:latin typeface="Cambria Math" panose="02040503050406030204" pitchFamily="18" charset="0"/>
+                </a:endParaRPr>
               </a:p>
               <a:p>
                 <a:pPr marL="0" indent="0">
@@ -9872,7 +10194,7 @@
                 <a14:m>
                   <m:oMathPara xmlns:m="http://schemas.openxmlformats.org/officeDocument/2006/math">
                     <m:oMathParaPr>
-                      <m:jc m:val="centerGroup"/>
+                      <m:jc m:val="left"/>
                     </m:oMathParaPr>
                     <m:oMath xmlns:m="http://schemas.openxmlformats.org/officeDocument/2006/math">
                       <m:sSub>
@@ -9924,14 +10246,14 @@
                         </a:rPr>
                         <m:t>)= (</m:t>
                       </m:r>
-                      <m:sSub>
-                        <m:sSubPr>
+                      <m:sSubSup>
+                        <m:sSubSupPr>
                           <m:ctrlPr>
-                            <a:rPr lang="ru-RU" i="1" dirty="0" err="1" smtClean="0">
+                            <a:rPr lang="en-US" b="0" i="1" dirty="0" smtClean="0">
                               <a:latin typeface="Cambria Math" panose="02040503050406030204" pitchFamily="18" charset="0"/>
                             </a:rPr>
                           </m:ctrlPr>
-                        </m:sSubPr>
+                        </m:sSubSupPr>
                         <m:e>
                           <m:r>
                             <a:rPr lang="ru-RU" i="1" dirty="0" err="1" smtClean="0">
@@ -9948,21 +10270,29 @@
                             <m:t>𝑖</m:t>
                           </m:r>
                         </m:sub>
-                      </m:sSub>
+                        <m:sup>
+                          <m:r>
+                            <a:rPr lang="en-US" b="0" i="1" dirty="0" smtClean="0">
+                              <a:latin typeface="Cambria Math" panose="02040503050406030204" pitchFamily="18" charset="0"/>
+                            </a:rPr>
+                            <m:t>′</m:t>
+                          </m:r>
+                        </m:sup>
+                      </m:sSubSup>
                       <m:r>
                         <a:rPr lang="ru-RU" i="1" dirty="0" err="1" smtClean="0">
                           <a:latin typeface="Cambria Math" panose="02040503050406030204" pitchFamily="18" charset="0"/>
                         </a:rPr>
                         <m:t>+</m:t>
                       </m:r>
-                      <m:sSub>
-                        <m:sSubPr>
+                      <m:sSubSup>
+                        <m:sSubSupPr>
                           <m:ctrlPr>
-                            <a:rPr lang="ru-RU" i="1" dirty="0" smtClean="0">
+                            <a:rPr lang="en-US" b="0" i="1" dirty="0" smtClean="0">
                               <a:latin typeface="Cambria Math" panose="02040503050406030204" pitchFamily="18" charset="0"/>
                             </a:rPr>
                           </m:ctrlPr>
-                        </m:sSubPr>
+                        </m:sSubSupPr>
                         <m:e>
                           <m:r>
                             <a:rPr lang="ru-RU" i="1" dirty="0" err="1" smtClean="0">
@@ -9985,7 +10315,15 @@
                             <m:t>−1</m:t>
                           </m:r>
                         </m:sub>
-                      </m:sSub>
+                        <m:sup>
+                          <m:r>
+                            <a:rPr lang="en-US" b="0" i="1" dirty="0" smtClean="0">
+                              <a:latin typeface="Cambria Math" panose="02040503050406030204" pitchFamily="18" charset="0"/>
+                            </a:rPr>
+                            <m:t>′</m:t>
+                          </m:r>
+                        </m:sup>
+                      </m:sSubSup>
                       <m:r>
                         <a:rPr lang="ru-RU" i="1" dirty="0" smtClean="0">
                           <a:latin typeface="Cambria Math" panose="02040503050406030204" pitchFamily="18" charset="0"/>
@@ -10167,7 +10505,7 @@
         </p:nvCxnSpPr>
         <p:spPr bwMode="auto">
           <a:xfrm>
-            <a:off x="4664967" y="3090756"/>
+            <a:off x="4664967" y="2924944"/>
             <a:ext cx="4752529" cy="3143246"/>
           </a:xfrm>
           <a:prstGeom prst="line">
@@ -10207,7 +10545,7 @@
         </p:nvSpPr>
         <p:spPr bwMode="auto">
           <a:xfrm>
-            <a:off x="6537176" y="4869160"/>
+            <a:off x="6537176" y="4703348"/>
             <a:ext cx="144016" cy="144016"/>
           </a:xfrm>
           <a:prstGeom prst="ellipse">
@@ -10279,7 +10617,7 @@
         </p:nvSpPr>
         <p:spPr bwMode="auto">
           <a:xfrm>
-            <a:off x="8318281" y="3151867"/>
+            <a:off x="8318281" y="2986055"/>
             <a:ext cx="144016" cy="144016"/>
           </a:xfrm>
           <a:prstGeom prst="ellipse">
@@ -10351,7 +10689,7 @@
         </p:nvSpPr>
         <p:spPr bwMode="auto">
           <a:xfrm>
-            <a:off x="8718911" y="4221088"/>
+            <a:off x="8718911" y="4055276"/>
             <a:ext cx="144016" cy="144016"/>
           </a:xfrm>
           <a:prstGeom prst="ellipse">
@@ -10423,7 +10761,7 @@
         </p:nvSpPr>
         <p:spPr bwMode="auto">
           <a:xfrm>
-            <a:off x="5169024" y="4437112"/>
+            <a:off x="5169024" y="4271300"/>
             <a:ext cx="144016" cy="144016"/>
           </a:xfrm>
           <a:prstGeom prst="ellipse">
@@ -10495,7 +10833,7 @@
         </p:nvSpPr>
         <p:spPr bwMode="auto">
           <a:xfrm>
-            <a:off x="6105128" y="5013176"/>
+            <a:off x="6105128" y="4847364"/>
             <a:ext cx="144016" cy="144016"/>
           </a:xfrm>
           <a:prstGeom prst="ellipse">
@@ -10570,7 +10908,7 @@
         </p:nvCxnSpPr>
         <p:spPr bwMode="auto">
           <a:xfrm flipV="1">
-            <a:off x="5291949" y="3839646"/>
+            <a:off x="5291949" y="3673834"/>
             <a:ext cx="536884" cy="618557"/>
           </a:xfrm>
           <a:prstGeom prst="line">
@@ -10607,7 +10945,7 @@
         </p:nvCxnSpPr>
         <p:spPr bwMode="auto">
           <a:xfrm flipV="1">
-            <a:off x="5670983" y="4077072"/>
+            <a:off x="5670983" y="3911260"/>
             <a:ext cx="506153" cy="618869"/>
           </a:xfrm>
           <a:prstGeom prst="line">
@@ -10644,7 +10982,7 @@
         </p:nvCxnSpPr>
         <p:spPr bwMode="auto">
           <a:xfrm flipV="1">
-            <a:off x="6226634" y="4437112"/>
+            <a:off x="6226634" y="4271300"/>
             <a:ext cx="452461" cy="576064"/>
           </a:xfrm>
           <a:prstGeom prst="line">
@@ -10681,7 +11019,7 @@
         </p:nvCxnSpPr>
         <p:spPr bwMode="auto">
           <a:xfrm flipV="1">
-            <a:off x="6660100" y="4574778"/>
+            <a:off x="6660100" y="4408966"/>
             <a:ext cx="226343" cy="316180"/>
           </a:xfrm>
           <a:prstGeom prst="line">
@@ -10718,7 +11056,7 @@
         </p:nvCxnSpPr>
         <p:spPr bwMode="auto">
           <a:xfrm flipV="1">
-            <a:off x="6788155" y="4987570"/>
+            <a:off x="6788155" y="4821758"/>
             <a:ext cx="757133" cy="938008"/>
           </a:xfrm>
           <a:prstGeom prst="line">
@@ -10755,7 +11093,7 @@
         </p:nvCxnSpPr>
         <p:spPr bwMode="auto">
           <a:xfrm flipV="1">
-            <a:off x="7912671" y="4322299"/>
+            <a:off x="7912671" y="4156487"/>
             <a:ext cx="817406" cy="920477"/>
           </a:xfrm>
           <a:prstGeom prst="line">
@@ -10792,7 +11130,7 @@
         </p:nvCxnSpPr>
         <p:spPr bwMode="auto">
           <a:xfrm flipV="1">
-            <a:off x="6393160" y="3350000"/>
+            <a:off x="6393160" y="3184188"/>
             <a:ext cx="720080" cy="871088"/>
           </a:xfrm>
           <a:prstGeom prst="line">
@@ -10829,7 +11167,7 @@
         </p:nvCxnSpPr>
         <p:spPr bwMode="auto">
           <a:xfrm flipV="1">
-            <a:off x="7087983" y="3265494"/>
+            <a:off x="7087983" y="3099682"/>
             <a:ext cx="1251014" cy="1438247"/>
           </a:xfrm>
           <a:prstGeom prst="line">
@@ -10864,7 +11202,7 @@
         </p:nvSpPr>
         <p:spPr bwMode="auto">
           <a:xfrm>
-            <a:off x="7041232" y="3284984"/>
+            <a:off x="7041232" y="3119172"/>
             <a:ext cx="144016" cy="144016"/>
           </a:xfrm>
           <a:prstGeom prst="ellipse">
@@ -10936,7 +11274,7 @@
         </p:nvSpPr>
         <p:spPr bwMode="auto">
           <a:xfrm>
-            <a:off x="5601072" y="4653136"/>
+            <a:off x="5601072" y="4487324"/>
             <a:ext cx="144016" cy="144016"/>
           </a:xfrm>
           <a:prstGeom prst="ellipse">
@@ -11008,7 +11346,7 @@
         </p:nvSpPr>
         <p:spPr bwMode="auto">
           <a:xfrm>
-            <a:off x="6681192" y="5901876"/>
+            <a:off x="6681192" y="5736064"/>
             <a:ext cx="144016" cy="144016"/>
           </a:xfrm>
           <a:prstGeom prst="ellipse">
@@ -11082,7 +11420,7 @@
             </p:nvSpPr>
             <p:spPr>
               <a:xfrm>
-                <a:off x="7872284" y="3564016"/>
+                <a:off x="7872284" y="3398204"/>
                 <a:ext cx="1143262" cy="461665"/>
               </a:xfrm>
               <a:prstGeom prst="rect">
@@ -11162,7 +11500,7 @@
             </p:nvSpPr>
             <p:spPr>
               <a:xfrm>
-                <a:off x="7872284" y="3564016"/>
+                <a:off x="7872284" y="3398204"/>
                 <a:ext cx="1143262" cy="461665"/>
               </a:xfrm>
               <a:prstGeom prst="rect">
@@ -11171,7 +11509,7 @@
               <a:blipFill>
                 <a:blip r:embed="rId3"/>
                 <a:stretch>
-                  <a:fillRect b="-4000"/>
+                  <a:fillRect b="-3947"/>
                 </a:stretch>
               </a:blipFill>
               <a:ln>
@@ -11210,7 +11548,7 @@
             </p:nvSpPr>
             <p:spPr>
               <a:xfrm>
-                <a:off x="8814878" y="5495434"/>
+                <a:off x="8814878" y="5329622"/>
                 <a:ext cx="645032" cy="461665"/>
               </a:xfrm>
               <a:prstGeom prst="rect">
@@ -11287,7 +11625,7 @@
             </p:nvSpPr>
             <p:spPr>
               <a:xfrm>
-                <a:off x="8814878" y="5495434"/>
+                <a:off x="8814878" y="5329622"/>
                 <a:ext cx="645032" cy="461665"/>
               </a:xfrm>
               <a:prstGeom prst="rect">
@@ -11331,7 +11669,7 @@
             </p:nvSpPr>
             <p:spPr>
               <a:xfrm>
-                <a:off x="5828833" y="5392382"/>
+                <a:off x="5828833" y="5226570"/>
                 <a:ext cx="1284408" cy="491417"/>
               </a:xfrm>
               <a:prstGeom prst="rect">
@@ -11411,7 +11749,7 @@
             </p:nvSpPr>
             <p:spPr>
               <a:xfrm>
-                <a:off x="5828833" y="5392382"/>
+                <a:off x="5828833" y="5226570"/>
                 <a:ext cx="1284408" cy="491417"/>
               </a:xfrm>
               <a:prstGeom prst="rect">
@@ -11420,7 +11758,7 @@
               <a:blipFill>
                 <a:blip r:embed="rId5"/>
                 <a:stretch>
-                  <a:fillRect b="-11250"/>
+                  <a:fillRect b="-9877"/>
                 </a:stretch>
               </a:blipFill>
               <a:ln>
@@ -11703,12 +12041,2094 @@
           <a:chExt cx="0" cy="0"/>
         </a:xfrm>
       </p:grpSpPr>
+      <p:sp>
+        <p:nvSpPr>
+          <p:cNvPr id="2" name="Заголовок 1">
+            <a:extLst>
+              <a:ext uri="{FF2B5EF4-FFF2-40B4-BE49-F238E27FC236}">
+                <a16:creationId xmlns:a16="http://schemas.microsoft.com/office/drawing/2014/main" id="{08317631-64A3-C0EC-43F0-107623F8B903}"/>
+              </a:ext>
+            </a:extLst>
+          </p:cNvPr>
+          <p:cNvSpPr>
+            <a:spLocks noGrp="1"/>
+          </p:cNvSpPr>
+          <p:nvPr>
+            <p:ph type="title"/>
+          </p:nvPr>
+        </p:nvSpPr>
+        <p:spPr/>
+        <p:txBody>
+          <a:bodyPr/>
+          <a:lstStyle/>
+          <a:p>
+            <a:r>
+              <a:rPr lang="ru-RU" dirty="0"/>
+              <a:t>Метрики качества</a:t>
+            </a:r>
+          </a:p>
+        </p:txBody>
+      </p:sp>
+      <mc:AlternateContent xmlns:mc="http://schemas.openxmlformats.org/markup-compatibility/2006">
+        <mc:Choice xmlns:a14="http://schemas.microsoft.com/office/drawing/2010/main" Requires="a14">
+          <p:sp>
+            <p:nvSpPr>
+              <p:cNvPr id="3" name="Объект 2">
+                <a:extLst>
+                  <a:ext uri="{FF2B5EF4-FFF2-40B4-BE49-F238E27FC236}">
+                    <a16:creationId xmlns:a16="http://schemas.microsoft.com/office/drawing/2014/main" id="{37B1E90B-603F-5327-7222-65867324D3D4}"/>
+                  </a:ext>
+                </a:extLst>
+              </p:cNvPr>
+              <p:cNvSpPr>
+                <a:spLocks noGrp="1"/>
+              </p:cNvSpPr>
+              <p:nvPr>
+                <p:ph idx="1"/>
+              </p:nvPr>
+            </p:nvSpPr>
+            <p:spPr/>
+            <p:txBody>
+              <a:bodyPr/>
+              <a:lstStyle/>
+              <a:p>
+                <a:r>
+                  <a:rPr lang="en-US" dirty="0"/>
+                  <a:t>The quality of the approximation was evaluated using</a:t>
+                </a:r>
+                <a:r>
+                  <a:rPr lang="ru-RU" dirty="0"/>
+                  <a:t>:</a:t>
+                </a:r>
+                <a:r>
+                  <a:rPr lang="en-US" dirty="0"/>
+                  <a:t> </a:t>
+                </a:r>
+                <a:endParaRPr lang="ru-RU" dirty="0"/>
+              </a:p>
+              <a:p>
+                <a:pPr lvl="1"/>
+                <a:r>
+                  <a:rPr lang="en-US" dirty="0"/>
+                  <a:t>The </a:t>
+                </a:r>
+                <a:r>
+                  <a:rPr lang="en-US" i="1" dirty="0"/>
+                  <a:t>hypervolume </a:t>
+                </a:r>
+                <a:r>
+                  <a:rPr lang="en-US" dirty="0"/>
+                  <a:t>(HV, </a:t>
+                </a:r>
+                <a:r>
+                  <a:rPr lang="en-US" i="1" dirty="0"/>
+                  <a:t>larger is better</a:t>
+                </a:r>
+                <a:r>
+                  <a:rPr lang="en-US" dirty="0"/>
+                  <a:t>) indices</a:t>
+                </a:r>
+              </a:p>
+              <a:p>
+                <a:pPr lvl="1"/>
+                <a:endParaRPr lang="ru-RU" dirty="0"/>
+              </a:p>
+              <a:p>
+                <a:pPr lvl="1"/>
+                <a:endParaRPr lang="en-US" i="1" dirty="0"/>
+              </a:p>
+              <a:p>
+                <a:pPr lvl="1"/>
+                <a:endParaRPr lang="en-US" i="1" dirty="0"/>
+              </a:p>
+              <a:p>
+                <a:pPr lvl="1"/>
+                <a:endParaRPr lang="en-US" i="1" dirty="0"/>
+              </a:p>
+              <a:p>
+                <a:pPr lvl="1"/>
+                <a:endParaRPr lang="en-US" i="1" dirty="0"/>
+              </a:p>
+              <a:p>
+                <a:pPr lvl="1"/>
+                <a:endParaRPr lang="en-US" i="1" dirty="0"/>
+              </a:p>
+              <a:p>
+                <a:pPr lvl="1"/>
+                <a:r>
+                  <a:rPr lang="en-US" i="1" dirty="0"/>
+                  <a:t>The distribution uniformity</a:t>
+                </a:r>
+                <a:r>
+                  <a:rPr lang="en-US" dirty="0"/>
+                  <a:t> (DU, </a:t>
+                </a:r>
+                <a:r>
+                  <a:rPr lang="en-US" i="1" dirty="0"/>
+                  <a:t>less is better</a:t>
+                </a:r>
+                <a:r>
+                  <a:rPr lang="en-US" dirty="0"/>
+                  <a:t>) indices</a:t>
+                </a:r>
+              </a:p>
+              <a:p>
+                <a:pPr marL="0" indent="0">
+                  <a:buNone/>
+                </a:pPr>
+                <a14:m>
+                  <m:oMathPara xmlns:m="http://schemas.openxmlformats.org/officeDocument/2006/math">
+                    <m:oMathParaPr>
+                      <m:jc m:val="centerGroup"/>
+                    </m:oMathParaPr>
+                    <m:oMath xmlns:m="http://schemas.openxmlformats.org/officeDocument/2006/math">
+                      <m:r>
+                        <a:rPr lang="en-US" b="0" i="1" smtClean="0">
+                          <a:latin typeface="Cambria Math" panose="02040503050406030204" pitchFamily="18" charset="0"/>
+                        </a:rPr>
+                        <m:t>𝐷𝑈</m:t>
+                      </m:r>
+                      <m:r>
+                        <a:rPr lang="en-US" b="0" i="1" smtClean="0">
+                          <a:latin typeface="Cambria Math" panose="02040503050406030204" pitchFamily="18" charset="0"/>
+                        </a:rPr>
+                        <m:t>=</m:t>
+                      </m:r>
+                      <m:rad>
+                        <m:radPr>
+                          <m:degHide m:val="on"/>
+                          <m:ctrlPr>
+                            <a:rPr lang="en-US" b="0" i="1" smtClean="0">
+                              <a:latin typeface="Cambria Math" panose="02040503050406030204" pitchFamily="18" charset="0"/>
+                            </a:rPr>
+                          </m:ctrlPr>
+                        </m:radPr>
+                        <m:deg/>
+                        <m:e>
+                          <m:r>
+                            <a:rPr lang="en-US" b="0" i="1" smtClean="0">
+                              <a:latin typeface="Cambria Math" panose="02040503050406030204" pitchFamily="18" charset="0"/>
+                            </a:rPr>
+                            <m:t>∑</m:t>
+                          </m:r>
+                          <m:sSup>
+                            <m:sSupPr>
+                              <m:ctrlPr>
+                                <a:rPr lang="en-US" b="0" i="1" smtClean="0">
+                                  <a:latin typeface="Cambria Math" panose="02040503050406030204" pitchFamily="18" charset="0"/>
+                                </a:rPr>
+                              </m:ctrlPr>
+                            </m:sSupPr>
+                            <m:e>
+                              <m:d>
+                                <m:dPr>
+                                  <m:ctrlPr>
+                                    <a:rPr lang="en-US" b="0" i="1" smtClean="0">
+                                      <a:latin typeface="Cambria Math" panose="02040503050406030204" pitchFamily="18" charset="0"/>
+                                    </a:rPr>
+                                  </m:ctrlPr>
+                                </m:dPr>
+                                <m:e>
+                                  <m:r>
+                                    <a:rPr lang="en-US" b="0" i="1" smtClean="0">
+                                      <a:latin typeface="Cambria Math" panose="02040503050406030204" pitchFamily="18" charset="0"/>
+                                    </a:rPr>
+                                    <m:t>𝑑</m:t>
+                                  </m:r>
+                                  <m:r>
+                                    <a:rPr lang="en-US" b="0" i="1" smtClean="0">
+                                      <a:latin typeface="Cambria Math" panose="02040503050406030204" pitchFamily="18" charset="0"/>
+                                    </a:rPr>
+                                    <m:t>−</m:t>
+                                  </m:r>
+                                  <m:sSub>
+                                    <m:sSubPr>
+                                      <m:ctrlPr>
+                                        <a:rPr lang="en-US" b="0" i="1" smtClean="0">
+                                          <a:latin typeface="Cambria Math" panose="02040503050406030204" pitchFamily="18" charset="0"/>
+                                        </a:rPr>
+                                      </m:ctrlPr>
+                                    </m:sSubPr>
+                                    <m:e>
+                                      <m:r>
+                                        <a:rPr lang="en-US" b="0" i="1" smtClean="0">
+                                          <a:latin typeface="Cambria Math" panose="02040503050406030204" pitchFamily="18" charset="0"/>
+                                        </a:rPr>
+                                        <m:t>𝑑</m:t>
+                                      </m:r>
+                                    </m:e>
+                                    <m:sub>
+                                      <m:r>
+                                        <a:rPr lang="en-US" b="0" i="1" smtClean="0">
+                                          <a:latin typeface="Cambria Math" panose="02040503050406030204" pitchFamily="18" charset="0"/>
+                                        </a:rPr>
+                                        <m:t>𝑖</m:t>
+                                      </m:r>
+                                    </m:sub>
+                                  </m:sSub>
+                                </m:e>
+                              </m:d>
+                            </m:e>
+                            <m:sup>
+                              <m:r>
+                                <a:rPr lang="en-US" b="0" i="1" smtClean="0">
+                                  <a:latin typeface="Cambria Math" panose="02040503050406030204" pitchFamily="18" charset="0"/>
+                                </a:rPr>
+                                <m:t>2</m:t>
+                              </m:r>
+                            </m:sup>
+                          </m:sSup>
+                        </m:e>
+                      </m:rad>
+                      <m:r>
+                        <a:rPr lang="en-US" b="0" i="1" smtClean="0">
+                          <a:latin typeface="Cambria Math" panose="02040503050406030204" pitchFamily="18" charset="0"/>
+                        </a:rPr>
+                        <m:t>, </m:t>
+                      </m:r>
+                      <m:r>
+                        <a:rPr lang="en-US" b="0" i="1" smtClean="0">
+                          <a:latin typeface="Cambria Math" panose="02040503050406030204" pitchFamily="18" charset="0"/>
+                        </a:rPr>
+                        <m:t>𝑑</m:t>
+                      </m:r>
+                      <m:r>
+                        <a:rPr lang="en-US" b="0" i="1" smtClean="0">
+                          <a:latin typeface="Cambria Math" panose="02040503050406030204" pitchFamily="18" charset="0"/>
+                        </a:rPr>
+                        <m:t>=</m:t>
+                      </m:r>
+                      <m:f>
+                        <m:fPr>
+                          <m:ctrlPr>
+                            <a:rPr lang="en-US" b="0" i="1" smtClean="0">
+                              <a:latin typeface="Cambria Math" panose="02040503050406030204" pitchFamily="18" charset="0"/>
+                            </a:rPr>
+                          </m:ctrlPr>
+                        </m:fPr>
+                        <m:num>
+                          <m:nary>
+                            <m:naryPr>
+                              <m:chr m:val="∑"/>
+                              <m:ctrlPr>
+                                <a:rPr lang="en-US" b="0" i="1" smtClean="0">
+                                  <a:latin typeface="Cambria Math" panose="02040503050406030204" pitchFamily="18" charset="0"/>
+                                </a:rPr>
+                              </m:ctrlPr>
+                            </m:naryPr>
+                            <m:sub>
+                              <m:r>
+                                <a:rPr lang="en-US" b="0" i="1" smtClean="0">
+                                  <a:latin typeface="Cambria Math" panose="02040503050406030204" pitchFamily="18" charset="0"/>
+                                </a:rPr>
+                                <m:t>𝑖</m:t>
+                              </m:r>
+                              <m:r>
+                                <a:rPr lang="en-US" b="0" i="1" smtClean="0">
+                                  <a:latin typeface="Cambria Math" panose="02040503050406030204" pitchFamily="18" charset="0"/>
+                                </a:rPr>
+                                <m:t>=1</m:t>
+                              </m:r>
+                            </m:sub>
+                            <m:sup>
+                              <m:r>
+                                <a:rPr lang="en-US" b="0" i="1" smtClean="0">
+                                  <a:latin typeface="Cambria Math" panose="02040503050406030204" pitchFamily="18" charset="0"/>
+                                </a:rPr>
+                                <m:t>𝑝</m:t>
+                              </m:r>
+                            </m:sup>
+                            <m:e>
+                              <m:sSub>
+                                <m:sSubPr>
+                                  <m:ctrlPr>
+                                    <a:rPr lang="en-US" b="0" i="1" smtClean="0">
+                                      <a:latin typeface="Cambria Math" panose="02040503050406030204" pitchFamily="18" charset="0"/>
+                                    </a:rPr>
+                                  </m:ctrlPr>
+                                </m:sSubPr>
+                                <m:e>
+                                  <m:r>
+                                    <a:rPr lang="en-US" b="0" i="1" smtClean="0">
+                                      <a:latin typeface="Cambria Math" panose="02040503050406030204" pitchFamily="18" charset="0"/>
+                                    </a:rPr>
+                                    <m:t>𝑑</m:t>
+                                  </m:r>
+                                </m:e>
+                                <m:sub>
+                                  <m:r>
+                                    <a:rPr lang="en-US" b="0" i="1" smtClean="0">
+                                      <a:latin typeface="Cambria Math" panose="02040503050406030204" pitchFamily="18" charset="0"/>
+                                    </a:rPr>
+                                    <m:t>𝑖</m:t>
+                                  </m:r>
+                                </m:sub>
+                              </m:sSub>
+                            </m:e>
+                          </m:nary>
+                        </m:num>
+                        <m:den>
+                          <m:r>
+                            <a:rPr lang="en-US" b="0" i="1" smtClean="0">
+                              <a:latin typeface="Cambria Math" panose="02040503050406030204" pitchFamily="18" charset="0"/>
+                            </a:rPr>
+                            <m:t>𝑝</m:t>
+                          </m:r>
+                        </m:den>
+                      </m:f>
+                    </m:oMath>
+                  </m:oMathPara>
+                </a14:m>
+                <a:endParaRPr lang="en-US" dirty="0"/>
+              </a:p>
+              <a:p>
+                <a:pPr marL="0" indent="0">
+                  <a:buNone/>
+                </a:pPr>
+                <a14:m>
+                  <m:oMathPara xmlns:m="http://schemas.openxmlformats.org/officeDocument/2006/math">
+                    <m:oMathParaPr>
+                      <m:jc m:val="centerGroup"/>
+                    </m:oMathParaPr>
+                    <m:oMath xmlns:m="http://schemas.openxmlformats.org/officeDocument/2006/math">
+                      <m:sSub>
+                        <m:sSubPr>
+                          <m:ctrlPr>
+                            <a:rPr lang="en-US" b="0" i="1" smtClean="0">
+                              <a:latin typeface="Cambria Math" panose="02040503050406030204" pitchFamily="18" charset="0"/>
+                            </a:rPr>
+                          </m:ctrlPr>
+                        </m:sSubPr>
+                        <m:e>
+                          <m:r>
+                            <a:rPr lang="en-US" b="0" i="1" smtClean="0">
+                              <a:latin typeface="Cambria Math" panose="02040503050406030204" pitchFamily="18" charset="0"/>
+                            </a:rPr>
+                            <m:t>𝑑</m:t>
+                          </m:r>
+                        </m:e>
+                        <m:sub>
+                          <m:r>
+                            <a:rPr lang="en-US" b="0" i="1" smtClean="0">
+                              <a:latin typeface="Cambria Math" panose="02040503050406030204" pitchFamily="18" charset="0"/>
+                            </a:rPr>
+                            <m:t>𝑖</m:t>
+                          </m:r>
+                        </m:sub>
+                      </m:sSub>
+                      <m:r>
+                        <a:rPr lang="en-US" b="0" i="1" smtClean="0">
+                          <a:latin typeface="Cambria Math" panose="02040503050406030204" pitchFamily="18" charset="0"/>
+                        </a:rPr>
+                        <m:t>=</m:t>
+                      </m:r>
+                      <m:func>
+                        <m:funcPr>
+                          <m:ctrlPr>
+                            <a:rPr lang="en-US" b="0" i="1" smtClean="0">
+                              <a:latin typeface="Cambria Math" panose="02040503050406030204" pitchFamily="18" charset="0"/>
+                            </a:rPr>
+                          </m:ctrlPr>
+                        </m:funcPr>
+                        <m:fName>
+                          <m:r>
+                            <m:rPr>
+                              <m:sty m:val="p"/>
+                            </m:rPr>
+                            <a:rPr lang="en-US" b="0" i="0" smtClean="0">
+                              <a:latin typeface="Cambria Math" panose="02040503050406030204" pitchFamily="18" charset="0"/>
+                            </a:rPr>
+                            <m:t>min</m:t>
+                          </m:r>
+                        </m:fName>
+                        <m:e>
+                          <m:d>
+                            <m:dPr>
+                              <m:ctrlPr>
+                                <a:rPr lang="en-US" b="0" i="1" smtClean="0">
+                                  <a:latin typeface="Cambria Math" panose="02040503050406030204" pitchFamily="18" charset="0"/>
+                                </a:rPr>
+                              </m:ctrlPr>
+                            </m:dPr>
+                            <m:e>
+                              <m:r>
+                                <a:rPr lang="en-US" b="0" i="1" smtClean="0">
+                                  <a:latin typeface="Cambria Math" panose="02040503050406030204" pitchFamily="18" charset="0"/>
+                                </a:rPr>
+                                <m:t>𝜌</m:t>
+                              </m:r>
+                              <m:d>
+                                <m:dPr>
+                                  <m:ctrlPr>
+                                    <a:rPr lang="en-US" b="0" i="1" smtClean="0">
+                                      <a:latin typeface="Cambria Math" panose="02040503050406030204" pitchFamily="18" charset="0"/>
+                                    </a:rPr>
+                                  </m:ctrlPr>
+                                </m:dPr>
+                                <m:e>
+                                  <m:sSub>
+                                    <m:sSubPr>
+                                      <m:ctrlPr>
+                                        <a:rPr lang="en-US" b="0" i="1" smtClean="0">
+                                          <a:latin typeface="Cambria Math" panose="02040503050406030204" pitchFamily="18" charset="0"/>
+                                        </a:rPr>
+                                      </m:ctrlPr>
+                                    </m:sSubPr>
+                                    <m:e>
+                                      <m:r>
+                                        <a:rPr lang="en-US" b="0" i="1" smtClean="0">
+                                          <a:latin typeface="Cambria Math" panose="02040503050406030204" pitchFamily="18" charset="0"/>
+                                        </a:rPr>
+                                        <m:t>𝑦</m:t>
+                                      </m:r>
+                                    </m:e>
+                                    <m:sub>
+                                      <m:r>
+                                        <a:rPr lang="en-US" b="0" i="1" smtClean="0">
+                                          <a:latin typeface="Cambria Math" panose="02040503050406030204" pitchFamily="18" charset="0"/>
+                                        </a:rPr>
+                                        <m:t>𝑖</m:t>
+                                      </m:r>
+                                    </m:sub>
+                                  </m:sSub>
+                                  <m:r>
+                                    <a:rPr lang="en-US" b="0" i="1" smtClean="0">
+                                      <a:latin typeface="Cambria Math" panose="02040503050406030204" pitchFamily="18" charset="0"/>
+                                    </a:rPr>
+                                    <m:t>,</m:t>
+                                  </m:r>
+                                  <m:sSub>
+                                    <m:sSubPr>
+                                      <m:ctrlPr>
+                                        <a:rPr lang="en-US" b="0" i="1" smtClean="0">
+                                          <a:latin typeface="Cambria Math" panose="02040503050406030204" pitchFamily="18" charset="0"/>
+                                        </a:rPr>
+                                      </m:ctrlPr>
+                                    </m:sSubPr>
+                                    <m:e>
+                                      <m:r>
+                                        <a:rPr lang="en-US" b="0" i="1" smtClean="0">
+                                          <a:latin typeface="Cambria Math" panose="02040503050406030204" pitchFamily="18" charset="0"/>
+                                        </a:rPr>
+                                        <m:t>𝑦</m:t>
+                                      </m:r>
+                                    </m:e>
+                                    <m:sub>
+                                      <m:r>
+                                        <a:rPr lang="en-US" b="0" i="1" smtClean="0">
+                                          <a:latin typeface="Cambria Math" panose="02040503050406030204" pitchFamily="18" charset="0"/>
+                                        </a:rPr>
+                                        <m:t>𝑗</m:t>
+                                      </m:r>
+                                    </m:sub>
+                                  </m:sSub>
+                                </m:e>
+                              </m:d>
+                            </m:e>
+                          </m:d>
+                        </m:e>
+                      </m:func>
+                      <m:r>
+                        <a:rPr lang="en-US" b="0" i="1" smtClean="0">
+                          <a:latin typeface="Cambria Math" panose="02040503050406030204" pitchFamily="18" charset="0"/>
+                        </a:rPr>
+                        <m:t>, </m:t>
+                      </m:r>
+                      <m:r>
+                        <a:rPr lang="en-US" b="0" i="1" smtClean="0">
+                          <a:latin typeface="Cambria Math" panose="02040503050406030204" pitchFamily="18" charset="0"/>
+                        </a:rPr>
+                        <m:t>𝑦</m:t>
+                      </m:r>
+                      <m:r>
+                        <a:rPr lang="en-US" b="0" i="1" smtClean="0">
+                          <a:latin typeface="Cambria Math" panose="02040503050406030204" pitchFamily="18" charset="0"/>
+                        </a:rPr>
+                        <m:t>∈</m:t>
+                      </m:r>
+                      <m:r>
+                        <a:rPr lang="en-US" b="0" i="1" smtClean="0">
+                          <a:latin typeface="Cambria Math" panose="02040503050406030204" pitchFamily="18" charset="0"/>
+                        </a:rPr>
+                        <m:t>𝑃𝑆</m:t>
+                      </m:r>
+                      <m:r>
+                        <a:rPr lang="en-US" b="0" i="1" smtClean="0">
+                          <a:latin typeface="Cambria Math" panose="02040503050406030204" pitchFamily="18" charset="0"/>
+                        </a:rPr>
+                        <m:t>,</m:t>
+                      </m:r>
+                      <m:sSub>
+                        <m:sSubPr>
+                          <m:ctrlPr>
+                            <a:rPr lang="en-US" b="0" i="1" smtClean="0">
+                              <a:latin typeface="Cambria Math" panose="02040503050406030204" pitchFamily="18" charset="0"/>
+                            </a:rPr>
+                          </m:ctrlPr>
+                        </m:sSubPr>
+                        <m:e>
+                          <m:r>
+                            <a:rPr lang="en-US" b="0" i="1" smtClean="0">
+                              <a:latin typeface="Cambria Math" panose="02040503050406030204" pitchFamily="18" charset="0"/>
+                            </a:rPr>
+                            <m:t>𝑦</m:t>
+                          </m:r>
+                        </m:e>
+                        <m:sub>
+                          <m:r>
+                            <a:rPr lang="en-US" b="0" i="1" smtClean="0">
+                              <a:latin typeface="Cambria Math" panose="02040503050406030204" pitchFamily="18" charset="0"/>
+                            </a:rPr>
+                            <m:t>𝑖</m:t>
+                          </m:r>
+                        </m:sub>
+                      </m:sSub>
+                      <m:r>
+                        <a:rPr lang="en-US" b="0" i="1" smtClean="0">
+                          <a:latin typeface="Cambria Math" panose="02040503050406030204" pitchFamily="18" charset="0"/>
+                        </a:rPr>
+                        <m:t>≠</m:t>
+                      </m:r>
+                      <m:sSub>
+                        <m:sSubPr>
+                          <m:ctrlPr>
+                            <a:rPr lang="en-US" b="0" i="1" smtClean="0">
+                              <a:latin typeface="Cambria Math" panose="02040503050406030204" pitchFamily="18" charset="0"/>
+                            </a:rPr>
+                          </m:ctrlPr>
+                        </m:sSubPr>
+                        <m:e>
+                          <m:r>
+                            <a:rPr lang="en-US" b="0" i="1" smtClean="0">
+                              <a:latin typeface="Cambria Math" panose="02040503050406030204" pitchFamily="18" charset="0"/>
+                            </a:rPr>
+                            <m:t>𝑦</m:t>
+                          </m:r>
+                        </m:e>
+                        <m:sub>
+                          <m:r>
+                            <a:rPr lang="en-US" b="0" i="1" smtClean="0">
+                              <a:latin typeface="Cambria Math" panose="02040503050406030204" pitchFamily="18" charset="0"/>
+                            </a:rPr>
+                            <m:t>𝑗</m:t>
+                          </m:r>
+                        </m:sub>
+                      </m:sSub>
+                    </m:oMath>
+                  </m:oMathPara>
+                </a14:m>
+                <a:endParaRPr lang="ru-RU" dirty="0"/>
+              </a:p>
+              <a:p>
+                <a:endParaRPr lang="ru-RU" dirty="0"/>
+              </a:p>
+              <a:p>
+                <a:endParaRPr lang="ru-RU" dirty="0"/>
+              </a:p>
+              <a:p>
+                <a:endParaRPr lang="ru-RU" dirty="0"/>
+              </a:p>
+              <a:p>
+                <a:endParaRPr lang="ru-RU" dirty="0"/>
+              </a:p>
+              <a:p>
+                <a:endParaRPr lang="ru-RU" dirty="0"/>
+              </a:p>
+              <a:p>
+                <a:endParaRPr lang="ru-RU" dirty="0"/>
+              </a:p>
+              <a:p>
+                <a:endParaRPr lang="ru-RU" dirty="0"/>
+              </a:p>
+              <a:p>
+                <a:endParaRPr lang="ru-RU" dirty="0"/>
+              </a:p>
+              <a:p>
+                <a:endParaRPr lang="ru-RU" dirty="0"/>
+              </a:p>
+            </p:txBody>
+          </p:sp>
+        </mc:Choice>
+        <mc:Fallback>
+          <p:sp>
+            <p:nvSpPr>
+              <p:cNvPr id="3" name="Объект 2">
+                <a:extLst>
+                  <a:ext uri="{FF2B5EF4-FFF2-40B4-BE49-F238E27FC236}">
+                    <a16:creationId xmlns:a16="http://schemas.microsoft.com/office/drawing/2014/main" id="{37B1E90B-603F-5327-7222-65867324D3D4}"/>
+                  </a:ext>
+                </a:extLst>
+              </p:cNvPr>
+              <p:cNvSpPr>
+                <a:spLocks noGrp="1" noRot="1" noChangeAspect="1" noMove="1" noResize="1" noEditPoints="1" noAdjustHandles="1" noChangeArrowheads="1" noChangeShapeType="1" noTextEdit="1"/>
+              </p:cNvSpPr>
+              <p:nvPr>
+                <p:ph idx="1"/>
+              </p:nvPr>
+            </p:nvSpPr>
+            <p:spPr>
+              <a:blipFill>
+                <a:blip r:embed="rId2"/>
+                <a:stretch>
+                  <a:fillRect l="-449" t="-936"/>
+                </a:stretch>
+              </a:blipFill>
+            </p:spPr>
+            <p:txBody>
+              <a:bodyPr/>
+              <a:lstStyle/>
+              <a:p>
+                <a:r>
+                  <a:rPr lang="ru-RU">
+                    <a:noFill/>
+                  </a:rPr>
+                  <a:t> </a:t>
+                </a:r>
+              </a:p>
+            </p:txBody>
+          </p:sp>
+        </mc:Fallback>
+      </mc:AlternateContent>
+      <p:sp>
+        <p:nvSpPr>
+          <p:cNvPr id="4" name="Дата 3">
+            <a:extLst>
+              <a:ext uri="{FF2B5EF4-FFF2-40B4-BE49-F238E27FC236}">
+                <a16:creationId xmlns:a16="http://schemas.microsoft.com/office/drawing/2014/main" id="{D02DE098-8877-AC03-73CD-5C8CAACBBDD1}"/>
+              </a:ext>
+            </a:extLst>
+          </p:cNvPr>
+          <p:cNvSpPr>
+            <a:spLocks noGrp="1"/>
+          </p:cNvSpPr>
+          <p:nvPr>
+            <p:ph type="dt" sz="half" idx="2"/>
+          </p:nvPr>
+        </p:nvSpPr>
+        <p:spPr/>
+        <p:txBody>
+          <a:bodyPr/>
+          <a:lstStyle/>
+          <a:p>
+            <a:pPr>
+              <a:defRPr/>
+            </a:pPr>
+            <a:r>
+              <a:rPr lang="ru-RU"/>
+              <a:t>LION16</a:t>
+            </a:r>
+            <a:endParaRPr lang="ru-RU" dirty="0"/>
+          </a:p>
+        </p:txBody>
+      </p:sp>
+      <p:sp>
+        <p:nvSpPr>
+          <p:cNvPr id="5" name="Нижний колонтитул 4">
+            <a:extLst>
+              <a:ext uri="{FF2B5EF4-FFF2-40B4-BE49-F238E27FC236}">
+                <a16:creationId xmlns:a16="http://schemas.microsoft.com/office/drawing/2014/main" id="{DF4F135D-4ACB-8784-E2DF-7FBB16FC0BFA}"/>
+              </a:ext>
+            </a:extLst>
+          </p:cNvPr>
+          <p:cNvSpPr>
+            <a:spLocks noGrp="1"/>
+          </p:cNvSpPr>
+          <p:nvPr>
+            <p:ph type="ftr" sz="quarter" idx="3"/>
+          </p:nvPr>
+        </p:nvSpPr>
+        <p:spPr/>
+        <p:txBody>
+          <a:bodyPr/>
+          <a:lstStyle/>
+          <a:p>
+            <a:pPr algn="ctr">
+              <a:defRPr/>
+            </a:pPr>
+            <a:r>
+              <a:rPr lang="en-US"/>
+              <a:t>ML-based approach for accelerating global search algorithm for solving multicriteria problems</a:t>
+            </a:r>
+            <a:endParaRPr lang="en-US" dirty="0"/>
+          </a:p>
+        </p:txBody>
+      </p:sp>
+      <p:sp>
+        <p:nvSpPr>
+          <p:cNvPr id="6" name="Номер слайда 5">
+            <a:extLst>
+              <a:ext uri="{FF2B5EF4-FFF2-40B4-BE49-F238E27FC236}">
+                <a16:creationId xmlns:a16="http://schemas.microsoft.com/office/drawing/2014/main" id="{58EF3BC3-534A-6B31-55F8-48F6CC781D21}"/>
+              </a:ext>
+            </a:extLst>
+          </p:cNvPr>
+          <p:cNvSpPr>
+            <a:spLocks noGrp="1"/>
+          </p:cNvSpPr>
+          <p:nvPr>
+            <p:ph type="sldNum" sz="quarter" idx="4"/>
+          </p:nvPr>
+        </p:nvSpPr>
+        <p:spPr/>
+        <p:txBody>
+          <a:bodyPr/>
+          <a:lstStyle/>
+          <a:p>
+            <a:pPr>
+              <a:defRPr/>
+            </a:pPr>
+            <a:fld id="{4F2367BF-7A57-4F5A-B357-719264272D2E}" type="slidenum">
+              <a:rPr lang="ru-RU" smtClean="0"/>
+              <a:pPr>
+                <a:defRPr/>
+              </a:pPr>
+              <a:t>19</a:t>
+            </a:fld>
+            <a:r>
+              <a:rPr lang="en-US"/>
+              <a:t>/1</a:t>
+            </a:r>
+            <a:r>
+              <a:rPr lang="ru-RU"/>
+              <a:t>9</a:t>
+            </a:r>
+            <a:endParaRPr lang="ru-RU" dirty="0"/>
+          </a:p>
+        </p:txBody>
+      </p:sp>
+      <p:sp>
+        <p:nvSpPr>
+          <p:cNvPr id="7" name="Прямоугольник 6">
+            <a:extLst>
+              <a:ext uri="{FF2B5EF4-FFF2-40B4-BE49-F238E27FC236}">
+                <a16:creationId xmlns:a16="http://schemas.microsoft.com/office/drawing/2014/main" id="{33764010-4449-BD68-956D-6E467D4D77C0}"/>
+              </a:ext>
+            </a:extLst>
+          </p:cNvPr>
+          <p:cNvSpPr/>
+          <p:nvPr/>
+        </p:nvSpPr>
+        <p:spPr bwMode="auto">
+          <a:xfrm>
+            <a:off x="5169024" y="2060848"/>
+            <a:ext cx="504056" cy="648072"/>
+          </a:xfrm>
+          <a:prstGeom prst="rect">
+            <a:avLst/>
+          </a:prstGeom>
+          <a:solidFill>
+            <a:schemeClr val="accent1"/>
+          </a:solidFill>
+          <a:ln w="9525" cap="flat" cmpd="sng" algn="ctr">
+            <a:noFill/>
+            <a:prstDash val="solid"/>
+            <a:round/>
+            <a:headEnd type="none" w="med" len="med"/>
+            <a:tailEnd type="none" w="med" len="med"/>
+          </a:ln>
+          <a:effectLst/>
+        </p:spPr>
+        <p:txBody>
+          <a:bodyPr vert="horz" wrap="none" lIns="91440" tIns="45720" rIns="91440" bIns="45720" numCol="1" rtlCol="0" anchor="t" anchorCtr="0" compatLnSpc="1">
+            <a:prstTxWarp prst="textNoShape">
+              <a:avLst/>
+            </a:prstTxWarp>
+          </a:bodyPr>
+          <a:lstStyle/>
+          <a:p>
+            <a:pPr marL="0" marR="0" indent="0" algn="r" defTabSz="914400" rtl="0" eaLnBrk="1" fontAlgn="base" latinLnBrk="0" hangingPunct="1">
+              <a:lnSpc>
+                <a:spcPct val="100000"/>
+              </a:lnSpc>
+              <a:spcBef>
+                <a:spcPct val="0"/>
+              </a:spcBef>
+              <a:spcAft>
+                <a:spcPct val="0"/>
+              </a:spcAft>
+              <a:buClrTx/>
+              <a:buSzTx/>
+              <a:buFontTx/>
+              <a:buNone/>
+              <a:tabLst/>
+            </a:pPr>
+            <a:endParaRPr kumimoji="0" lang="ru-RU" sz="1800" b="0" i="0" u="none" strike="noStrike" cap="none" normalizeH="0" baseline="0">
+              <a:ln>
+                <a:noFill/>
+              </a:ln>
+              <a:solidFill>
+                <a:schemeClr val="tx1"/>
+              </a:solidFill>
+              <a:effectLst/>
+              <a:latin typeface="Bernard MT Condensed" pitchFamily="18" charset="0"/>
+              <a:cs typeface="Arial" pitchFamily="34" charset="0"/>
+            </a:endParaRPr>
+          </a:p>
+        </p:txBody>
+      </p:sp>
+      <p:sp>
+        <p:nvSpPr>
+          <p:cNvPr id="8" name="Прямоугольник 7">
+            <a:extLst>
+              <a:ext uri="{FF2B5EF4-FFF2-40B4-BE49-F238E27FC236}">
+                <a16:creationId xmlns:a16="http://schemas.microsoft.com/office/drawing/2014/main" id="{32D101CD-28C6-9FCD-0A21-CCD065769516}"/>
+              </a:ext>
+            </a:extLst>
+          </p:cNvPr>
+          <p:cNvSpPr/>
+          <p:nvPr/>
+        </p:nvSpPr>
+        <p:spPr bwMode="auto">
+          <a:xfrm>
+            <a:off x="5673080" y="2060848"/>
+            <a:ext cx="504056" cy="936104"/>
+          </a:xfrm>
+          <a:prstGeom prst="rect">
+            <a:avLst/>
+          </a:prstGeom>
+          <a:solidFill>
+            <a:schemeClr val="accent1"/>
+          </a:solidFill>
+          <a:ln w="9525" cap="flat" cmpd="sng" algn="ctr">
+            <a:noFill/>
+            <a:prstDash val="solid"/>
+            <a:round/>
+            <a:headEnd type="none" w="med" len="med"/>
+            <a:tailEnd type="none" w="med" len="med"/>
+          </a:ln>
+          <a:effectLst/>
+        </p:spPr>
+        <p:txBody>
+          <a:bodyPr vert="horz" wrap="none" lIns="91440" tIns="45720" rIns="91440" bIns="45720" numCol="1" rtlCol="0" anchor="t" anchorCtr="0" compatLnSpc="1">
+            <a:prstTxWarp prst="textNoShape">
+              <a:avLst/>
+            </a:prstTxWarp>
+          </a:bodyPr>
+          <a:lstStyle/>
+          <a:p>
+            <a:pPr marL="0" marR="0" indent="0" algn="r" defTabSz="914400" rtl="0" eaLnBrk="1" fontAlgn="base" latinLnBrk="0" hangingPunct="1">
+              <a:lnSpc>
+                <a:spcPct val="100000"/>
+              </a:lnSpc>
+              <a:spcBef>
+                <a:spcPct val="0"/>
+              </a:spcBef>
+              <a:spcAft>
+                <a:spcPct val="0"/>
+              </a:spcAft>
+              <a:buClrTx/>
+              <a:buSzTx/>
+              <a:buFontTx/>
+              <a:buNone/>
+              <a:tabLst/>
+            </a:pPr>
+            <a:endParaRPr kumimoji="0" lang="ru-RU" sz="1800" b="0" i="0" u="none" strike="noStrike" cap="none" normalizeH="0" baseline="0">
+              <a:ln>
+                <a:noFill/>
+              </a:ln>
+              <a:solidFill>
+                <a:schemeClr val="tx1"/>
+              </a:solidFill>
+              <a:effectLst/>
+              <a:latin typeface="Bernard MT Condensed" pitchFamily="18" charset="0"/>
+              <a:cs typeface="Arial" pitchFamily="34" charset="0"/>
+            </a:endParaRPr>
+          </a:p>
+        </p:txBody>
+      </p:sp>
+      <p:sp>
+        <p:nvSpPr>
+          <p:cNvPr id="9" name="Прямоугольник 8">
+            <a:extLst>
+              <a:ext uri="{FF2B5EF4-FFF2-40B4-BE49-F238E27FC236}">
+                <a16:creationId xmlns:a16="http://schemas.microsoft.com/office/drawing/2014/main" id="{5F44FA4E-0CF1-D32F-837F-CEBFC4A61B7C}"/>
+              </a:ext>
+            </a:extLst>
+          </p:cNvPr>
+          <p:cNvSpPr/>
+          <p:nvPr/>
+        </p:nvSpPr>
+        <p:spPr bwMode="auto">
+          <a:xfrm>
+            <a:off x="6175841" y="2060847"/>
+            <a:ext cx="505351" cy="1852392"/>
+          </a:xfrm>
+          <a:prstGeom prst="rect">
+            <a:avLst/>
+          </a:prstGeom>
+          <a:solidFill>
+            <a:schemeClr val="accent1"/>
+          </a:solidFill>
+          <a:ln w="9525" cap="flat" cmpd="sng" algn="ctr">
+            <a:noFill/>
+            <a:prstDash val="solid"/>
+            <a:round/>
+            <a:headEnd type="none" w="med" len="med"/>
+            <a:tailEnd type="none" w="med" len="med"/>
+          </a:ln>
+          <a:effectLst/>
+        </p:spPr>
+        <p:txBody>
+          <a:bodyPr vert="horz" wrap="none" lIns="91440" tIns="45720" rIns="91440" bIns="45720" numCol="1" rtlCol="0" anchor="t" anchorCtr="0" compatLnSpc="1">
+            <a:prstTxWarp prst="textNoShape">
+              <a:avLst/>
+            </a:prstTxWarp>
+          </a:bodyPr>
+          <a:lstStyle/>
+          <a:p>
+            <a:pPr marL="0" marR="0" indent="0" algn="r" defTabSz="914400" rtl="0" eaLnBrk="1" fontAlgn="base" latinLnBrk="0" hangingPunct="1">
+              <a:lnSpc>
+                <a:spcPct val="100000"/>
+              </a:lnSpc>
+              <a:spcBef>
+                <a:spcPct val="0"/>
+              </a:spcBef>
+              <a:spcAft>
+                <a:spcPct val="0"/>
+              </a:spcAft>
+              <a:buClrTx/>
+              <a:buSzTx/>
+              <a:buFontTx/>
+              <a:buNone/>
+              <a:tabLst/>
+            </a:pPr>
+            <a:endParaRPr kumimoji="0" lang="ru-RU" sz="1800" b="0" i="0" u="none" strike="noStrike" cap="none" normalizeH="0" baseline="0">
+              <a:ln>
+                <a:noFill/>
+              </a:ln>
+              <a:solidFill>
+                <a:schemeClr val="tx1"/>
+              </a:solidFill>
+              <a:effectLst/>
+              <a:latin typeface="Bernard MT Condensed" pitchFamily="18" charset="0"/>
+              <a:cs typeface="Arial" pitchFamily="34" charset="0"/>
+            </a:endParaRPr>
+          </a:p>
+        </p:txBody>
+      </p:sp>
+      <p:sp>
+        <p:nvSpPr>
+          <p:cNvPr id="10" name="Прямоугольник 9">
+            <a:extLst>
+              <a:ext uri="{FF2B5EF4-FFF2-40B4-BE49-F238E27FC236}">
+                <a16:creationId xmlns:a16="http://schemas.microsoft.com/office/drawing/2014/main" id="{B86BBB37-0AAE-16C0-36DD-2BEA14926FE3}"/>
+              </a:ext>
+            </a:extLst>
+          </p:cNvPr>
+          <p:cNvSpPr/>
+          <p:nvPr/>
+        </p:nvSpPr>
+        <p:spPr bwMode="auto">
+          <a:xfrm>
+            <a:off x="6679897" y="2060848"/>
+            <a:ext cx="505351" cy="2088232"/>
+          </a:xfrm>
+          <a:prstGeom prst="rect">
+            <a:avLst/>
+          </a:prstGeom>
+          <a:solidFill>
+            <a:schemeClr val="accent1"/>
+          </a:solidFill>
+          <a:ln w="9525" cap="flat" cmpd="sng" algn="ctr">
+            <a:noFill/>
+            <a:prstDash val="solid"/>
+            <a:round/>
+            <a:headEnd type="none" w="med" len="med"/>
+            <a:tailEnd type="none" w="med" len="med"/>
+          </a:ln>
+          <a:effectLst/>
+        </p:spPr>
+        <p:txBody>
+          <a:bodyPr vert="horz" wrap="none" lIns="91440" tIns="45720" rIns="91440" bIns="45720" numCol="1" rtlCol="0" anchor="t" anchorCtr="0" compatLnSpc="1">
+            <a:prstTxWarp prst="textNoShape">
+              <a:avLst/>
+            </a:prstTxWarp>
+          </a:bodyPr>
+          <a:lstStyle/>
+          <a:p>
+            <a:pPr marL="0" marR="0" indent="0" algn="r" defTabSz="914400" rtl="0" eaLnBrk="1" fontAlgn="base" latinLnBrk="0" hangingPunct="1">
+              <a:lnSpc>
+                <a:spcPct val="100000"/>
+              </a:lnSpc>
+              <a:spcBef>
+                <a:spcPct val="0"/>
+              </a:spcBef>
+              <a:spcAft>
+                <a:spcPct val="0"/>
+              </a:spcAft>
+              <a:buClrTx/>
+              <a:buSzTx/>
+              <a:buFontTx/>
+              <a:buNone/>
+              <a:tabLst/>
+            </a:pPr>
+            <a:endParaRPr kumimoji="0" lang="ru-RU" sz="1800" b="0" i="0" u="none" strike="noStrike" cap="none" normalizeH="0" baseline="0">
+              <a:ln>
+                <a:noFill/>
+              </a:ln>
+              <a:solidFill>
+                <a:schemeClr val="tx1"/>
+              </a:solidFill>
+              <a:effectLst/>
+              <a:latin typeface="Bernard MT Condensed" pitchFamily="18" charset="0"/>
+              <a:cs typeface="Arial" pitchFamily="34" charset="0"/>
+            </a:endParaRPr>
+          </a:p>
+        </p:txBody>
+      </p:sp>
+      <p:sp>
+        <p:nvSpPr>
+          <p:cNvPr id="11" name="Прямоугольник 10">
+            <a:extLst>
+              <a:ext uri="{FF2B5EF4-FFF2-40B4-BE49-F238E27FC236}">
+                <a16:creationId xmlns:a16="http://schemas.microsoft.com/office/drawing/2014/main" id="{D984D268-D20A-3E38-CDAF-8629651F9ECE}"/>
+              </a:ext>
+            </a:extLst>
+          </p:cNvPr>
+          <p:cNvSpPr/>
+          <p:nvPr/>
+        </p:nvSpPr>
+        <p:spPr bwMode="auto">
+          <a:xfrm>
+            <a:off x="7185248" y="2060848"/>
+            <a:ext cx="504056" cy="2232248"/>
+          </a:xfrm>
+          <a:prstGeom prst="rect">
+            <a:avLst/>
+          </a:prstGeom>
+          <a:solidFill>
+            <a:schemeClr val="accent1"/>
+          </a:solidFill>
+          <a:ln w="9525" cap="flat" cmpd="sng" algn="ctr">
+            <a:noFill/>
+            <a:prstDash val="solid"/>
+            <a:round/>
+            <a:headEnd type="none" w="med" len="med"/>
+            <a:tailEnd type="none" w="med" len="med"/>
+          </a:ln>
+          <a:effectLst/>
+        </p:spPr>
+        <p:txBody>
+          <a:bodyPr vert="horz" wrap="none" lIns="91440" tIns="45720" rIns="91440" bIns="45720" numCol="1" rtlCol="0" anchor="t" anchorCtr="0" compatLnSpc="1">
+            <a:prstTxWarp prst="textNoShape">
+              <a:avLst/>
+            </a:prstTxWarp>
+          </a:bodyPr>
+          <a:lstStyle/>
+          <a:p>
+            <a:pPr marL="0" marR="0" indent="0" algn="r" defTabSz="914400" rtl="0" eaLnBrk="1" fontAlgn="base" latinLnBrk="0" hangingPunct="1">
+              <a:lnSpc>
+                <a:spcPct val="100000"/>
+              </a:lnSpc>
+              <a:spcBef>
+                <a:spcPct val="0"/>
+              </a:spcBef>
+              <a:spcAft>
+                <a:spcPct val="0"/>
+              </a:spcAft>
+              <a:buClrTx/>
+              <a:buSzTx/>
+              <a:buFontTx/>
+              <a:buNone/>
+              <a:tabLst/>
+            </a:pPr>
+            <a:endParaRPr kumimoji="0" lang="ru-RU" sz="1800" b="0" i="0" u="none" strike="noStrike" cap="none" normalizeH="0" baseline="0">
+              <a:ln>
+                <a:noFill/>
+              </a:ln>
+              <a:solidFill>
+                <a:schemeClr val="tx1"/>
+              </a:solidFill>
+              <a:effectLst/>
+              <a:latin typeface="Bernard MT Condensed" pitchFamily="18" charset="0"/>
+              <a:cs typeface="Arial" pitchFamily="34" charset="0"/>
+            </a:endParaRPr>
+          </a:p>
+        </p:txBody>
+      </p:sp>
+      <p:cxnSp>
+        <p:nvCxnSpPr>
+          <p:cNvPr id="15" name="Соединитель: изогнутый 14">
+            <a:extLst>
+              <a:ext uri="{FF2B5EF4-FFF2-40B4-BE49-F238E27FC236}">
+                <a16:creationId xmlns:a16="http://schemas.microsoft.com/office/drawing/2014/main" id="{0164DFCD-0C9A-EF36-1A84-75FB557ACA0A}"/>
+              </a:ext>
+            </a:extLst>
+          </p:cNvPr>
+          <p:cNvCxnSpPr>
+            <a:cxnSpLocks/>
+          </p:cNvCxnSpPr>
+          <p:nvPr/>
+        </p:nvCxnSpPr>
+        <p:spPr bwMode="auto">
+          <a:xfrm>
+            <a:off x="3440832" y="2708920"/>
+            <a:ext cx="2592288" cy="1634386"/>
+          </a:xfrm>
+          <a:prstGeom prst="curvedConnector3">
+            <a:avLst>
+              <a:gd name="adj1" fmla="val 35208"/>
+            </a:avLst>
+          </a:prstGeom>
+          <a:solidFill>
+            <a:schemeClr val="accent1"/>
+          </a:solidFill>
+          <a:ln w="9525" cap="flat" cmpd="sng" algn="ctr">
+            <a:noFill/>
+            <a:prstDash val="solid"/>
+            <a:round/>
+            <a:headEnd type="none" w="med" len="med"/>
+            <a:tailEnd type="none" w="med" len="med"/>
+          </a:ln>
+          <a:effectLst/>
+        </p:spPr>
+      </p:cxnSp>
+      <p:sp>
+        <p:nvSpPr>
+          <p:cNvPr id="24" name="Овал 23">
+            <a:extLst>
+              <a:ext uri="{FF2B5EF4-FFF2-40B4-BE49-F238E27FC236}">
+                <a16:creationId xmlns:a16="http://schemas.microsoft.com/office/drawing/2014/main" id="{8F5B6E4F-9DC6-2989-BFA7-4F608F3AFFF3}"/>
+              </a:ext>
+            </a:extLst>
+          </p:cNvPr>
+          <p:cNvSpPr/>
+          <p:nvPr/>
+        </p:nvSpPr>
+        <p:spPr bwMode="auto">
+          <a:xfrm>
+            <a:off x="5097454" y="2660134"/>
+            <a:ext cx="144016" cy="144016"/>
+          </a:xfrm>
+          <a:prstGeom prst="ellipse">
+            <a:avLst/>
+          </a:prstGeom>
+          <a:solidFill>
+            <a:srgbClr val="FF9900"/>
+          </a:solidFill>
+          <a:ln w="9525" cap="flat" cmpd="sng" algn="ctr">
+            <a:solidFill>
+              <a:schemeClr val="tx1"/>
+            </a:solidFill>
+            <a:prstDash val="solid"/>
+            <a:round/>
+            <a:headEnd type="none" w="med" len="med"/>
+            <a:tailEnd type="none" w="med" len="med"/>
+          </a:ln>
+          <a:effectLst/>
+        </p:spPr>
+        <p:txBody>
+          <a:bodyPr vert="horz" wrap="none" lIns="91440" tIns="45720" rIns="91440" bIns="45720" numCol="1" rtlCol="0" anchor="t" anchorCtr="0" compatLnSpc="1">
+            <a:prstTxWarp prst="textNoShape">
+              <a:avLst/>
+            </a:prstTxWarp>
+          </a:bodyPr>
+          <a:lstStyle/>
+          <a:p>
+            <a:pPr marL="0" marR="0" indent="0" algn="r" defTabSz="914400" rtl="0" eaLnBrk="1" fontAlgn="base" latinLnBrk="0" hangingPunct="1">
+              <a:lnSpc>
+                <a:spcPct val="100000"/>
+              </a:lnSpc>
+              <a:spcBef>
+                <a:spcPct val="0"/>
+              </a:spcBef>
+              <a:spcAft>
+                <a:spcPct val="0"/>
+              </a:spcAft>
+              <a:buClrTx/>
+              <a:buSzTx/>
+              <a:buFontTx/>
+              <a:buNone/>
+              <a:tabLst/>
+            </a:pPr>
+            <a:endParaRPr kumimoji="0" lang="ru-RU" sz="1800" b="0" i="0" u="none" strike="noStrike" cap="none" normalizeH="0" baseline="0">
+              <a:ln>
+                <a:noFill/>
+              </a:ln>
+              <a:solidFill>
+                <a:schemeClr val="tx1"/>
+              </a:solidFill>
+              <a:effectLst/>
+              <a:latin typeface="Bernard MT Condensed" pitchFamily="18" charset="0"/>
+              <a:cs typeface="Arial" pitchFamily="34" charset="0"/>
+            </a:endParaRPr>
+          </a:p>
+        </p:txBody>
+      </p:sp>
+      <p:sp>
+        <p:nvSpPr>
+          <p:cNvPr id="25" name="Овал 24">
+            <a:extLst>
+              <a:ext uri="{FF2B5EF4-FFF2-40B4-BE49-F238E27FC236}">
+                <a16:creationId xmlns:a16="http://schemas.microsoft.com/office/drawing/2014/main" id="{C33BB744-83A1-4B62-A961-42F34A0BEFC5}"/>
+              </a:ext>
+            </a:extLst>
+          </p:cNvPr>
+          <p:cNvSpPr/>
+          <p:nvPr/>
+        </p:nvSpPr>
+        <p:spPr bwMode="auto">
+          <a:xfrm>
+            <a:off x="5599777" y="2924944"/>
+            <a:ext cx="144016" cy="144016"/>
+          </a:xfrm>
+          <a:prstGeom prst="ellipse">
+            <a:avLst/>
+          </a:prstGeom>
+          <a:solidFill>
+            <a:srgbClr val="FF9900"/>
+          </a:solidFill>
+          <a:ln w="9525" cap="flat" cmpd="sng" algn="ctr">
+            <a:solidFill>
+              <a:schemeClr val="tx1"/>
+            </a:solidFill>
+            <a:prstDash val="solid"/>
+            <a:round/>
+            <a:headEnd type="none" w="med" len="med"/>
+            <a:tailEnd type="none" w="med" len="med"/>
+          </a:ln>
+          <a:effectLst/>
+        </p:spPr>
+        <p:txBody>
+          <a:bodyPr vert="horz" wrap="none" lIns="91440" tIns="45720" rIns="91440" bIns="45720" numCol="1" rtlCol="0" anchor="t" anchorCtr="0" compatLnSpc="1">
+            <a:prstTxWarp prst="textNoShape">
+              <a:avLst/>
+            </a:prstTxWarp>
+          </a:bodyPr>
+          <a:lstStyle/>
+          <a:p>
+            <a:pPr marL="0" marR="0" indent="0" algn="r" defTabSz="914400" rtl="0" eaLnBrk="1" fontAlgn="base" latinLnBrk="0" hangingPunct="1">
+              <a:lnSpc>
+                <a:spcPct val="100000"/>
+              </a:lnSpc>
+              <a:spcBef>
+                <a:spcPct val="0"/>
+              </a:spcBef>
+              <a:spcAft>
+                <a:spcPct val="0"/>
+              </a:spcAft>
+              <a:buClrTx/>
+              <a:buSzTx/>
+              <a:buFontTx/>
+              <a:buNone/>
+              <a:tabLst/>
+            </a:pPr>
+            <a:endParaRPr kumimoji="0" lang="ru-RU" sz="1800" b="0" i="0" u="none" strike="noStrike" cap="none" normalizeH="0" baseline="0">
+              <a:ln>
+                <a:noFill/>
+              </a:ln>
+              <a:solidFill>
+                <a:schemeClr val="tx1"/>
+              </a:solidFill>
+              <a:effectLst/>
+              <a:latin typeface="Bernard MT Condensed" pitchFamily="18" charset="0"/>
+              <a:cs typeface="Arial" pitchFamily="34" charset="0"/>
+            </a:endParaRPr>
+          </a:p>
+        </p:txBody>
+      </p:sp>
+      <p:sp>
+        <p:nvSpPr>
+          <p:cNvPr id="26" name="Овал 25">
+            <a:extLst>
+              <a:ext uri="{FF2B5EF4-FFF2-40B4-BE49-F238E27FC236}">
+                <a16:creationId xmlns:a16="http://schemas.microsoft.com/office/drawing/2014/main" id="{C18951AB-3F78-A096-D19D-DA7D8ED40527}"/>
+              </a:ext>
+            </a:extLst>
+          </p:cNvPr>
+          <p:cNvSpPr/>
+          <p:nvPr/>
+        </p:nvSpPr>
+        <p:spPr bwMode="auto">
+          <a:xfrm>
+            <a:off x="6103833" y="3842238"/>
+            <a:ext cx="144016" cy="144016"/>
+          </a:xfrm>
+          <a:prstGeom prst="ellipse">
+            <a:avLst/>
+          </a:prstGeom>
+          <a:solidFill>
+            <a:srgbClr val="FF9900"/>
+          </a:solidFill>
+          <a:ln w="9525" cap="flat" cmpd="sng" algn="ctr">
+            <a:solidFill>
+              <a:schemeClr val="tx1"/>
+            </a:solidFill>
+            <a:prstDash val="solid"/>
+            <a:round/>
+            <a:headEnd type="none" w="med" len="med"/>
+            <a:tailEnd type="none" w="med" len="med"/>
+          </a:ln>
+          <a:effectLst/>
+        </p:spPr>
+        <p:txBody>
+          <a:bodyPr vert="horz" wrap="none" lIns="91440" tIns="45720" rIns="91440" bIns="45720" numCol="1" rtlCol="0" anchor="t" anchorCtr="0" compatLnSpc="1">
+            <a:prstTxWarp prst="textNoShape">
+              <a:avLst/>
+            </a:prstTxWarp>
+          </a:bodyPr>
+          <a:lstStyle/>
+          <a:p>
+            <a:pPr marL="0" marR="0" indent="0" algn="r" defTabSz="914400" rtl="0" eaLnBrk="1" fontAlgn="base" latinLnBrk="0" hangingPunct="1">
+              <a:lnSpc>
+                <a:spcPct val="100000"/>
+              </a:lnSpc>
+              <a:spcBef>
+                <a:spcPct val="0"/>
+              </a:spcBef>
+              <a:spcAft>
+                <a:spcPct val="0"/>
+              </a:spcAft>
+              <a:buClrTx/>
+              <a:buSzTx/>
+              <a:buFontTx/>
+              <a:buNone/>
+              <a:tabLst/>
+            </a:pPr>
+            <a:endParaRPr kumimoji="0" lang="ru-RU" sz="1800" b="0" i="0" u="none" strike="noStrike" cap="none" normalizeH="0" baseline="0">
+              <a:ln>
+                <a:noFill/>
+              </a:ln>
+              <a:solidFill>
+                <a:schemeClr val="tx1"/>
+              </a:solidFill>
+              <a:effectLst/>
+              <a:latin typeface="Bernard MT Condensed" pitchFamily="18" charset="0"/>
+              <a:cs typeface="Arial" pitchFamily="34" charset="0"/>
+            </a:endParaRPr>
+          </a:p>
+        </p:txBody>
+      </p:sp>
+      <p:sp>
+        <p:nvSpPr>
+          <p:cNvPr id="27" name="Овал 26">
+            <a:extLst>
+              <a:ext uri="{FF2B5EF4-FFF2-40B4-BE49-F238E27FC236}">
+                <a16:creationId xmlns:a16="http://schemas.microsoft.com/office/drawing/2014/main" id="{710CB65E-C869-AB6B-5402-79D62ED50C13}"/>
+              </a:ext>
+            </a:extLst>
+          </p:cNvPr>
+          <p:cNvSpPr/>
+          <p:nvPr/>
+        </p:nvSpPr>
+        <p:spPr bwMode="auto">
+          <a:xfrm>
+            <a:off x="6607889" y="4077072"/>
+            <a:ext cx="144016" cy="144016"/>
+          </a:xfrm>
+          <a:prstGeom prst="ellipse">
+            <a:avLst/>
+          </a:prstGeom>
+          <a:solidFill>
+            <a:srgbClr val="FF9900"/>
+          </a:solidFill>
+          <a:ln w="9525" cap="flat" cmpd="sng" algn="ctr">
+            <a:solidFill>
+              <a:schemeClr val="tx1"/>
+            </a:solidFill>
+            <a:prstDash val="solid"/>
+            <a:round/>
+            <a:headEnd type="none" w="med" len="med"/>
+            <a:tailEnd type="none" w="med" len="med"/>
+          </a:ln>
+          <a:effectLst/>
+        </p:spPr>
+        <p:txBody>
+          <a:bodyPr vert="horz" wrap="none" lIns="91440" tIns="45720" rIns="91440" bIns="45720" numCol="1" rtlCol="0" anchor="t" anchorCtr="0" compatLnSpc="1">
+            <a:prstTxWarp prst="textNoShape">
+              <a:avLst/>
+            </a:prstTxWarp>
+          </a:bodyPr>
+          <a:lstStyle/>
+          <a:p>
+            <a:pPr marL="0" marR="0" indent="0" algn="r" defTabSz="914400" rtl="0" eaLnBrk="1" fontAlgn="base" latinLnBrk="0" hangingPunct="1">
+              <a:lnSpc>
+                <a:spcPct val="100000"/>
+              </a:lnSpc>
+              <a:spcBef>
+                <a:spcPct val="0"/>
+              </a:spcBef>
+              <a:spcAft>
+                <a:spcPct val="0"/>
+              </a:spcAft>
+              <a:buClrTx/>
+              <a:buSzTx/>
+              <a:buFontTx/>
+              <a:buNone/>
+              <a:tabLst/>
+            </a:pPr>
+            <a:endParaRPr kumimoji="0" lang="ru-RU" sz="1800" b="0" i="0" u="none" strike="noStrike" cap="none" normalizeH="0" baseline="0">
+              <a:ln>
+                <a:noFill/>
+              </a:ln>
+              <a:solidFill>
+                <a:schemeClr val="tx1"/>
+              </a:solidFill>
+              <a:effectLst/>
+              <a:latin typeface="Bernard MT Condensed" pitchFamily="18" charset="0"/>
+              <a:cs typeface="Arial" pitchFamily="34" charset="0"/>
+            </a:endParaRPr>
+          </a:p>
+        </p:txBody>
+      </p:sp>
+      <p:sp>
+        <p:nvSpPr>
+          <p:cNvPr id="28" name="Овал 27">
+            <a:extLst>
+              <a:ext uri="{FF2B5EF4-FFF2-40B4-BE49-F238E27FC236}">
+                <a16:creationId xmlns:a16="http://schemas.microsoft.com/office/drawing/2014/main" id="{366BDA0E-2428-6047-4847-1F9B75A25C87}"/>
+              </a:ext>
+            </a:extLst>
+          </p:cNvPr>
+          <p:cNvSpPr/>
+          <p:nvPr/>
+        </p:nvSpPr>
+        <p:spPr bwMode="auto">
+          <a:xfrm>
+            <a:off x="7113240" y="4233306"/>
+            <a:ext cx="144016" cy="144016"/>
+          </a:xfrm>
+          <a:prstGeom prst="ellipse">
+            <a:avLst/>
+          </a:prstGeom>
+          <a:solidFill>
+            <a:srgbClr val="FF9900"/>
+          </a:solidFill>
+          <a:ln w="9525" cap="flat" cmpd="sng" algn="ctr">
+            <a:solidFill>
+              <a:schemeClr val="tx1"/>
+            </a:solidFill>
+            <a:prstDash val="solid"/>
+            <a:round/>
+            <a:headEnd type="none" w="med" len="med"/>
+            <a:tailEnd type="none" w="med" len="med"/>
+          </a:ln>
+          <a:effectLst/>
+        </p:spPr>
+        <p:txBody>
+          <a:bodyPr vert="horz" wrap="none" lIns="91440" tIns="45720" rIns="91440" bIns="45720" numCol="1" rtlCol="0" anchor="t" anchorCtr="0" compatLnSpc="1">
+            <a:prstTxWarp prst="textNoShape">
+              <a:avLst/>
+            </a:prstTxWarp>
+          </a:bodyPr>
+          <a:lstStyle/>
+          <a:p>
+            <a:pPr marL="0" marR="0" indent="0" algn="r" defTabSz="914400" rtl="0" eaLnBrk="1" fontAlgn="base" latinLnBrk="0" hangingPunct="1">
+              <a:lnSpc>
+                <a:spcPct val="100000"/>
+              </a:lnSpc>
+              <a:spcBef>
+                <a:spcPct val="0"/>
+              </a:spcBef>
+              <a:spcAft>
+                <a:spcPct val="0"/>
+              </a:spcAft>
+              <a:buClrTx/>
+              <a:buSzTx/>
+              <a:buFontTx/>
+              <a:buNone/>
+              <a:tabLst/>
+            </a:pPr>
+            <a:endParaRPr kumimoji="0" lang="ru-RU" sz="1800" b="0" i="0" u="none" strike="noStrike" cap="none" normalizeH="0" baseline="0">
+              <a:ln>
+                <a:noFill/>
+              </a:ln>
+              <a:solidFill>
+                <a:schemeClr val="tx1"/>
+              </a:solidFill>
+              <a:effectLst/>
+              <a:latin typeface="Bernard MT Condensed" pitchFamily="18" charset="0"/>
+              <a:cs typeface="Arial" pitchFamily="34" charset="0"/>
+            </a:endParaRPr>
+          </a:p>
+        </p:txBody>
+      </p:sp>
+      <p:sp>
+        <p:nvSpPr>
+          <p:cNvPr id="29" name="Овал 28">
+            <a:extLst>
+              <a:ext uri="{FF2B5EF4-FFF2-40B4-BE49-F238E27FC236}">
+                <a16:creationId xmlns:a16="http://schemas.microsoft.com/office/drawing/2014/main" id="{992D00B1-C8E4-5C8B-56D1-0E62477B46D3}"/>
+              </a:ext>
+            </a:extLst>
+          </p:cNvPr>
+          <p:cNvSpPr/>
+          <p:nvPr/>
+        </p:nvSpPr>
+        <p:spPr bwMode="auto">
+          <a:xfrm>
+            <a:off x="7617296" y="1988839"/>
+            <a:ext cx="144016" cy="144016"/>
+          </a:xfrm>
+          <a:prstGeom prst="ellipse">
+            <a:avLst/>
+          </a:prstGeom>
+          <a:solidFill>
+            <a:schemeClr val="tx1"/>
+          </a:solidFill>
+          <a:ln w="9525" cap="flat" cmpd="sng" algn="ctr">
+            <a:solidFill>
+              <a:schemeClr val="tx1"/>
+            </a:solidFill>
+            <a:prstDash val="solid"/>
+            <a:round/>
+            <a:headEnd type="none" w="med" len="med"/>
+            <a:tailEnd type="none" w="med" len="med"/>
+          </a:ln>
+          <a:effectLst/>
+        </p:spPr>
+        <p:txBody>
+          <a:bodyPr vert="horz" wrap="none" lIns="91440" tIns="45720" rIns="91440" bIns="45720" numCol="1" rtlCol="0" anchor="t" anchorCtr="0" compatLnSpc="1">
+            <a:prstTxWarp prst="textNoShape">
+              <a:avLst/>
+            </a:prstTxWarp>
+          </a:bodyPr>
+          <a:lstStyle/>
+          <a:p>
+            <a:pPr marL="0" marR="0" indent="0" algn="r" defTabSz="914400" rtl="0" eaLnBrk="1" fontAlgn="base" latinLnBrk="0" hangingPunct="1">
+              <a:lnSpc>
+                <a:spcPct val="100000"/>
+              </a:lnSpc>
+              <a:spcBef>
+                <a:spcPct val="0"/>
+              </a:spcBef>
+              <a:spcAft>
+                <a:spcPct val="0"/>
+              </a:spcAft>
+              <a:buClrTx/>
+              <a:buSzTx/>
+              <a:buFontTx/>
+              <a:buNone/>
+              <a:tabLst/>
+            </a:pPr>
+            <a:endParaRPr kumimoji="0" lang="ru-RU" sz="1800" b="0" i="0" u="none" strike="noStrike" cap="none" normalizeH="0" baseline="0">
+              <a:ln>
+                <a:noFill/>
+              </a:ln>
+              <a:solidFill>
+                <a:schemeClr val="tx1"/>
+              </a:solidFill>
+              <a:effectLst/>
+              <a:latin typeface="Bernard MT Condensed" pitchFamily="18" charset="0"/>
+              <a:cs typeface="Arial" pitchFamily="34" charset="0"/>
+            </a:endParaRPr>
+          </a:p>
+        </p:txBody>
+      </p:sp>
+      <p:sp>
+        <p:nvSpPr>
+          <p:cNvPr id="31" name="TextBox 30">
+            <a:extLst>
+              <a:ext uri="{FF2B5EF4-FFF2-40B4-BE49-F238E27FC236}">
+                <a16:creationId xmlns:a16="http://schemas.microsoft.com/office/drawing/2014/main" id="{6A025310-8F16-363C-12C5-4EBC16EA0FE6}"/>
+              </a:ext>
+            </a:extLst>
+          </p:cNvPr>
+          <p:cNvSpPr txBox="1"/>
+          <p:nvPr/>
+        </p:nvSpPr>
+        <p:spPr>
+          <a:xfrm>
+            <a:off x="5173925" y="2176405"/>
+            <a:ext cx="2515379" cy="400110"/>
+          </a:xfrm>
+          <a:prstGeom prst="rect">
+            <a:avLst/>
+          </a:prstGeom>
+          <a:noFill/>
+        </p:spPr>
+        <p:txBody>
+          <a:bodyPr wrap="square">
+            <a:spAutoFit/>
+          </a:bodyPr>
+          <a:lstStyle/>
+          <a:p>
+            <a:r>
+              <a:rPr lang="en-US" sz="2000" b="1" i="1" dirty="0"/>
+              <a:t>Hypervolume indices</a:t>
+            </a:r>
+            <a:endParaRPr lang="ru-RU" sz="2000" b="1" i="1" dirty="0"/>
+          </a:p>
+        </p:txBody>
+      </p:sp>
+      <p:sp>
+        <p:nvSpPr>
+          <p:cNvPr id="33" name="TextBox 32">
+            <a:extLst>
+              <a:ext uri="{FF2B5EF4-FFF2-40B4-BE49-F238E27FC236}">
+                <a16:creationId xmlns:a16="http://schemas.microsoft.com/office/drawing/2014/main" id="{564C220B-340E-56D2-7F7E-DCCC5A1CBD61}"/>
+              </a:ext>
+            </a:extLst>
+          </p:cNvPr>
+          <p:cNvSpPr txBox="1"/>
+          <p:nvPr/>
+        </p:nvSpPr>
+        <p:spPr>
+          <a:xfrm>
+            <a:off x="704528" y="3789040"/>
+            <a:ext cx="3347481" cy="461665"/>
+          </a:xfrm>
+          <a:prstGeom prst="rect">
+            <a:avLst/>
+          </a:prstGeom>
+          <a:noFill/>
+          <a:ln>
+            <a:noFill/>
+          </a:ln>
+        </p:spPr>
+        <p:txBody>
+          <a:bodyPr wrap="square">
+            <a:spAutoFit/>
+          </a:bodyPr>
+          <a:lstStyle/>
+          <a:p>
+            <a:pPr algn="ctr"/>
+            <a:r>
+              <a:rPr lang="en-US" sz="2400" dirty="0"/>
+              <a:t>Pareto set estimation(PS)</a:t>
+            </a:r>
+            <a:endParaRPr lang="ru-RU" dirty="0"/>
+          </a:p>
+        </p:txBody>
+      </p:sp>
+      <p:cxnSp>
+        <p:nvCxnSpPr>
+          <p:cNvPr id="35" name="Прямая со стрелкой 34">
+            <a:extLst>
+              <a:ext uri="{FF2B5EF4-FFF2-40B4-BE49-F238E27FC236}">
+                <a16:creationId xmlns:a16="http://schemas.microsoft.com/office/drawing/2014/main" id="{3860D810-9675-3ABA-D14E-1C16E0274F1C}"/>
+              </a:ext>
+            </a:extLst>
+          </p:cNvPr>
+          <p:cNvCxnSpPr>
+            <a:cxnSpLocks/>
+            <a:stCxn id="33" idx="3"/>
+            <a:endCxn id="24" idx="3"/>
+          </p:cNvCxnSpPr>
+          <p:nvPr/>
+        </p:nvCxnSpPr>
+        <p:spPr bwMode="auto">
+          <a:xfrm flipV="1">
+            <a:off x="4052009" y="2783059"/>
+            <a:ext cx="1066536" cy="1236814"/>
+          </a:xfrm>
+          <a:prstGeom prst="straightConnector1">
+            <a:avLst/>
+          </a:prstGeom>
+          <a:solidFill>
+            <a:schemeClr val="accent1"/>
+          </a:solidFill>
+          <a:ln w="9525" cap="flat" cmpd="sng" algn="ctr">
+            <a:solidFill>
+              <a:schemeClr val="tx1"/>
+            </a:solidFill>
+            <a:prstDash val="solid"/>
+            <a:round/>
+            <a:headEnd type="none" w="med" len="med"/>
+            <a:tailEnd type="triangle"/>
+          </a:ln>
+          <a:effectLst/>
+        </p:spPr>
+      </p:cxnSp>
+      <p:cxnSp>
+        <p:nvCxnSpPr>
+          <p:cNvPr id="37" name="Прямая со стрелкой 36">
+            <a:extLst>
+              <a:ext uri="{FF2B5EF4-FFF2-40B4-BE49-F238E27FC236}">
+                <a16:creationId xmlns:a16="http://schemas.microsoft.com/office/drawing/2014/main" id="{76AF167D-0AAC-CB88-2B03-396DA4A82450}"/>
+              </a:ext>
+            </a:extLst>
+          </p:cNvPr>
+          <p:cNvCxnSpPr>
+            <a:cxnSpLocks/>
+            <a:stCxn id="33" idx="3"/>
+            <a:endCxn id="25" idx="3"/>
+          </p:cNvCxnSpPr>
+          <p:nvPr/>
+        </p:nvCxnSpPr>
+        <p:spPr bwMode="auto">
+          <a:xfrm flipV="1">
+            <a:off x="4052009" y="3047869"/>
+            <a:ext cx="1568859" cy="972004"/>
+          </a:xfrm>
+          <a:prstGeom prst="straightConnector1">
+            <a:avLst/>
+          </a:prstGeom>
+          <a:solidFill>
+            <a:schemeClr val="accent1"/>
+          </a:solidFill>
+          <a:ln w="9525" cap="flat" cmpd="sng" algn="ctr">
+            <a:solidFill>
+              <a:schemeClr val="tx1"/>
+            </a:solidFill>
+            <a:prstDash val="solid"/>
+            <a:round/>
+            <a:headEnd type="none" w="med" len="med"/>
+            <a:tailEnd type="triangle"/>
+          </a:ln>
+          <a:effectLst/>
+        </p:spPr>
+      </p:cxnSp>
+      <p:cxnSp>
+        <p:nvCxnSpPr>
+          <p:cNvPr id="39" name="Прямая со стрелкой 38">
+            <a:extLst>
+              <a:ext uri="{FF2B5EF4-FFF2-40B4-BE49-F238E27FC236}">
+                <a16:creationId xmlns:a16="http://schemas.microsoft.com/office/drawing/2014/main" id="{BC240F37-A5DB-B41E-CC98-AC17A95EB22E}"/>
+              </a:ext>
+            </a:extLst>
+          </p:cNvPr>
+          <p:cNvCxnSpPr>
+            <a:cxnSpLocks/>
+            <a:stCxn id="33" idx="3"/>
+            <a:endCxn id="26" idx="2"/>
+          </p:cNvCxnSpPr>
+          <p:nvPr/>
+        </p:nvCxnSpPr>
+        <p:spPr bwMode="auto">
+          <a:xfrm flipV="1">
+            <a:off x="4052009" y="3914246"/>
+            <a:ext cx="2051824" cy="105627"/>
+          </a:xfrm>
+          <a:prstGeom prst="straightConnector1">
+            <a:avLst/>
+          </a:prstGeom>
+          <a:solidFill>
+            <a:schemeClr val="accent1"/>
+          </a:solidFill>
+          <a:ln w="9525" cap="flat" cmpd="sng" algn="ctr">
+            <a:solidFill>
+              <a:schemeClr val="tx1"/>
+            </a:solidFill>
+            <a:prstDash val="solid"/>
+            <a:round/>
+            <a:headEnd type="none" w="med" len="med"/>
+            <a:tailEnd type="triangle"/>
+          </a:ln>
+          <a:effectLst/>
+        </p:spPr>
+      </p:cxnSp>
+      <p:cxnSp>
+        <p:nvCxnSpPr>
+          <p:cNvPr id="45" name="Прямая со стрелкой 44">
+            <a:extLst>
+              <a:ext uri="{FF2B5EF4-FFF2-40B4-BE49-F238E27FC236}">
+                <a16:creationId xmlns:a16="http://schemas.microsoft.com/office/drawing/2014/main" id="{A0AC05ED-7A31-F5DF-3168-BBD80EDDC453}"/>
+              </a:ext>
+            </a:extLst>
+          </p:cNvPr>
+          <p:cNvCxnSpPr>
+            <a:cxnSpLocks/>
+            <a:stCxn id="33" idx="3"/>
+            <a:endCxn id="27" idx="2"/>
+          </p:cNvCxnSpPr>
+          <p:nvPr/>
+        </p:nvCxnSpPr>
+        <p:spPr bwMode="auto">
+          <a:xfrm>
+            <a:off x="4052009" y="4019873"/>
+            <a:ext cx="2555880" cy="129207"/>
+          </a:xfrm>
+          <a:prstGeom prst="straightConnector1">
+            <a:avLst/>
+          </a:prstGeom>
+          <a:solidFill>
+            <a:schemeClr val="accent1"/>
+          </a:solidFill>
+          <a:ln w="9525" cap="flat" cmpd="sng" algn="ctr">
+            <a:solidFill>
+              <a:schemeClr val="tx1"/>
+            </a:solidFill>
+            <a:prstDash val="solid"/>
+            <a:round/>
+            <a:headEnd type="none" w="med" len="med"/>
+            <a:tailEnd type="triangle"/>
+          </a:ln>
+          <a:effectLst/>
+        </p:spPr>
+      </p:cxnSp>
+      <p:cxnSp>
+        <p:nvCxnSpPr>
+          <p:cNvPr id="47" name="Прямая со стрелкой 46">
+            <a:extLst>
+              <a:ext uri="{FF2B5EF4-FFF2-40B4-BE49-F238E27FC236}">
+                <a16:creationId xmlns:a16="http://schemas.microsoft.com/office/drawing/2014/main" id="{EE6F7C2D-0005-6E35-E804-3180459F4F1D}"/>
+              </a:ext>
+            </a:extLst>
+          </p:cNvPr>
+          <p:cNvCxnSpPr>
+            <a:cxnSpLocks/>
+            <a:stCxn id="33" idx="3"/>
+            <a:endCxn id="28" idx="2"/>
+          </p:cNvCxnSpPr>
+          <p:nvPr/>
+        </p:nvCxnSpPr>
+        <p:spPr bwMode="auto">
+          <a:xfrm>
+            <a:off x="4052009" y="4019873"/>
+            <a:ext cx="3061231" cy="285441"/>
+          </a:xfrm>
+          <a:prstGeom prst="straightConnector1">
+            <a:avLst/>
+          </a:prstGeom>
+          <a:solidFill>
+            <a:schemeClr val="accent1"/>
+          </a:solidFill>
+          <a:ln w="9525" cap="flat" cmpd="sng" algn="ctr">
+            <a:solidFill>
+              <a:schemeClr val="tx1"/>
+            </a:solidFill>
+            <a:prstDash val="solid"/>
+            <a:round/>
+            <a:headEnd type="none" w="med" len="med"/>
+            <a:tailEnd type="triangle"/>
+          </a:ln>
+          <a:effectLst/>
+        </p:spPr>
+      </p:cxnSp>
+    </p:spTree>
+    <p:extLst>
+      <p:ext uri="{BB962C8B-B14F-4D97-AF65-F5344CB8AC3E}">
+        <p14:creationId xmlns:p14="http://schemas.microsoft.com/office/powerpoint/2010/main" val="2056326502"/>
+      </p:ext>
+    </p:extLst>
+  </p:cSld>
+  <p:clrMapOvr>
+    <a:masterClrMapping/>
+  </p:clrMapOvr>
+</p:sld>
+</file>
+
+<file path=ppt/slides/slide2.xml><?xml version="1.0" encoding="utf-8"?>
+<p:sld xmlns:a="http://schemas.openxmlformats.org/drawingml/2006/main" xmlns:r="http://schemas.openxmlformats.org/officeDocument/2006/relationships" xmlns:p="http://schemas.openxmlformats.org/presentationml/2006/main">
+  <p:cSld>
+    <p:spTree>
+      <p:nvGrpSpPr>
+        <p:cNvPr id="1" name=""/>
+        <p:cNvGrpSpPr/>
+        <p:nvPr/>
+      </p:nvGrpSpPr>
+      <p:grpSpPr>
+        <a:xfrm>
+          <a:off x="0" y="0"/>
+          <a:ext cx="0" cy="0"/>
+          <a:chOff x="0" y="0"/>
+          <a:chExt cx="0" cy="0"/>
+        </a:xfrm>
+      </p:grpSpPr>
+      <p:sp>
+        <p:nvSpPr>
+          <p:cNvPr id="2" name="Заголовок 1"/>
+          <p:cNvSpPr>
+            <a:spLocks noGrp="1"/>
+          </p:cNvSpPr>
+          <p:nvPr>
+            <p:ph type="title"/>
+          </p:nvPr>
+        </p:nvSpPr>
+        <p:spPr/>
+        <p:txBody>
+          <a:bodyPr/>
+          <a:lstStyle/>
+          <a:p>
+            <a:pPr algn="ctr"/>
+            <a:r>
+              <a:rPr lang="en-US" dirty="0"/>
+              <a:t>Victor Gergel</a:t>
+            </a:r>
+          </a:p>
+        </p:txBody>
+      </p:sp>
+      <p:sp>
+        <p:nvSpPr>
+          <p:cNvPr id="3" name="Содержимое 2"/>
+          <p:cNvSpPr>
+            <a:spLocks noGrp="1"/>
+          </p:cNvSpPr>
+          <p:nvPr>
+            <p:ph idx="1"/>
+          </p:nvPr>
+        </p:nvSpPr>
+        <p:spPr/>
+        <p:txBody>
+          <a:bodyPr/>
+          <a:lstStyle/>
+          <a:p>
+            <a:pPr marL="0" indent="0">
+              <a:buNone/>
+            </a:pPr>
+            <a:endParaRPr lang="en-US" dirty="0"/>
+          </a:p>
+          <a:p>
+            <a:pPr marL="0" indent="0">
+              <a:buNone/>
+            </a:pPr>
+            <a:endParaRPr lang="en-US" dirty="0"/>
+          </a:p>
+          <a:p>
+            <a:pPr marL="0" indent="0">
+              <a:buNone/>
+            </a:pPr>
+            <a:endParaRPr lang="en-US" dirty="0"/>
+          </a:p>
+          <a:p>
+            <a:pPr marL="0" indent="0">
+              <a:buNone/>
+            </a:pPr>
+            <a:endParaRPr lang="en-US" dirty="0"/>
+          </a:p>
+          <a:p>
+            <a:pPr marL="0" indent="0">
+              <a:buNone/>
+            </a:pPr>
+            <a:endParaRPr lang="en-US" dirty="0"/>
+          </a:p>
+          <a:p>
+            <a:pPr marL="0" indent="0">
+              <a:buNone/>
+            </a:pPr>
+            <a:endParaRPr lang="en-US" dirty="0"/>
+          </a:p>
+          <a:p>
+            <a:pPr marL="0" indent="0">
+              <a:buNone/>
+            </a:pPr>
+            <a:endParaRPr lang="en-US" dirty="0"/>
+          </a:p>
+          <a:p>
+            <a:pPr marL="0" indent="0">
+              <a:buNone/>
+            </a:pPr>
+            <a:endParaRPr lang="en-US" dirty="0"/>
+          </a:p>
+          <a:p>
+            <a:pPr marL="0" indent="0">
+              <a:buNone/>
+            </a:pPr>
+            <a:endParaRPr lang="en-US" dirty="0"/>
+          </a:p>
+          <a:p>
+            <a:pPr marL="0" indent="0">
+              <a:buNone/>
+            </a:pPr>
+            <a:endParaRPr lang="en-US" dirty="0"/>
+          </a:p>
+          <a:p>
+            <a:pPr marL="0" indent="0" algn="ctr">
+              <a:buNone/>
+            </a:pPr>
+            <a:endParaRPr lang="en-US" sz="2000" dirty="0"/>
+          </a:p>
+          <a:p>
+            <a:pPr marL="0" indent="0" algn="ctr">
+              <a:buNone/>
+            </a:pPr>
+            <a:r>
+              <a:rPr lang="ru-RU" sz="2000" dirty="0"/>
+              <a:t>14</a:t>
+            </a:r>
+            <a:r>
+              <a:rPr lang="en-US" sz="2000" dirty="0"/>
+              <a:t>.01.</a:t>
+            </a:r>
+            <a:r>
+              <a:rPr lang="ru-RU" sz="2000" dirty="0"/>
+              <a:t>1955 – 29</a:t>
+            </a:r>
+            <a:r>
+              <a:rPr lang="en-US" sz="2000" dirty="0"/>
+              <a:t>.06.</a:t>
+            </a:r>
+            <a:r>
+              <a:rPr lang="ru-RU" sz="2000" dirty="0"/>
+              <a:t>2021</a:t>
+            </a:r>
+            <a:endParaRPr lang="en-US" sz="2000" dirty="0"/>
+          </a:p>
+          <a:p>
+            <a:pPr marL="0" indent="0">
+              <a:buNone/>
+            </a:pPr>
+            <a:endParaRPr lang="en-US" dirty="0"/>
+          </a:p>
+          <a:p>
+            <a:pPr marL="0" indent="0">
+              <a:buNone/>
+            </a:pPr>
+            <a:endParaRPr lang="en-US" dirty="0"/>
+          </a:p>
+        </p:txBody>
+      </p:sp>
+      <p:sp>
+        <p:nvSpPr>
+          <p:cNvPr id="9" name="Нижний колонтитул 8">
+            <a:extLst>
+              <a:ext uri="{FF2B5EF4-FFF2-40B4-BE49-F238E27FC236}">
+                <a16:creationId xmlns:a16="http://schemas.microsoft.com/office/drawing/2014/main" id="{3EDB4254-00CB-4D3C-ABEF-81A639A4AB56}"/>
+              </a:ext>
+            </a:extLst>
+          </p:cNvPr>
+          <p:cNvSpPr>
+            <a:spLocks noGrp="1"/>
+          </p:cNvSpPr>
+          <p:nvPr>
+            <p:ph type="ftr" sz="quarter" idx="3"/>
+          </p:nvPr>
+        </p:nvSpPr>
+        <p:spPr/>
+        <p:txBody>
+          <a:bodyPr/>
+          <a:lstStyle/>
+          <a:p>
+            <a:pPr algn="ctr">
+              <a:defRPr/>
+            </a:pPr>
+            <a:r>
+              <a:rPr lang="en-US"/>
+              <a:t>ML-based approach for accelerating global search algorithm for solving multicriteria problems</a:t>
+            </a:r>
+            <a:endParaRPr lang="en-US" dirty="0"/>
+          </a:p>
+        </p:txBody>
+      </p:sp>
+      <p:sp>
+        <p:nvSpPr>
+          <p:cNvPr id="10" name="Дата 9">
+            <a:extLst>
+              <a:ext uri="{FF2B5EF4-FFF2-40B4-BE49-F238E27FC236}">
+                <a16:creationId xmlns:a16="http://schemas.microsoft.com/office/drawing/2014/main" id="{BE2A4B69-A70A-4713-879D-7943BCA89690}"/>
+              </a:ext>
+            </a:extLst>
+          </p:cNvPr>
+          <p:cNvSpPr>
+            <a:spLocks noGrp="1"/>
+          </p:cNvSpPr>
+          <p:nvPr>
+            <p:ph type="dt" sz="half" idx="2"/>
+          </p:nvPr>
+        </p:nvSpPr>
+        <p:spPr/>
+        <p:txBody>
+          <a:bodyPr/>
+          <a:lstStyle/>
+          <a:p>
+            <a:pPr>
+              <a:defRPr/>
+            </a:pPr>
+            <a:r>
+              <a:rPr lang="ru-RU"/>
+              <a:t>LION16</a:t>
+            </a:r>
+            <a:endParaRPr lang="ru-RU" dirty="0"/>
+          </a:p>
+        </p:txBody>
+      </p:sp>
       <p:pic>
         <p:nvPicPr>
-          <p:cNvPr id="7" name="Рисунок 6">
+          <p:cNvPr id="4" name="Рисунок 3">
             <a:extLst>
               <a:ext uri="{FF2B5EF4-FFF2-40B4-BE49-F238E27FC236}">
-                <a16:creationId xmlns:a16="http://schemas.microsoft.com/office/drawing/2014/main" id="{FC97CB29-47CD-4971-A19E-6CB838FE26BD}"/>
+                <a16:creationId xmlns:a16="http://schemas.microsoft.com/office/drawing/2014/main" id="{C81F7B9D-D89A-4544-801E-3E574ECC97D7}"/>
               </a:ext>
             </a:extLst>
           </p:cNvPr>
@@ -11725,14 +14145,87 @@
         </p:blipFill>
         <p:spPr>
           <a:xfrm>
-            <a:off x="4088904" y="2636912"/>
-            <a:ext cx="5825923" cy="2347838"/>
+            <a:off x="2216696" y="1096495"/>
+            <a:ext cx="5619820" cy="4513620"/>
           </a:xfrm>
           <a:prstGeom prst="rect">
             <a:avLst/>
           </a:prstGeom>
         </p:spPr>
       </p:pic>
+      <p:sp>
+        <p:nvSpPr>
+          <p:cNvPr id="5" name="Номер слайда 4">
+            <a:extLst>
+              <a:ext uri="{FF2B5EF4-FFF2-40B4-BE49-F238E27FC236}">
+                <a16:creationId xmlns:a16="http://schemas.microsoft.com/office/drawing/2014/main" id="{B78291BF-DDE2-4403-BDED-E0B165370A09}"/>
+              </a:ext>
+            </a:extLst>
+          </p:cNvPr>
+          <p:cNvSpPr>
+            <a:spLocks noGrp="1"/>
+          </p:cNvSpPr>
+          <p:nvPr>
+            <p:ph type="sldNum" sz="quarter" idx="4"/>
+          </p:nvPr>
+        </p:nvSpPr>
+        <p:spPr/>
+        <p:txBody>
+          <a:bodyPr/>
+          <a:lstStyle/>
+          <a:p>
+            <a:pPr>
+              <a:defRPr/>
+            </a:pPr>
+            <a:fld id="{4F2367BF-7A57-4F5A-B357-719264272D2E}" type="slidenum">
+              <a:rPr lang="ru-RU" smtClean="0"/>
+              <a:pPr>
+                <a:defRPr/>
+              </a:pPr>
+              <a:t>2</a:t>
+            </a:fld>
+            <a:r>
+              <a:rPr lang="en-US"/>
+              <a:t>/1</a:t>
+            </a:r>
+            <a:r>
+              <a:rPr lang="ru-RU"/>
+              <a:t>9</a:t>
+            </a:r>
+            <a:endParaRPr lang="ru-RU" dirty="0"/>
+          </a:p>
+        </p:txBody>
+      </p:sp>
+    </p:spTree>
+    <p:extLst>
+      <p:ext uri="{BB962C8B-B14F-4D97-AF65-F5344CB8AC3E}">
+        <p14:creationId xmlns:p14="http://schemas.microsoft.com/office/powerpoint/2010/main" val="3735359397"/>
+      </p:ext>
+    </p:extLst>
+  </p:cSld>
+  <p:clrMapOvr>
+    <a:masterClrMapping/>
+  </p:clrMapOvr>
+</p:sld>
+</file>
+
+<file path=ppt/slides/slide20.xml><?xml version="1.0" encoding="utf-8"?>
+<p:sld xmlns:a="http://schemas.openxmlformats.org/drawingml/2006/main" xmlns:r="http://schemas.openxmlformats.org/officeDocument/2006/relationships" xmlns:p="http://schemas.openxmlformats.org/presentationml/2006/main">
+  <p:cSld>
+    <p:spTree>
+      <p:nvGrpSpPr>
+        <p:cNvPr id="1" name=""/>
+        <p:cNvGrpSpPr/>
+        <p:nvPr/>
+      </p:nvGrpSpPr>
+      <p:grpSpPr>
+        <a:xfrm>
+          <a:off x="0" y="0"/>
+          <a:ext cx="0" cy="0"/>
+          <a:chOff x="0" y="0"/>
+          <a:chExt cx="0" cy="0"/>
+        </a:xfrm>
+      </p:grpSpPr>
       <p:sp>
         <p:nvSpPr>
           <p:cNvPr id="2" name="Заголовок 1"/>
@@ -11756,8 +14249,8 @@
           </a:p>
         </p:txBody>
       </p:sp>
-      <mc:AlternateContent xmlns:mc="http://schemas.openxmlformats.org/markup-compatibility/2006" xmlns:a14="http://schemas.microsoft.com/office/drawing/2010/main">
-        <mc:Choice Requires="a14">
+      <mc:AlternateContent xmlns:mc="http://schemas.openxmlformats.org/markup-compatibility/2006">
+        <mc:Choice xmlns:a14="http://schemas.microsoft.com/office/drawing/2010/main" Requires="a14">
           <p:sp>
             <p:nvSpPr>
               <p:cNvPr id="3" name="Содержимое 2"/>
@@ -12108,28 +14601,14 @@
                 </a:r>
                 <a:r>
                   <a:rPr lang="en-US" sz="2000" dirty="0"/>
-                  <a:t> </a:t>
-                </a:r>
-                <a:br>
-                  <a:rPr lang="en-US" sz="2000" dirty="0"/>
-                </a:br>
-                <a:r>
-                  <a:rPr lang="en-US" sz="2000" dirty="0"/>
-                  <a:t>from the PISA, </a:t>
+                  <a:t> from the PISA, </a:t>
                 </a:r>
               </a:p>
               <a:p>
                 <a:pPr lvl="1"/>
                 <a:r>
                   <a:rPr lang="en-US" sz="2000" dirty="0"/>
-                  <a:t>the Non-Uniform Coverage </a:t>
-                </a:r>
-                <a:br>
-                  <a:rPr lang="en-US" sz="2000" dirty="0"/>
-                </a:br>
-                <a:r>
-                  <a:rPr lang="en-US" sz="2000" dirty="0"/>
-                  <a:t>(</a:t>
+                  <a:t>the Non-Uniform Coverage (</a:t>
                 </a:r>
                 <a:r>
                   <a:rPr lang="en-US" sz="2000" b="1" dirty="0"/>
@@ -12144,14 +14623,7 @@
                 <a:pPr lvl="1"/>
                 <a:r>
                   <a:rPr lang="en-US" sz="2000" dirty="0"/>
-                  <a:t>the Bi-objective Lipschitz </a:t>
-                </a:r>
-                <a:br>
-                  <a:rPr lang="en-US" sz="2000" dirty="0"/>
-                </a:br>
-                <a:r>
-                  <a:rPr lang="en-US" sz="2000" dirty="0"/>
-                  <a:t>Optimization (</a:t>
+                  <a:t>the Bi-objective Lipschitz Optimization (</a:t>
                 </a:r>
                 <a:r>
                   <a:rPr lang="en-US" sz="2000" b="1" dirty="0"/>
@@ -12163,61 +14635,13 @@
                 </a:r>
               </a:p>
               <a:p>
-                <a:r>
-                  <a:rPr lang="en-US" dirty="0"/>
-                  <a:t>The quality of the approximation was evaluated using </a:t>
-                </a:r>
-                <a:br>
-                  <a:rPr lang="en-US" dirty="0"/>
-                </a:br>
-                <a:r>
-                  <a:rPr lang="en-US" dirty="0"/>
-                  <a:t>the </a:t>
-                </a:r>
-                <a:r>
-                  <a:rPr lang="en-US" i="1" dirty="0"/>
-                  <a:t>hypervolume </a:t>
-                </a:r>
-                <a:r>
-                  <a:rPr lang="en-US" dirty="0"/>
-                  <a:t>(HV, </a:t>
-                </a:r>
-                <a:r>
-                  <a:rPr lang="en-US" i="1" dirty="0"/>
-                  <a:t>larger is better</a:t>
-                </a:r>
-                <a:r>
-                  <a:rPr lang="en-US" dirty="0"/>
-                  <a:t>) and </a:t>
-                </a:r>
-                <a:br>
-                  <a:rPr lang="en-US" dirty="0"/>
-                </a:br>
-                <a:r>
-                  <a:rPr lang="en-US" i="1" dirty="0"/>
-                  <a:t>distribution uniformity</a:t>
-                </a:r>
-                <a:r>
-                  <a:rPr lang="en-US" dirty="0"/>
-                  <a:t> (DU, </a:t>
-                </a:r>
-                <a:r>
-                  <a:rPr lang="en-US" i="1" dirty="0"/>
-                  <a:t>less is better</a:t>
-                </a:r>
-                <a:r>
-                  <a:rPr lang="en-US" dirty="0"/>
-                  <a:t>) indices.</a:t>
-                </a:r>
-              </a:p>
-              <a:p>
                 <a:pPr lvl="1"/>
                 <a:endParaRPr lang="en-US" dirty="0"/>
               </a:p>
             </p:txBody>
           </p:sp>
         </mc:Choice>
-        <mc:Fallback xmlns="">
+        <mc:Fallback>
           <p:sp>
             <p:nvSpPr>
               <p:cNvPr id="3" name="Содержимое 2"/>
@@ -12230,9 +14654,9 @@
             </p:nvSpPr>
             <p:spPr>
               <a:blipFill>
-                <a:blip r:embed="rId3"/>
+                <a:blip r:embed="rId2"/>
                 <a:stretch>
-                  <a:fillRect l="-449" t="-936" b="-702"/>
+                  <a:fillRect l="-449" t="-936"/>
                 </a:stretch>
               </a:blipFill>
             </p:spPr>
@@ -12618,7 +15042,7 @@
               <a:pPr>
                 <a:defRPr/>
               </a:pPr>
-              <a:t>19</a:t>
+              <a:t>20</a:t>
             </a:fld>
             <a:r>
               <a:rPr lang="en-US"/>
@@ -12632,6 +15056,36 @@
           </a:p>
         </p:txBody>
       </p:sp>
+      <p:pic>
+        <p:nvPicPr>
+          <p:cNvPr id="6" name="Рисунок 5">
+            <a:extLst>
+              <a:ext uri="{FF2B5EF4-FFF2-40B4-BE49-F238E27FC236}">
+                <a16:creationId xmlns:a16="http://schemas.microsoft.com/office/drawing/2014/main" id="{5963665E-C01B-3236-A0F4-DAB083FC3B17}"/>
+              </a:ext>
+            </a:extLst>
+          </p:cNvPr>
+          <p:cNvPicPr>
+            <a:picLocks noChangeAspect="1"/>
+          </p:cNvPicPr>
+          <p:nvPr/>
+        </p:nvPicPr>
+        <p:blipFill>
+          <a:blip r:embed="rId3"/>
+          <a:stretch>
+            <a:fillRect/>
+          </a:stretch>
+        </p:blipFill>
+        <p:spPr>
+          <a:xfrm>
+            <a:off x="0" y="4088974"/>
+            <a:ext cx="9906000" cy="2148289"/>
+          </a:xfrm>
+          <a:prstGeom prst="rect">
+            <a:avLst/>
+          </a:prstGeom>
+        </p:spPr>
+      </p:pic>
     </p:spTree>
   </p:cSld>
   <p:clrMapOvr>
@@ -12640,7 +15094,7 @@
 </p:sld>
 </file>
 
-<file path=ppt/slides/slide2.xml><?xml version="1.0" encoding="utf-8"?>
+<file path=ppt/slides/slide21.xml><?xml version="1.0" encoding="utf-8"?>
 <p:sld xmlns:a="http://schemas.openxmlformats.org/drawingml/2006/main" xmlns:r="http://schemas.openxmlformats.org/officeDocument/2006/relationships" xmlns:p="http://schemas.openxmlformats.org/presentationml/2006/main">
   <p:cSld>
     <p:spTree>
@@ -12672,325 +15126,15 @@
           <a:bodyPr/>
           <a:lstStyle/>
           <a:p>
-            <a:pPr algn="ctr"/>
             <a:r>
               <a:rPr lang="en-US" dirty="0"/>
-              <a:t>Victor Gergel</a:t>
+              <a:t>Results of numerical experiments…</a:t>
             </a:r>
           </a:p>
         </p:txBody>
       </p:sp>
-      <p:sp>
-        <p:nvSpPr>
-          <p:cNvPr id="3" name="Содержимое 2"/>
-          <p:cNvSpPr>
-            <a:spLocks noGrp="1"/>
-          </p:cNvSpPr>
-          <p:nvPr>
-            <p:ph idx="1"/>
-          </p:nvPr>
-        </p:nvSpPr>
-        <p:spPr/>
-        <p:txBody>
-          <a:bodyPr/>
-          <a:lstStyle/>
-          <a:p>
-            <a:pPr marL="0" indent="0">
-              <a:buNone/>
-            </a:pPr>
-            <a:endParaRPr lang="en-US" dirty="0"/>
-          </a:p>
-          <a:p>
-            <a:pPr marL="0" indent="0">
-              <a:buNone/>
-            </a:pPr>
-            <a:endParaRPr lang="en-US" dirty="0"/>
-          </a:p>
-          <a:p>
-            <a:pPr marL="0" indent="0">
-              <a:buNone/>
-            </a:pPr>
-            <a:endParaRPr lang="en-US" dirty="0"/>
-          </a:p>
-          <a:p>
-            <a:pPr marL="0" indent="0">
-              <a:buNone/>
-            </a:pPr>
-            <a:endParaRPr lang="en-US" dirty="0"/>
-          </a:p>
-          <a:p>
-            <a:pPr marL="0" indent="0">
-              <a:buNone/>
-            </a:pPr>
-            <a:endParaRPr lang="en-US" dirty="0"/>
-          </a:p>
-          <a:p>
-            <a:pPr marL="0" indent="0">
-              <a:buNone/>
-            </a:pPr>
-            <a:endParaRPr lang="en-US" dirty="0"/>
-          </a:p>
-          <a:p>
-            <a:pPr marL="0" indent="0">
-              <a:buNone/>
-            </a:pPr>
-            <a:endParaRPr lang="en-US" dirty="0"/>
-          </a:p>
-          <a:p>
-            <a:pPr marL="0" indent="0">
-              <a:buNone/>
-            </a:pPr>
-            <a:endParaRPr lang="en-US" dirty="0"/>
-          </a:p>
-          <a:p>
-            <a:pPr marL="0" indent="0">
-              <a:buNone/>
-            </a:pPr>
-            <a:endParaRPr lang="en-US" dirty="0"/>
-          </a:p>
-          <a:p>
-            <a:pPr marL="0" indent="0">
-              <a:buNone/>
-            </a:pPr>
-            <a:endParaRPr lang="en-US" dirty="0"/>
-          </a:p>
-          <a:p>
-            <a:pPr marL="0" indent="0" algn="ctr">
-              <a:buNone/>
-            </a:pPr>
-            <a:endParaRPr lang="en-US" sz="2000" dirty="0"/>
-          </a:p>
-          <a:p>
-            <a:pPr marL="0" indent="0" algn="ctr">
-              <a:buNone/>
-            </a:pPr>
-            <a:r>
-              <a:rPr lang="ru-RU" sz="2000" dirty="0"/>
-              <a:t>14</a:t>
-            </a:r>
-            <a:r>
-              <a:rPr lang="en-US" sz="2000" dirty="0"/>
-              <a:t>.01.</a:t>
-            </a:r>
-            <a:r>
-              <a:rPr lang="ru-RU" sz="2000" dirty="0"/>
-              <a:t>1955 – 29</a:t>
-            </a:r>
-            <a:r>
-              <a:rPr lang="en-US" sz="2000" dirty="0"/>
-              <a:t>.06.</a:t>
-            </a:r>
-            <a:r>
-              <a:rPr lang="ru-RU" sz="2000" dirty="0"/>
-              <a:t>2021</a:t>
-            </a:r>
-            <a:endParaRPr lang="en-US" sz="2000" dirty="0"/>
-          </a:p>
-          <a:p>
-            <a:pPr marL="0" indent="0">
-              <a:buNone/>
-            </a:pPr>
-            <a:endParaRPr lang="en-US" dirty="0"/>
-          </a:p>
-          <a:p>
-            <a:pPr marL="0" indent="0">
-              <a:buNone/>
-            </a:pPr>
-            <a:endParaRPr lang="en-US" dirty="0"/>
-          </a:p>
-        </p:txBody>
-      </p:sp>
-      <p:sp>
-        <p:nvSpPr>
-          <p:cNvPr id="9" name="Нижний колонтитул 8">
-            <a:extLst>
-              <a:ext uri="{FF2B5EF4-FFF2-40B4-BE49-F238E27FC236}">
-                <a16:creationId xmlns:a16="http://schemas.microsoft.com/office/drawing/2014/main" id="{3EDB4254-00CB-4D3C-ABEF-81A639A4AB56}"/>
-              </a:ext>
-            </a:extLst>
-          </p:cNvPr>
-          <p:cNvSpPr>
-            <a:spLocks noGrp="1"/>
-          </p:cNvSpPr>
-          <p:nvPr>
-            <p:ph type="ftr" sz="quarter" idx="3"/>
-          </p:nvPr>
-        </p:nvSpPr>
-        <p:spPr/>
-        <p:txBody>
-          <a:bodyPr/>
-          <a:lstStyle/>
-          <a:p>
-            <a:pPr algn="ctr">
-              <a:defRPr/>
-            </a:pPr>
-            <a:r>
-              <a:rPr lang="en-US"/>
-              <a:t>ML-based approach for accelerating global search algorithm for solving multicriteria problems</a:t>
-            </a:r>
-            <a:endParaRPr lang="en-US" dirty="0"/>
-          </a:p>
-        </p:txBody>
-      </p:sp>
-      <p:sp>
-        <p:nvSpPr>
-          <p:cNvPr id="10" name="Дата 9">
-            <a:extLst>
-              <a:ext uri="{FF2B5EF4-FFF2-40B4-BE49-F238E27FC236}">
-                <a16:creationId xmlns:a16="http://schemas.microsoft.com/office/drawing/2014/main" id="{BE2A4B69-A70A-4713-879D-7943BCA89690}"/>
-              </a:ext>
-            </a:extLst>
-          </p:cNvPr>
-          <p:cNvSpPr>
-            <a:spLocks noGrp="1"/>
-          </p:cNvSpPr>
-          <p:nvPr>
-            <p:ph type="dt" sz="half" idx="2"/>
-          </p:nvPr>
-        </p:nvSpPr>
-        <p:spPr/>
-        <p:txBody>
-          <a:bodyPr/>
-          <a:lstStyle/>
-          <a:p>
-            <a:pPr>
-              <a:defRPr/>
-            </a:pPr>
-            <a:r>
-              <a:rPr lang="ru-RU"/>
-              <a:t>LION16</a:t>
-            </a:r>
-            <a:endParaRPr lang="ru-RU" dirty="0"/>
-          </a:p>
-        </p:txBody>
-      </p:sp>
-      <p:pic>
-        <p:nvPicPr>
-          <p:cNvPr id="4" name="Рисунок 3">
-            <a:extLst>
-              <a:ext uri="{FF2B5EF4-FFF2-40B4-BE49-F238E27FC236}">
-                <a16:creationId xmlns:a16="http://schemas.microsoft.com/office/drawing/2014/main" id="{C81F7B9D-D89A-4544-801E-3E574ECC97D7}"/>
-              </a:ext>
-            </a:extLst>
-          </p:cNvPr>
-          <p:cNvPicPr>
-            <a:picLocks noChangeAspect="1"/>
-          </p:cNvPicPr>
-          <p:nvPr/>
-        </p:nvPicPr>
-        <p:blipFill>
-          <a:blip r:embed="rId2"/>
-          <a:stretch>
-            <a:fillRect/>
-          </a:stretch>
-        </p:blipFill>
-        <p:spPr>
-          <a:xfrm>
-            <a:off x="2216696" y="1096495"/>
-            <a:ext cx="5619820" cy="4513620"/>
-          </a:xfrm>
-          <a:prstGeom prst="rect">
-            <a:avLst/>
-          </a:prstGeom>
-        </p:spPr>
-      </p:pic>
-      <p:sp>
-        <p:nvSpPr>
-          <p:cNvPr id="5" name="Номер слайда 4">
-            <a:extLst>
-              <a:ext uri="{FF2B5EF4-FFF2-40B4-BE49-F238E27FC236}">
-                <a16:creationId xmlns:a16="http://schemas.microsoft.com/office/drawing/2014/main" id="{B78291BF-DDE2-4403-BDED-E0B165370A09}"/>
-              </a:ext>
-            </a:extLst>
-          </p:cNvPr>
-          <p:cNvSpPr>
-            <a:spLocks noGrp="1"/>
-          </p:cNvSpPr>
-          <p:nvPr>
-            <p:ph type="sldNum" sz="quarter" idx="4"/>
-          </p:nvPr>
-        </p:nvSpPr>
-        <p:spPr/>
-        <p:txBody>
-          <a:bodyPr/>
-          <a:lstStyle/>
-          <a:p>
-            <a:pPr>
-              <a:defRPr/>
-            </a:pPr>
-            <a:fld id="{4F2367BF-7A57-4F5A-B357-719264272D2E}" type="slidenum">
-              <a:rPr lang="ru-RU" smtClean="0"/>
-              <a:pPr>
-                <a:defRPr/>
-              </a:pPr>
-              <a:t>2</a:t>
-            </a:fld>
-            <a:r>
-              <a:rPr lang="en-US"/>
-              <a:t>/1</a:t>
-            </a:r>
-            <a:r>
-              <a:rPr lang="ru-RU"/>
-              <a:t>9</a:t>
-            </a:r>
-            <a:endParaRPr lang="ru-RU" dirty="0"/>
-          </a:p>
-        </p:txBody>
-      </p:sp>
-    </p:spTree>
-    <p:extLst>
-      <p:ext uri="{BB962C8B-B14F-4D97-AF65-F5344CB8AC3E}">
-        <p14:creationId xmlns:p14="http://schemas.microsoft.com/office/powerpoint/2010/main" val="3735359397"/>
-      </p:ext>
-    </p:extLst>
-  </p:cSld>
-  <p:clrMapOvr>
-    <a:masterClrMapping/>
-  </p:clrMapOvr>
-</p:sld>
-</file>
-
-<file path=ppt/slides/slide20.xml><?xml version="1.0" encoding="utf-8"?>
-<p:sld xmlns:a="http://schemas.openxmlformats.org/drawingml/2006/main" xmlns:r="http://schemas.openxmlformats.org/officeDocument/2006/relationships" xmlns:p="http://schemas.openxmlformats.org/presentationml/2006/main">
-  <p:cSld>
-    <p:spTree>
-      <p:nvGrpSpPr>
-        <p:cNvPr id="1" name=""/>
-        <p:cNvGrpSpPr/>
-        <p:nvPr/>
-      </p:nvGrpSpPr>
-      <p:grpSpPr>
-        <a:xfrm>
-          <a:off x="0" y="0"/>
-          <a:ext cx="0" cy="0"/>
-          <a:chOff x="0" y="0"/>
-          <a:chExt cx="0" cy="0"/>
-        </a:xfrm>
-      </p:grpSpPr>
-      <p:sp>
-        <p:nvSpPr>
-          <p:cNvPr id="2" name="Заголовок 1"/>
-          <p:cNvSpPr>
-            <a:spLocks noGrp="1"/>
-          </p:cNvSpPr>
-          <p:nvPr>
-            <p:ph type="title"/>
-          </p:nvPr>
-        </p:nvSpPr>
-        <p:spPr/>
-        <p:txBody>
-          <a:bodyPr/>
-          <a:lstStyle/>
-          <a:p>
-            <a:r>
-              <a:rPr lang="en-US" dirty="0"/>
-              <a:t>Results of numerical experiments…</a:t>
-            </a:r>
-          </a:p>
-        </p:txBody>
-      </p:sp>
-      <mc:AlternateContent xmlns:mc="http://schemas.openxmlformats.org/markup-compatibility/2006" xmlns:a14="http://schemas.microsoft.com/office/drawing/2010/main">
-        <mc:Choice Requires="a14">
+      <mc:AlternateContent xmlns:mc="http://schemas.openxmlformats.org/markup-compatibility/2006">
+        <mc:Choice xmlns:a14="http://schemas.microsoft.com/office/drawing/2010/main" Requires="a14">
           <p:sp>
             <p:nvSpPr>
               <p:cNvPr id="3" name="Содержимое 2"/>
@@ -13001,21 +15145,19 @@
                 <p:ph idx="1"/>
               </p:nvPr>
             </p:nvSpPr>
-            <p:spPr/>
+            <p:spPr>
+              <a:xfrm>
+                <a:off x="238092" y="1071546"/>
+                <a:ext cx="7025421" cy="5214974"/>
+              </a:xfrm>
+            </p:spPr>
             <p:txBody>
               <a:bodyPr/>
               <a:lstStyle/>
               <a:p>
                 <a:r>
                   <a:rPr lang="en-US" dirty="0"/>
-                  <a:t>In the second series of numerical experiments, we solved bi-criteria </a:t>
-                </a:r>
-                <a:br>
-                  <a:rPr lang="en-US" dirty="0"/>
-                </a:br>
-                <a:r>
-                  <a:rPr lang="en-US" dirty="0"/>
-                  <a:t>two-dimensional MOO problems, i.e. with </a:t>
+                  <a:t>In the second series of numerical experiments, we solved bi-criteria two-dimensional MOO problems, i.e. with </a:t>
                 </a:r>
                 <a14:m>
                   <m:oMath xmlns:m="http://schemas.openxmlformats.org/officeDocument/2006/math">
@@ -13059,16 +15201,1756 @@
                 </a:r>
               </a:p>
               <a:p>
-                <a:pPr lvl="1"/>
-                <a:r>
-                  <a:rPr lang="en-US" dirty="0"/>
-                  <a:t>We used multiextremal functions obtained with the help of the GKLS generator</a:t>
-                </a:r>
+                <a:pPr marL="0" indent="0">
+                  <a:buNone/>
+                </a:pPr>
+                <a14:m>
+                  <m:oMathPara xmlns:m="http://schemas.openxmlformats.org/officeDocument/2006/math">
+                    <m:oMathParaPr>
+                      <m:jc m:val="centerGroup"/>
+                    </m:oMathParaPr>
+                    <m:oMath xmlns:m="http://schemas.openxmlformats.org/officeDocument/2006/math">
+                      <m:m>
+                        <m:mPr>
+                          <m:mcs>
+                            <m:mc>
+                              <m:mcPr>
+                                <m:count m:val="1"/>
+                                <m:mcJc m:val="center"/>
+                              </m:mcPr>
+                            </m:mc>
+                          </m:mcs>
+                          <m:ctrlPr>
+                            <a:rPr lang="ru-RU" i="1" smtClean="0">
+                              <a:effectLst/>
+                              <a:latin typeface="Cambria Math" panose="02040503050406030204" pitchFamily="18" charset="0"/>
+                            </a:rPr>
+                          </m:ctrlPr>
+                        </m:mPr>
+                        <m:mr>
+                          <m:e>
+                            <m:r>
+                              <a:rPr lang="en-US" sz="1800" i="1">
+                                <a:effectLst/>
+                                <a:latin typeface="Cambria Math" panose="02040503050406030204" pitchFamily="18" charset="0"/>
+                                <a:ea typeface="Times New Roman" panose="02020603050405020304" pitchFamily="18" charset="0"/>
+                                <a:cs typeface="Times New Roman" panose="02020603050405020304" pitchFamily="18" charset="0"/>
+                              </a:rPr>
+                              <m:t>𝑓</m:t>
+                            </m:r>
+                            <m:d>
+                              <m:dPr>
+                                <m:ctrlPr>
+                                  <a:rPr lang="ru-RU" i="1">
+                                    <a:effectLst/>
+                                    <a:latin typeface="Cambria Math" panose="02040503050406030204" pitchFamily="18" charset="0"/>
+                                  </a:rPr>
+                                </m:ctrlPr>
+                              </m:dPr>
+                              <m:e>
+                                <m:r>
+                                  <m:rPr>
+                                    <m:sty m:val="p"/>
+                                  </m:rPr>
+                                  <a:rPr lang="en-US" sz="1800">
+                                    <a:effectLst/>
+                                    <a:latin typeface="Cambria Math" panose="02040503050406030204" pitchFamily="18" charset="0"/>
+                                    <a:ea typeface="Times New Roman" panose="02020603050405020304" pitchFamily="18" charset="0"/>
+                                    <a:cs typeface="Times New Roman" panose="02020603050405020304" pitchFamily="18" charset="0"/>
+                                  </a:rPr>
+                                  <m:t>y</m:t>
+                                </m:r>
+                              </m:e>
+                            </m:d>
+                            <m:r>
+                              <a:rPr lang="ru-RU" sz="1800">
+                                <a:effectLst/>
+                                <a:latin typeface="Cambria Math" panose="02040503050406030204" pitchFamily="18" charset="0"/>
+                                <a:ea typeface="Times New Roman" panose="02020603050405020304" pitchFamily="18" charset="0"/>
+                                <a:cs typeface="Times New Roman" panose="02020603050405020304" pitchFamily="18" charset="0"/>
+                              </a:rPr>
+                              <m:t>= </m:t>
+                            </m:r>
+                            <m:r>
+                              <a:rPr lang="ru-RU" sz="1800" i="1">
+                                <a:effectLst/>
+                                <a:latin typeface="Cambria Math" panose="02040503050406030204" pitchFamily="18" charset="0"/>
+                                <a:ea typeface="Times New Roman" panose="02020603050405020304" pitchFamily="18" charset="0"/>
+                                <a:cs typeface="Times New Roman" panose="02020603050405020304" pitchFamily="18" charset="0"/>
+                              </a:rPr>
+                              <m:t>−</m:t>
+                            </m:r>
+                            <m:sSup>
+                              <m:sSupPr>
+                                <m:ctrlPr>
+                                  <a:rPr lang="ru-RU" i="1">
+                                    <a:effectLst/>
+                                    <a:latin typeface="Cambria Math" panose="02040503050406030204" pitchFamily="18" charset="0"/>
+                                  </a:rPr>
+                                </m:ctrlPr>
+                              </m:sSupPr>
+                              <m:e>
+                                <m:d>
+                                  <m:dPr>
+                                    <m:ctrlPr>
+                                      <a:rPr lang="ru-RU" i="1">
+                                        <a:effectLst/>
+                                        <a:latin typeface="Cambria Math" panose="02040503050406030204" pitchFamily="18" charset="0"/>
+                                      </a:rPr>
+                                    </m:ctrlPr>
+                                  </m:dPr>
+                                  <m:e>
+                                    <m:r>
+                                      <a:rPr lang="en-US" sz="1800" i="1">
+                                        <a:effectLst/>
+                                        <a:latin typeface="Cambria Math" panose="02040503050406030204" pitchFamily="18" charset="0"/>
+                                        <a:ea typeface="Times New Roman" panose="02020603050405020304" pitchFamily="18" charset="0"/>
+                                        <a:cs typeface="Times New Roman" panose="02020603050405020304" pitchFamily="18" charset="0"/>
+                                      </a:rPr>
+                                      <m:t>𝐴𝐵</m:t>
+                                    </m:r>
+                                    <m:r>
+                                      <a:rPr lang="ru-RU" sz="1800">
+                                        <a:effectLst/>
+                                        <a:latin typeface="Cambria Math" panose="02040503050406030204" pitchFamily="18" charset="0"/>
+                                        <a:ea typeface="Times New Roman" panose="02020603050405020304" pitchFamily="18" charset="0"/>
+                                        <a:cs typeface="Times New Roman" panose="02020603050405020304" pitchFamily="18" charset="0"/>
+                                      </a:rPr>
+                                      <m:t>+</m:t>
+                                    </m:r>
+                                    <m:r>
+                                      <a:rPr lang="en-US" sz="1800" i="1">
+                                        <a:effectLst/>
+                                        <a:latin typeface="Cambria Math" panose="02040503050406030204" pitchFamily="18" charset="0"/>
+                                        <a:ea typeface="Times New Roman" panose="02020603050405020304" pitchFamily="18" charset="0"/>
+                                        <a:cs typeface="Times New Roman" panose="02020603050405020304" pitchFamily="18" charset="0"/>
+                                      </a:rPr>
+                                      <m:t>𝐴𝐶</m:t>
+                                    </m:r>
+                                  </m:e>
+                                </m:d>
+                              </m:e>
+                              <m:sup>
+                                <m:f>
+                                  <m:fPr>
+                                    <m:ctrlPr>
+                                      <a:rPr lang="ru-RU" i="1">
+                                        <a:effectLst/>
+                                        <a:latin typeface="Cambria Math" panose="02040503050406030204" pitchFamily="18" charset="0"/>
+                                      </a:rPr>
+                                    </m:ctrlPr>
+                                  </m:fPr>
+                                  <m:num>
+                                    <m:r>
+                                      <a:rPr lang="ru-RU" sz="1800">
+                                        <a:effectLst/>
+                                        <a:latin typeface="Cambria Math" panose="02040503050406030204" pitchFamily="18" charset="0"/>
+                                        <a:ea typeface="Times New Roman" panose="02020603050405020304" pitchFamily="18" charset="0"/>
+                                        <a:cs typeface="Times New Roman" panose="02020603050405020304" pitchFamily="18" charset="0"/>
+                                      </a:rPr>
+                                      <m:t>1</m:t>
+                                    </m:r>
+                                  </m:num>
+                                  <m:den>
+                                    <m:r>
+                                      <a:rPr lang="ru-RU" sz="1800">
+                                        <a:effectLst/>
+                                        <a:latin typeface="Cambria Math" panose="02040503050406030204" pitchFamily="18" charset="0"/>
+                                        <a:ea typeface="Times New Roman" panose="02020603050405020304" pitchFamily="18" charset="0"/>
+                                        <a:cs typeface="Times New Roman" panose="02020603050405020304" pitchFamily="18" charset="0"/>
+                                      </a:rPr>
+                                      <m:t>2</m:t>
+                                    </m:r>
+                                  </m:den>
+                                </m:f>
+                              </m:sup>
+                            </m:sSup>
+                          </m:e>
+                        </m:mr>
+                        <m:mr>
+                          <m:e>
+                            <m:r>
+                              <a:rPr lang="en-US" sz="1800" i="1">
+                                <a:effectLst/>
+                                <a:latin typeface="Cambria Math" panose="02040503050406030204" pitchFamily="18" charset="0"/>
+                                <a:ea typeface="Times New Roman" panose="02020603050405020304" pitchFamily="18" charset="0"/>
+                                <a:cs typeface="Times New Roman" panose="02020603050405020304" pitchFamily="18" charset="0"/>
+                              </a:rPr>
+                              <m:t>𝐴𝐵</m:t>
+                            </m:r>
+                            <m:r>
+                              <a:rPr lang="ru-RU" sz="1800">
+                                <a:effectLst/>
+                                <a:latin typeface="Cambria Math" panose="02040503050406030204" pitchFamily="18" charset="0"/>
+                                <a:ea typeface="Times New Roman" panose="02020603050405020304" pitchFamily="18" charset="0"/>
+                                <a:cs typeface="Times New Roman" panose="02020603050405020304" pitchFamily="18" charset="0"/>
+                              </a:rPr>
+                              <m:t>=</m:t>
+                            </m:r>
+                            <m:sSup>
+                              <m:sSupPr>
+                                <m:ctrlPr>
+                                  <a:rPr lang="ru-RU" i="1">
+                                    <a:effectLst/>
+                                    <a:latin typeface="Cambria Math" panose="02040503050406030204" pitchFamily="18" charset="0"/>
+                                  </a:rPr>
+                                </m:ctrlPr>
+                              </m:sSupPr>
+                              <m:e>
+                                <m:d>
+                                  <m:dPr>
+                                    <m:ctrlPr>
+                                      <a:rPr lang="ru-RU" i="1">
+                                        <a:effectLst/>
+                                        <a:latin typeface="Cambria Math" panose="02040503050406030204" pitchFamily="18" charset="0"/>
+                                      </a:rPr>
+                                    </m:ctrlPr>
+                                  </m:dPr>
+                                  <m:e>
+                                    <m:nary>
+                                      <m:naryPr>
+                                        <m:chr m:val="∑"/>
+                                        <m:limLoc m:val="undOvr"/>
+                                        <m:ctrlPr>
+                                          <a:rPr lang="ru-RU" i="1">
+                                            <a:effectLst/>
+                                            <a:latin typeface="Cambria Math" panose="02040503050406030204" pitchFamily="18" charset="0"/>
+                                          </a:rPr>
+                                        </m:ctrlPr>
+                                      </m:naryPr>
+                                      <m:sub>
+                                        <m:r>
+                                          <a:rPr lang="en-US" sz="1800" i="1">
+                                            <a:effectLst/>
+                                            <a:latin typeface="Cambria Math" panose="02040503050406030204" pitchFamily="18" charset="0"/>
+                                            <a:ea typeface="Times New Roman" panose="02020603050405020304" pitchFamily="18" charset="0"/>
+                                            <a:cs typeface="Times New Roman" panose="02020603050405020304" pitchFamily="18" charset="0"/>
+                                          </a:rPr>
+                                          <m:t>𝑖</m:t>
+                                        </m:r>
+                                        <m:r>
+                                          <a:rPr lang="ru-RU" sz="1800">
+                                            <a:effectLst/>
+                                            <a:latin typeface="Cambria Math" panose="02040503050406030204" pitchFamily="18" charset="0"/>
+                                            <a:ea typeface="Times New Roman" panose="02020603050405020304" pitchFamily="18" charset="0"/>
+                                            <a:cs typeface="Times New Roman" panose="02020603050405020304" pitchFamily="18" charset="0"/>
+                                          </a:rPr>
+                                          <m:t>=1</m:t>
+                                        </m:r>
+                                      </m:sub>
+                                      <m:sup>
+                                        <m:r>
+                                          <a:rPr lang="ru-RU" sz="1800">
+                                            <a:effectLst/>
+                                            <a:latin typeface="Cambria Math" panose="02040503050406030204" pitchFamily="18" charset="0"/>
+                                            <a:ea typeface="Times New Roman" panose="02020603050405020304" pitchFamily="18" charset="0"/>
+                                            <a:cs typeface="Times New Roman" panose="02020603050405020304" pitchFamily="18" charset="0"/>
+                                          </a:rPr>
+                                          <m:t>7</m:t>
+                                        </m:r>
+                                      </m:sup>
+                                      <m:e>
+                                        <m:nary>
+                                          <m:naryPr>
+                                            <m:chr m:val="∑"/>
+                                            <m:limLoc m:val="undOvr"/>
+                                            <m:ctrlPr>
+                                              <a:rPr lang="ru-RU" i="1">
+                                                <a:effectLst/>
+                                                <a:latin typeface="Cambria Math" panose="02040503050406030204" pitchFamily="18" charset="0"/>
+                                              </a:rPr>
+                                            </m:ctrlPr>
+                                          </m:naryPr>
+                                          <m:sub>
+                                            <m:r>
+                                              <a:rPr lang="en-US" sz="1800" i="1">
+                                                <a:effectLst/>
+                                                <a:latin typeface="Cambria Math" panose="02040503050406030204" pitchFamily="18" charset="0"/>
+                                                <a:ea typeface="Times New Roman" panose="02020603050405020304" pitchFamily="18" charset="0"/>
+                                                <a:cs typeface="Times New Roman" panose="02020603050405020304" pitchFamily="18" charset="0"/>
+                                              </a:rPr>
+                                              <m:t>𝑗</m:t>
+                                            </m:r>
+                                            <m:r>
+                                              <a:rPr lang="ru-RU" sz="1800">
+                                                <a:effectLst/>
+                                                <a:latin typeface="Cambria Math" panose="02040503050406030204" pitchFamily="18" charset="0"/>
+                                                <a:ea typeface="Times New Roman" panose="02020603050405020304" pitchFamily="18" charset="0"/>
+                                                <a:cs typeface="Times New Roman" panose="02020603050405020304" pitchFamily="18" charset="0"/>
+                                              </a:rPr>
+                                              <m:t>=1</m:t>
+                                            </m:r>
+                                          </m:sub>
+                                          <m:sup>
+                                            <m:r>
+                                              <a:rPr lang="ru-RU" sz="1800">
+                                                <a:effectLst/>
+                                                <a:latin typeface="Cambria Math" panose="02040503050406030204" pitchFamily="18" charset="0"/>
+                                                <a:ea typeface="Times New Roman" panose="02020603050405020304" pitchFamily="18" charset="0"/>
+                                                <a:cs typeface="Times New Roman" panose="02020603050405020304" pitchFamily="18" charset="0"/>
+                                              </a:rPr>
+                                              <m:t>7</m:t>
+                                            </m:r>
+                                          </m:sup>
+                                          <m:e>
+                                            <m:d>
+                                              <m:dPr>
+                                                <m:begChr m:val="["/>
+                                                <m:endChr m:val="]"/>
+                                                <m:ctrlPr>
+                                                  <a:rPr lang="ru-RU" i="1">
+                                                    <a:effectLst/>
+                                                    <a:latin typeface="Cambria Math" panose="02040503050406030204" pitchFamily="18" charset="0"/>
+                                                  </a:rPr>
+                                                </m:ctrlPr>
+                                              </m:dPr>
+                                              <m:e>
+                                                <m:sSub>
+                                                  <m:sSubPr>
+                                                    <m:ctrlPr>
+                                                      <a:rPr lang="ru-RU" i="1">
+                                                        <a:effectLst/>
+                                                        <a:latin typeface="Cambria Math" panose="02040503050406030204" pitchFamily="18" charset="0"/>
+                                                      </a:rPr>
+                                                    </m:ctrlPr>
+                                                  </m:sSubPr>
+                                                  <m:e>
+                                                    <m:r>
+                                                      <a:rPr lang="en-US" sz="1800" i="1">
+                                                        <a:effectLst/>
+                                                        <a:latin typeface="Cambria Math" panose="02040503050406030204" pitchFamily="18" charset="0"/>
+                                                        <a:ea typeface="Times New Roman" panose="02020603050405020304" pitchFamily="18" charset="0"/>
+                                                        <a:cs typeface="Times New Roman" panose="02020603050405020304" pitchFamily="18" charset="0"/>
+                                                      </a:rPr>
+                                                      <m:t>𝐴</m:t>
+                                                    </m:r>
+                                                  </m:e>
+                                                  <m:sub>
+                                                    <m:r>
+                                                      <a:rPr lang="en-US" sz="1800" i="1">
+                                                        <a:effectLst/>
+                                                        <a:latin typeface="Cambria Math" panose="02040503050406030204" pitchFamily="18" charset="0"/>
+                                                        <a:ea typeface="Times New Roman" panose="02020603050405020304" pitchFamily="18" charset="0"/>
+                                                        <a:cs typeface="Times New Roman" panose="02020603050405020304" pitchFamily="18" charset="0"/>
+                                                      </a:rPr>
+                                                      <m:t>𝑖𝑗</m:t>
+                                                    </m:r>
+                                                  </m:sub>
+                                                </m:sSub>
+                                                <m:sSub>
+                                                  <m:sSubPr>
+                                                    <m:ctrlPr>
+                                                      <a:rPr lang="ru-RU" i="1">
+                                                        <a:effectLst/>
+                                                        <a:latin typeface="Cambria Math" panose="02040503050406030204" pitchFamily="18" charset="0"/>
+                                                      </a:rPr>
+                                                    </m:ctrlPr>
+                                                  </m:sSubPr>
+                                                  <m:e>
+                                                    <m:r>
+                                                      <a:rPr lang="en-US" sz="1800" i="1">
+                                                        <a:effectLst/>
+                                                        <a:latin typeface="Cambria Math" panose="02040503050406030204" pitchFamily="18" charset="0"/>
+                                                        <a:ea typeface="Times New Roman" panose="02020603050405020304" pitchFamily="18" charset="0"/>
+                                                        <a:cs typeface="Times New Roman" panose="02020603050405020304" pitchFamily="18" charset="0"/>
+                                                      </a:rPr>
+                                                      <m:t>𝑎</m:t>
+                                                    </m:r>
+                                                  </m:e>
+                                                  <m:sub>
+                                                    <m:r>
+                                                      <a:rPr lang="en-US" sz="1800" i="1">
+                                                        <a:effectLst/>
+                                                        <a:latin typeface="Cambria Math" panose="02040503050406030204" pitchFamily="18" charset="0"/>
+                                                        <a:ea typeface="Times New Roman" panose="02020603050405020304" pitchFamily="18" charset="0"/>
+                                                        <a:cs typeface="Times New Roman" panose="02020603050405020304" pitchFamily="18" charset="0"/>
+                                                      </a:rPr>
+                                                      <m:t>𝑖𝑗</m:t>
+                                                    </m:r>
+                                                  </m:sub>
+                                                </m:sSub>
+                                                <m:d>
+                                                  <m:dPr>
+                                                    <m:ctrlPr>
+                                                      <a:rPr lang="ru-RU" i="1">
+                                                        <a:effectLst/>
+                                                        <a:latin typeface="Cambria Math" panose="02040503050406030204" pitchFamily="18" charset="0"/>
+                                                      </a:rPr>
+                                                    </m:ctrlPr>
+                                                  </m:dPr>
+                                                  <m:e>
+                                                    <m:sSub>
+                                                      <m:sSubPr>
+                                                        <m:ctrlPr>
+                                                          <a:rPr lang="ru-RU" i="1">
+                                                            <a:effectLst/>
+                                                            <a:latin typeface="Cambria Math" panose="02040503050406030204" pitchFamily="18" charset="0"/>
+                                                          </a:rPr>
+                                                        </m:ctrlPr>
+                                                      </m:sSubPr>
+                                                      <m:e>
+                                                        <m:r>
+                                                          <a:rPr lang="en-US" sz="1800" i="1">
+                                                            <a:effectLst/>
+                                                            <a:latin typeface="Cambria Math" panose="02040503050406030204" pitchFamily="18" charset="0"/>
+                                                            <a:ea typeface="Times New Roman" panose="02020603050405020304" pitchFamily="18" charset="0"/>
+                                                            <a:cs typeface="Times New Roman" panose="02020603050405020304" pitchFamily="18" charset="0"/>
+                                                          </a:rPr>
+                                                          <m:t>𝑦</m:t>
+                                                        </m:r>
+                                                      </m:e>
+                                                      <m:sub>
+                                                        <m:r>
+                                                          <a:rPr lang="ru-RU" sz="1800">
+                                                            <a:effectLst/>
+                                                            <a:latin typeface="Cambria Math" panose="02040503050406030204" pitchFamily="18" charset="0"/>
+                                                            <a:ea typeface="Times New Roman" panose="02020603050405020304" pitchFamily="18" charset="0"/>
+                                                            <a:cs typeface="Times New Roman" panose="02020603050405020304" pitchFamily="18" charset="0"/>
+                                                          </a:rPr>
+                                                          <m:t>1</m:t>
+                                                        </m:r>
+                                                      </m:sub>
+                                                    </m:sSub>
+                                                    <m:r>
+                                                      <a:rPr lang="ru-RU" sz="1800">
+                                                        <a:effectLst/>
+                                                        <a:latin typeface="Cambria Math" panose="02040503050406030204" pitchFamily="18" charset="0"/>
+                                                        <a:ea typeface="Times New Roman" panose="02020603050405020304" pitchFamily="18" charset="0"/>
+                                                        <a:cs typeface="Times New Roman" panose="02020603050405020304" pitchFamily="18" charset="0"/>
+                                                      </a:rPr>
+                                                      <m:t>, </m:t>
+                                                    </m:r>
+                                                    <m:sSub>
+                                                      <m:sSubPr>
+                                                        <m:ctrlPr>
+                                                          <a:rPr lang="ru-RU" i="1">
+                                                            <a:effectLst/>
+                                                            <a:latin typeface="Cambria Math" panose="02040503050406030204" pitchFamily="18" charset="0"/>
+                                                          </a:rPr>
+                                                        </m:ctrlPr>
+                                                      </m:sSubPr>
+                                                      <m:e>
+                                                        <m:r>
+                                                          <a:rPr lang="en-US" sz="1800" i="1">
+                                                            <a:effectLst/>
+                                                            <a:latin typeface="Cambria Math" panose="02040503050406030204" pitchFamily="18" charset="0"/>
+                                                            <a:ea typeface="Times New Roman" panose="02020603050405020304" pitchFamily="18" charset="0"/>
+                                                            <a:cs typeface="Times New Roman" panose="02020603050405020304" pitchFamily="18" charset="0"/>
+                                                          </a:rPr>
+                                                          <m:t>𝑦</m:t>
+                                                        </m:r>
+                                                      </m:e>
+                                                      <m:sub>
+                                                        <m:r>
+                                                          <a:rPr lang="ru-RU" sz="1800">
+                                                            <a:effectLst/>
+                                                            <a:latin typeface="Cambria Math" panose="02040503050406030204" pitchFamily="18" charset="0"/>
+                                                            <a:ea typeface="Times New Roman" panose="02020603050405020304" pitchFamily="18" charset="0"/>
+                                                            <a:cs typeface="Times New Roman" panose="02020603050405020304" pitchFamily="18" charset="0"/>
+                                                          </a:rPr>
+                                                          <m:t>2</m:t>
+                                                        </m:r>
+                                                      </m:sub>
+                                                    </m:sSub>
+                                                  </m:e>
+                                                </m:d>
+                                                <m:r>
+                                                  <a:rPr lang="ru-RU" sz="1800">
+                                                    <a:effectLst/>
+                                                    <a:latin typeface="Cambria Math" panose="02040503050406030204" pitchFamily="18" charset="0"/>
+                                                    <a:ea typeface="Times New Roman" panose="02020603050405020304" pitchFamily="18" charset="0"/>
+                                                    <a:cs typeface="Times New Roman" panose="02020603050405020304" pitchFamily="18" charset="0"/>
+                                                  </a:rPr>
+                                                  <m:t>+</m:t>
+                                                </m:r>
+                                                <m:sSub>
+                                                  <m:sSubPr>
+                                                    <m:ctrlPr>
+                                                      <a:rPr lang="ru-RU" i="1">
+                                                        <a:effectLst/>
+                                                        <a:latin typeface="Cambria Math" panose="02040503050406030204" pitchFamily="18" charset="0"/>
+                                                      </a:rPr>
+                                                    </m:ctrlPr>
+                                                  </m:sSubPr>
+                                                  <m:e>
+                                                    <m:r>
+                                                      <a:rPr lang="en-US" sz="1800" i="1">
+                                                        <a:effectLst/>
+                                                        <a:latin typeface="Cambria Math" panose="02040503050406030204" pitchFamily="18" charset="0"/>
+                                                        <a:ea typeface="Times New Roman" panose="02020603050405020304" pitchFamily="18" charset="0"/>
+                                                        <a:cs typeface="Times New Roman" panose="02020603050405020304" pitchFamily="18" charset="0"/>
+                                                      </a:rPr>
+                                                      <m:t>𝐵</m:t>
+                                                    </m:r>
+                                                  </m:e>
+                                                  <m:sub>
+                                                    <m:r>
+                                                      <a:rPr lang="en-US" sz="1800" i="1">
+                                                        <a:effectLst/>
+                                                        <a:latin typeface="Cambria Math" panose="02040503050406030204" pitchFamily="18" charset="0"/>
+                                                        <a:ea typeface="Times New Roman" panose="02020603050405020304" pitchFamily="18" charset="0"/>
+                                                        <a:cs typeface="Times New Roman" panose="02020603050405020304" pitchFamily="18" charset="0"/>
+                                                      </a:rPr>
+                                                      <m:t>𝑖𝑗</m:t>
+                                                    </m:r>
+                                                  </m:sub>
+                                                </m:sSub>
+                                                <m:sSub>
+                                                  <m:sSubPr>
+                                                    <m:ctrlPr>
+                                                      <a:rPr lang="ru-RU" i="1">
+                                                        <a:effectLst/>
+                                                        <a:latin typeface="Cambria Math" panose="02040503050406030204" pitchFamily="18" charset="0"/>
+                                                      </a:rPr>
+                                                    </m:ctrlPr>
+                                                  </m:sSubPr>
+                                                  <m:e>
+                                                    <m:r>
+                                                      <a:rPr lang="en-US" sz="1800" i="1">
+                                                        <a:effectLst/>
+                                                        <a:latin typeface="Cambria Math" panose="02040503050406030204" pitchFamily="18" charset="0"/>
+                                                        <a:ea typeface="Times New Roman" panose="02020603050405020304" pitchFamily="18" charset="0"/>
+                                                        <a:cs typeface="Times New Roman" panose="02020603050405020304" pitchFamily="18" charset="0"/>
+                                                      </a:rPr>
+                                                      <m:t>𝑏</m:t>
+                                                    </m:r>
+                                                  </m:e>
+                                                  <m:sub>
+                                                    <m:r>
+                                                      <a:rPr lang="en-US" sz="1800" i="1">
+                                                        <a:effectLst/>
+                                                        <a:latin typeface="Cambria Math" panose="02040503050406030204" pitchFamily="18" charset="0"/>
+                                                        <a:ea typeface="Times New Roman" panose="02020603050405020304" pitchFamily="18" charset="0"/>
+                                                        <a:cs typeface="Times New Roman" panose="02020603050405020304" pitchFamily="18" charset="0"/>
+                                                      </a:rPr>
+                                                      <m:t>𝑖𝑗</m:t>
+                                                    </m:r>
+                                                  </m:sub>
+                                                </m:sSub>
+                                                <m:d>
+                                                  <m:dPr>
+                                                    <m:ctrlPr>
+                                                      <a:rPr lang="ru-RU" i="1">
+                                                        <a:effectLst/>
+                                                        <a:latin typeface="Cambria Math" panose="02040503050406030204" pitchFamily="18" charset="0"/>
+                                                      </a:rPr>
+                                                    </m:ctrlPr>
+                                                  </m:dPr>
+                                                  <m:e>
+                                                    <m:sSub>
+                                                      <m:sSubPr>
+                                                        <m:ctrlPr>
+                                                          <a:rPr lang="ru-RU" i="1">
+                                                            <a:effectLst/>
+                                                            <a:latin typeface="Cambria Math" panose="02040503050406030204" pitchFamily="18" charset="0"/>
+                                                          </a:rPr>
+                                                        </m:ctrlPr>
+                                                      </m:sSubPr>
+                                                      <m:e>
+                                                        <m:r>
+                                                          <a:rPr lang="en-US" sz="1800" i="1">
+                                                            <a:effectLst/>
+                                                            <a:latin typeface="Cambria Math" panose="02040503050406030204" pitchFamily="18" charset="0"/>
+                                                            <a:ea typeface="Times New Roman" panose="02020603050405020304" pitchFamily="18" charset="0"/>
+                                                            <a:cs typeface="Times New Roman" panose="02020603050405020304" pitchFamily="18" charset="0"/>
+                                                          </a:rPr>
+                                                          <m:t>𝑦</m:t>
+                                                        </m:r>
+                                                      </m:e>
+                                                      <m:sub>
+                                                        <m:r>
+                                                          <a:rPr lang="ru-RU" sz="1800">
+                                                            <a:effectLst/>
+                                                            <a:latin typeface="Cambria Math" panose="02040503050406030204" pitchFamily="18" charset="0"/>
+                                                            <a:ea typeface="Times New Roman" panose="02020603050405020304" pitchFamily="18" charset="0"/>
+                                                            <a:cs typeface="Times New Roman" panose="02020603050405020304" pitchFamily="18" charset="0"/>
+                                                          </a:rPr>
+                                                          <m:t>1</m:t>
+                                                        </m:r>
+                                                      </m:sub>
+                                                    </m:sSub>
+                                                    <m:r>
+                                                      <a:rPr lang="ru-RU" sz="1800">
+                                                        <a:effectLst/>
+                                                        <a:latin typeface="Cambria Math" panose="02040503050406030204" pitchFamily="18" charset="0"/>
+                                                        <a:ea typeface="Times New Roman" panose="02020603050405020304" pitchFamily="18" charset="0"/>
+                                                        <a:cs typeface="Times New Roman" panose="02020603050405020304" pitchFamily="18" charset="0"/>
+                                                      </a:rPr>
+                                                      <m:t>, </m:t>
+                                                    </m:r>
+                                                    <m:sSub>
+                                                      <m:sSubPr>
+                                                        <m:ctrlPr>
+                                                          <a:rPr lang="ru-RU" i="1">
+                                                            <a:effectLst/>
+                                                            <a:latin typeface="Cambria Math" panose="02040503050406030204" pitchFamily="18" charset="0"/>
+                                                          </a:rPr>
+                                                        </m:ctrlPr>
+                                                      </m:sSubPr>
+                                                      <m:e>
+                                                        <m:r>
+                                                          <a:rPr lang="en-US" sz="1800" i="1">
+                                                            <a:effectLst/>
+                                                            <a:latin typeface="Cambria Math" panose="02040503050406030204" pitchFamily="18" charset="0"/>
+                                                            <a:ea typeface="Times New Roman" panose="02020603050405020304" pitchFamily="18" charset="0"/>
+                                                            <a:cs typeface="Times New Roman" panose="02020603050405020304" pitchFamily="18" charset="0"/>
+                                                          </a:rPr>
+                                                          <m:t>𝑦</m:t>
+                                                        </m:r>
+                                                      </m:e>
+                                                      <m:sub>
+                                                        <m:r>
+                                                          <a:rPr lang="ru-RU" sz="1800">
+                                                            <a:effectLst/>
+                                                            <a:latin typeface="Cambria Math" panose="02040503050406030204" pitchFamily="18" charset="0"/>
+                                                            <a:ea typeface="Times New Roman" panose="02020603050405020304" pitchFamily="18" charset="0"/>
+                                                            <a:cs typeface="Times New Roman" panose="02020603050405020304" pitchFamily="18" charset="0"/>
+                                                          </a:rPr>
+                                                          <m:t>2</m:t>
+                                                        </m:r>
+                                                      </m:sub>
+                                                    </m:sSub>
+                                                  </m:e>
+                                                </m:d>
+                                              </m:e>
+                                            </m:d>
+                                          </m:e>
+                                        </m:nary>
+                                      </m:e>
+                                    </m:nary>
+                                  </m:e>
+                                </m:d>
+                              </m:e>
+                              <m:sup>
+                                <m:r>
+                                  <a:rPr lang="ru-RU" sz="1800">
+                                    <a:effectLst/>
+                                    <a:latin typeface="Cambria Math" panose="02040503050406030204" pitchFamily="18" charset="0"/>
+                                    <a:ea typeface="Times New Roman" panose="02020603050405020304" pitchFamily="18" charset="0"/>
+                                    <a:cs typeface="Times New Roman" panose="02020603050405020304" pitchFamily="18" charset="0"/>
+                                  </a:rPr>
+                                  <m:t>2</m:t>
+                                </m:r>
+                              </m:sup>
+                            </m:sSup>
+                          </m:e>
+                        </m:mr>
+                        <m:mr>
+                          <m:e>
+                            <m:r>
+                              <a:rPr lang="en-US" sz="1800" i="1">
+                                <a:effectLst/>
+                                <a:latin typeface="Cambria Math" panose="02040503050406030204" pitchFamily="18" charset="0"/>
+                                <a:ea typeface="Times New Roman" panose="02020603050405020304" pitchFamily="18" charset="0"/>
+                                <a:cs typeface="Times New Roman" panose="02020603050405020304" pitchFamily="18" charset="0"/>
+                              </a:rPr>
+                              <m:t>𝐶𝐷</m:t>
+                            </m:r>
+                            <m:r>
+                              <a:rPr lang="ru-RU" sz="1800">
+                                <a:effectLst/>
+                                <a:latin typeface="Cambria Math" panose="02040503050406030204" pitchFamily="18" charset="0"/>
+                                <a:ea typeface="Times New Roman" panose="02020603050405020304" pitchFamily="18" charset="0"/>
+                                <a:cs typeface="Times New Roman" panose="02020603050405020304" pitchFamily="18" charset="0"/>
+                              </a:rPr>
+                              <m:t>=</m:t>
+                            </m:r>
+                            <m:sSup>
+                              <m:sSupPr>
+                                <m:ctrlPr>
+                                  <a:rPr lang="ru-RU" i="1">
+                                    <a:effectLst/>
+                                    <a:latin typeface="Cambria Math" panose="02040503050406030204" pitchFamily="18" charset="0"/>
+                                  </a:rPr>
+                                </m:ctrlPr>
+                              </m:sSupPr>
+                              <m:e>
+                                <m:d>
+                                  <m:dPr>
+                                    <m:ctrlPr>
+                                      <a:rPr lang="ru-RU" i="1">
+                                        <a:effectLst/>
+                                        <a:latin typeface="Cambria Math" panose="02040503050406030204" pitchFamily="18" charset="0"/>
+                                      </a:rPr>
+                                    </m:ctrlPr>
+                                  </m:dPr>
+                                  <m:e>
+                                    <m:nary>
+                                      <m:naryPr>
+                                        <m:chr m:val="∑"/>
+                                        <m:limLoc m:val="undOvr"/>
+                                        <m:ctrlPr>
+                                          <a:rPr lang="ru-RU" i="1">
+                                            <a:effectLst/>
+                                            <a:latin typeface="Cambria Math" panose="02040503050406030204" pitchFamily="18" charset="0"/>
+                                          </a:rPr>
+                                        </m:ctrlPr>
+                                      </m:naryPr>
+                                      <m:sub>
+                                        <m:r>
+                                          <a:rPr lang="en-US" sz="1800" i="1">
+                                            <a:effectLst/>
+                                            <a:latin typeface="Cambria Math" panose="02040503050406030204" pitchFamily="18" charset="0"/>
+                                            <a:ea typeface="Times New Roman" panose="02020603050405020304" pitchFamily="18" charset="0"/>
+                                            <a:cs typeface="Times New Roman" panose="02020603050405020304" pitchFamily="18" charset="0"/>
+                                          </a:rPr>
+                                          <m:t>𝑖</m:t>
+                                        </m:r>
+                                        <m:r>
+                                          <a:rPr lang="ru-RU" sz="1800">
+                                            <a:effectLst/>
+                                            <a:latin typeface="Cambria Math" panose="02040503050406030204" pitchFamily="18" charset="0"/>
+                                            <a:ea typeface="Times New Roman" panose="02020603050405020304" pitchFamily="18" charset="0"/>
+                                            <a:cs typeface="Times New Roman" panose="02020603050405020304" pitchFamily="18" charset="0"/>
+                                          </a:rPr>
+                                          <m:t>=1</m:t>
+                                        </m:r>
+                                      </m:sub>
+                                      <m:sup>
+                                        <m:r>
+                                          <a:rPr lang="ru-RU" sz="1800">
+                                            <a:effectLst/>
+                                            <a:latin typeface="Cambria Math" panose="02040503050406030204" pitchFamily="18" charset="0"/>
+                                            <a:ea typeface="Times New Roman" panose="02020603050405020304" pitchFamily="18" charset="0"/>
+                                            <a:cs typeface="Times New Roman" panose="02020603050405020304" pitchFamily="18" charset="0"/>
+                                          </a:rPr>
+                                          <m:t>7</m:t>
+                                        </m:r>
+                                      </m:sup>
+                                      <m:e>
+                                        <m:nary>
+                                          <m:naryPr>
+                                            <m:chr m:val="∑"/>
+                                            <m:limLoc m:val="undOvr"/>
+                                            <m:ctrlPr>
+                                              <a:rPr lang="ru-RU" i="1">
+                                                <a:effectLst/>
+                                                <a:latin typeface="Cambria Math" panose="02040503050406030204" pitchFamily="18" charset="0"/>
+                                              </a:rPr>
+                                            </m:ctrlPr>
+                                          </m:naryPr>
+                                          <m:sub>
+                                            <m:r>
+                                              <a:rPr lang="en-US" sz="1800" i="1">
+                                                <a:effectLst/>
+                                                <a:latin typeface="Cambria Math" panose="02040503050406030204" pitchFamily="18" charset="0"/>
+                                                <a:ea typeface="Times New Roman" panose="02020603050405020304" pitchFamily="18" charset="0"/>
+                                                <a:cs typeface="Times New Roman" panose="02020603050405020304" pitchFamily="18" charset="0"/>
+                                              </a:rPr>
+                                              <m:t>𝑗</m:t>
+                                            </m:r>
+                                            <m:r>
+                                              <a:rPr lang="ru-RU" sz="1800">
+                                                <a:effectLst/>
+                                                <a:latin typeface="Cambria Math" panose="02040503050406030204" pitchFamily="18" charset="0"/>
+                                                <a:ea typeface="Times New Roman" panose="02020603050405020304" pitchFamily="18" charset="0"/>
+                                                <a:cs typeface="Times New Roman" panose="02020603050405020304" pitchFamily="18" charset="0"/>
+                                              </a:rPr>
+                                              <m:t>=1</m:t>
+                                            </m:r>
+                                          </m:sub>
+                                          <m:sup>
+                                            <m:r>
+                                              <a:rPr lang="ru-RU" sz="1800">
+                                                <a:effectLst/>
+                                                <a:latin typeface="Cambria Math" panose="02040503050406030204" pitchFamily="18" charset="0"/>
+                                                <a:ea typeface="Times New Roman" panose="02020603050405020304" pitchFamily="18" charset="0"/>
+                                                <a:cs typeface="Times New Roman" panose="02020603050405020304" pitchFamily="18" charset="0"/>
+                                              </a:rPr>
+                                              <m:t>7</m:t>
+                                            </m:r>
+                                          </m:sup>
+                                          <m:e>
+                                            <m:d>
+                                              <m:dPr>
+                                                <m:begChr m:val="["/>
+                                                <m:endChr m:val="]"/>
+                                                <m:ctrlPr>
+                                                  <a:rPr lang="ru-RU" i="1">
+                                                    <a:effectLst/>
+                                                    <a:latin typeface="Cambria Math" panose="02040503050406030204" pitchFamily="18" charset="0"/>
+                                                  </a:rPr>
+                                                </m:ctrlPr>
+                                              </m:dPr>
+                                              <m:e>
+                                                <m:sSub>
+                                                  <m:sSubPr>
+                                                    <m:ctrlPr>
+                                                      <a:rPr lang="ru-RU" i="1">
+                                                        <a:effectLst/>
+                                                        <a:latin typeface="Cambria Math" panose="02040503050406030204" pitchFamily="18" charset="0"/>
+                                                      </a:rPr>
+                                                    </m:ctrlPr>
+                                                  </m:sSubPr>
+                                                  <m:e>
+                                                    <m:r>
+                                                      <a:rPr lang="en-US" sz="1800" i="1">
+                                                        <a:effectLst/>
+                                                        <a:latin typeface="Cambria Math" panose="02040503050406030204" pitchFamily="18" charset="0"/>
+                                                        <a:ea typeface="Times New Roman" panose="02020603050405020304" pitchFamily="18" charset="0"/>
+                                                        <a:cs typeface="Times New Roman" panose="02020603050405020304" pitchFamily="18" charset="0"/>
+                                                      </a:rPr>
+                                                      <m:t>𝐶</m:t>
+                                                    </m:r>
+                                                  </m:e>
+                                                  <m:sub>
+                                                    <m:r>
+                                                      <a:rPr lang="en-US" sz="1800" i="1">
+                                                        <a:effectLst/>
+                                                        <a:latin typeface="Cambria Math" panose="02040503050406030204" pitchFamily="18" charset="0"/>
+                                                        <a:ea typeface="Times New Roman" panose="02020603050405020304" pitchFamily="18" charset="0"/>
+                                                        <a:cs typeface="Times New Roman" panose="02020603050405020304" pitchFamily="18" charset="0"/>
+                                                      </a:rPr>
+                                                      <m:t>𝑖𝑗</m:t>
+                                                    </m:r>
+                                                  </m:sub>
+                                                </m:sSub>
+                                                <m:sSub>
+                                                  <m:sSubPr>
+                                                    <m:ctrlPr>
+                                                      <a:rPr lang="ru-RU" i="1">
+                                                        <a:effectLst/>
+                                                        <a:latin typeface="Cambria Math" panose="02040503050406030204" pitchFamily="18" charset="0"/>
+                                                      </a:rPr>
+                                                    </m:ctrlPr>
+                                                  </m:sSubPr>
+                                                  <m:e>
+                                                    <m:r>
+                                                      <a:rPr lang="en-US" sz="1800" i="1">
+                                                        <a:effectLst/>
+                                                        <a:latin typeface="Cambria Math" panose="02040503050406030204" pitchFamily="18" charset="0"/>
+                                                        <a:ea typeface="Times New Roman" panose="02020603050405020304" pitchFamily="18" charset="0"/>
+                                                        <a:cs typeface="Times New Roman" panose="02020603050405020304" pitchFamily="18" charset="0"/>
+                                                      </a:rPr>
+                                                      <m:t>𝑎</m:t>
+                                                    </m:r>
+                                                  </m:e>
+                                                  <m:sub>
+                                                    <m:r>
+                                                      <a:rPr lang="en-US" sz="1800" i="1">
+                                                        <a:effectLst/>
+                                                        <a:latin typeface="Cambria Math" panose="02040503050406030204" pitchFamily="18" charset="0"/>
+                                                        <a:ea typeface="Times New Roman" panose="02020603050405020304" pitchFamily="18" charset="0"/>
+                                                        <a:cs typeface="Times New Roman" panose="02020603050405020304" pitchFamily="18" charset="0"/>
+                                                      </a:rPr>
+                                                      <m:t>𝑖𝑗</m:t>
+                                                    </m:r>
+                                                  </m:sub>
+                                                </m:sSub>
+                                                <m:d>
+                                                  <m:dPr>
+                                                    <m:ctrlPr>
+                                                      <a:rPr lang="ru-RU" i="1">
+                                                        <a:effectLst/>
+                                                        <a:latin typeface="Cambria Math" panose="02040503050406030204" pitchFamily="18" charset="0"/>
+                                                      </a:rPr>
+                                                    </m:ctrlPr>
+                                                  </m:dPr>
+                                                  <m:e>
+                                                    <m:sSub>
+                                                      <m:sSubPr>
+                                                        <m:ctrlPr>
+                                                          <a:rPr lang="ru-RU" i="1">
+                                                            <a:effectLst/>
+                                                            <a:latin typeface="Cambria Math" panose="02040503050406030204" pitchFamily="18" charset="0"/>
+                                                          </a:rPr>
+                                                        </m:ctrlPr>
+                                                      </m:sSubPr>
+                                                      <m:e>
+                                                        <m:r>
+                                                          <a:rPr lang="en-US" sz="1800" i="1">
+                                                            <a:effectLst/>
+                                                            <a:latin typeface="Cambria Math" panose="02040503050406030204" pitchFamily="18" charset="0"/>
+                                                            <a:ea typeface="Times New Roman" panose="02020603050405020304" pitchFamily="18" charset="0"/>
+                                                            <a:cs typeface="Times New Roman" panose="02020603050405020304" pitchFamily="18" charset="0"/>
+                                                          </a:rPr>
+                                                          <m:t>𝑦</m:t>
+                                                        </m:r>
+                                                      </m:e>
+                                                      <m:sub>
+                                                        <m:r>
+                                                          <a:rPr lang="ru-RU" sz="1800">
+                                                            <a:effectLst/>
+                                                            <a:latin typeface="Cambria Math" panose="02040503050406030204" pitchFamily="18" charset="0"/>
+                                                            <a:ea typeface="Times New Roman" panose="02020603050405020304" pitchFamily="18" charset="0"/>
+                                                            <a:cs typeface="Times New Roman" panose="02020603050405020304" pitchFamily="18" charset="0"/>
+                                                          </a:rPr>
+                                                          <m:t>1</m:t>
+                                                        </m:r>
+                                                      </m:sub>
+                                                    </m:sSub>
+                                                    <m:r>
+                                                      <a:rPr lang="ru-RU" sz="1800">
+                                                        <a:effectLst/>
+                                                        <a:latin typeface="Cambria Math" panose="02040503050406030204" pitchFamily="18" charset="0"/>
+                                                        <a:ea typeface="Times New Roman" panose="02020603050405020304" pitchFamily="18" charset="0"/>
+                                                        <a:cs typeface="Times New Roman" panose="02020603050405020304" pitchFamily="18" charset="0"/>
+                                                      </a:rPr>
+                                                      <m:t>, </m:t>
+                                                    </m:r>
+                                                    <m:sSub>
+                                                      <m:sSubPr>
+                                                        <m:ctrlPr>
+                                                          <a:rPr lang="ru-RU" i="1">
+                                                            <a:effectLst/>
+                                                            <a:latin typeface="Cambria Math" panose="02040503050406030204" pitchFamily="18" charset="0"/>
+                                                          </a:rPr>
+                                                        </m:ctrlPr>
+                                                      </m:sSubPr>
+                                                      <m:e>
+                                                        <m:r>
+                                                          <a:rPr lang="en-US" sz="1800" i="1">
+                                                            <a:effectLst/>
+                                                            <a:latin typeface="Cambria Math" panose="02040503050406030204" pitchFamily="18" charset="0"/>
+                                                            <a:ea typeface="Times New Roman" panose="02020603050405020304" pitchFamily="18" charset="0"/>
+                                                            <a:cs typeface="Times New Roman" panose="02020603050405020304" pitchFamily="18" charset="0"/>
+                                                          </a:rPr>
+                                                          <m:t>𝑦</m:t>
+                                                        </m:r>
+                                                      </m:e>
+                                                      <m:sub>
+                                                        <m:r>
+                                                          <a:rPr lang="ru-RU" sz="1800">
+                                                            <a:effectLst/>
+                                                            <a:latin typeface="Cambria Math" panose="02040503050406030204" pitchFamily="18" charset="0"/>
+                                                            <a:ea typeface="Times New Roman" panose="02020603050405020304" pitchFamily="18" charset="0"/>
+                                                            <a:cs typeface="Times New Roman" panose="02020603050405020304" pitchFamily="18" charset="0"/>
+                                                          </a:rPr>
+                                                          <m:t>2</m:t>
+                                                        </m:r>
+                                                      </m:sub>
+                                                    </m:sSub>
+                                                  </m:e>
+                                                </m:d>
+                                                <m:r>
+                                                  <a:rPr lang="ru-RU" sz="1800" i="1">
+                                                    <a:effectLst/>
+                                                    <a:latin typeface="Cambria Math" panose="02040503050406030204" pitchFamily="18" charset="0"/>
+                                                    <a:ea typeface="Times New Roman" panose="02020603050405020304" pitchFamily="18" charset="0"/>
+                                                    <a:cs typeface="Times New Roman" panose="02020603050405020304" pitchFamily="18" charset="0"/>
+                                                  </a:rPr>
+                                                  <m:t>−</m:t>
+                                                </m:r>
+                                                <m:sSub>
+                                                  <m:sSubPr>
+                                                    <m:ctrlPr>
+                                                      <a:rPr lang="ru-RU" i="1">
+                                                        <a:effectLst/>
+                                                        <a:latin typeface="Cambria Math" panose="02040503050406030204" pitchFamily="18" charset="0"/>
+                                                      </a:rPr>
+                                                    </m:ctrlPr>
+                                                  </m:sSubPr>
+                                                  <m:e>
+                                                    <m:r>
+                                                      <a:rPr lang="en-US" sz="1800" i="1">
+                                                        <a:effectLst/>
+                                                        <a:latin typeface="Cambria Math" panose="02040503050406030204" pitchFamily="18" charset="0"/>
+                                                        <a:ea typeface="Times New Roman" panose="02020603050405020304" pitchFamily="18" charset="0"/>
+                                                        <a:cs typeface="Times New Roman" panose="02020603050405020304" pitchFamily="18" charset="0"/>
+                                                      </a:rPr>
+                                                      <m:t>𝐷</m:t>
+                                                    </m:r>
+                                                  </m:e>
+                                                  <m:sub>
+                                                    <m:r>
+                                                      <a:rPr lang="en-US" sz="1800" i="1">
+                                                        <a:effectLst/>
+                                                        <a:latin typeface="Cambria Math" panose="02040503050406030204" pitchFamily="18" charset="0"/>
+                                                        <a:ea typeface="Times New Roman" panose="02020603050405020304" pitchFamily="18" charset="0"/>
+                                                        <a:cs typeface="Times New Roman" panose="02020603050405020304" pitchFamily="18" charset="0"/>
+                                                      </a:rPr>
+                                                      <m:t>𝑖𝑗</m:t>
+                                                    </m:r>
+                                                  </m:sub>
+                                                </m:sSub>
+                                                <m:sSub>
+                                                  <m:sSubPr>
+                                                    <m:ctrlPr>
+                                                      <a:rPr lang="ru-RU" i="1">
+                                                        <a:effectLst/>
+                                                        <a:latin typeface="Cambria Math" panose="02040503050406030204" pitchFamily="18" charset="0"/>
+                                                      </a:rPr>
+                                                    </m:ctrlPr>
+                                                  </m:sSubPr>
+                                                  <m:e>
+                                                    <m:r>
+                                                      <a:rPr lang="en-US" sz="1800" i="1">
+                                                        <a:effectLst/>
+                                                        <a:latin typeface="Cambria Math" panose="02040503050406030204" pitchFamily="18" charset="0"/>
+                                                        <a:ea typeface="Times New Roman" panose="02020603050405020304" pitchFamily="18" charset="0"/>
+                                                        <a:cs typeface="Times New Roman" panose="02020603050405020304" pitchFamily="18" charset="0"/>
+                                                      </a:rPr>
+                                                      <m:t>𝑏</m:t>
+                                                    </m:r>
+                                                  </m:e>
+                                                  <m:sub>
+                                                    <m:r>
+                                                      <a:rPr lang="en-US" sz="1800" i="1">
+                                                        <a:effectLst/>
+                                                        <a:latin typeface="Cambria Math" panose="02040503050406030204" pitchFamily="18" charset="0"/>
+                                                        <a:ea typeface="Times New Roman" panose="02020603050405020304" pitchFamily="18" charset="0"/>
+                                                        <a:cs typeface="Times New Roman" panose="02020603050405020304" pitchFamily="18" charset="0"/>
+                                                      </a:rPr>
+                                                      <m:t>𝑖𝑗</m:t>
+                                                    </m:r>
+                                                  </m:sub>
+                                                </m:sSub>
+                                                <m:d>
+                                                  <m:dPr>
+                                                    <m:ctrlPr>
+                                                      <a:rPr lang="ru-RU" i="1">
+                                                        <a:effectLst/>
+                                                        <a:latin typeface="Cambria Math" panose="02040503050406030204" pitchFamily="18" charset="0"/>
+                                                      </a:rPr>
+                                                    </m:ctrlPr>
+                                                  </m:dPr>
+                                                  <m:e>
+                                                    <m:sSub>
+                                                      <m:sSubPr>
+                                                        <m:ctrlPr>
+                                                          <a:rPr lang="ru-RU" i="1">
+                                                            <a:effectLst/>
+                                                            <a:latin typeface="Cambria Math" panose="02040503050406030204" pitchFamily="18" charset="0"/>
+                                                          </a:rPr>
+                                                        </m:ctrlPr>
+                                                      </m:sSubPr>
+                                                      <m:e>
+                                                        <m:r>
+                                                          <a:rPr lang="en-US" sz="1800" i="1">
+                                                            <a:effectLst/>
+                                                            <a:latin typeface="Cambria Math" panose="02040503050406030204" pitchFamily="18" charset="0"/>
+                                                            <a:ea typeface="Times New Roman" panose="02020603050405020304" pitchFamily="18" charset="0"/>
+                                                            <a:cs typeface="Times New Roman" panose="02020603050405020304" pitchFamily="18" charset="0"/>
+                                                          </a:rPr>
+                                                          <m:t>𝑦</m:t>
+                                                        </m:r>
+                                                      </m:e>
+                                                      <m:sub>
+                                                        <m:r>
+                                                          <a:rPr lang="ru-RU" sz="1800">
+                                                            <a:effectLst/>
+                                                            <a:latin typeface="Cambria Math" panose="02040503050406030204" pitchFamily="18" charset="0"/>
+                                                            <a:ea typeface="Times New Roman" panose="02020603050405020304" pitchFamily="18" charset="0"/>
+                                                            <a:cs typeface="Times New Roman" panose="02020603050405020304" pitchFamily="18" charset="0"/>
+                                                          </a:rPr>
+                                                          <m:t>1</m:t>
+                                                        </m:r>
+                                                      </m:sub>
+                                                    </m:sSub>
+                                                    <m:r>
+                                                      <a:rPr lang="ru-RU" sz="1800">
+                                                        <a:effectLst/>
+                                                        <a:latin typeface="Cambria Math" panose="02040503050406030204" pitchFamily="18" charset="0"/>
+                                                        <a:ea typeface="Times New Roman" panose="02020603050405020304" pitchFamily="18" charset="0"/>
+                                                        <a:cs typeface="Times New Roman" panose="02020603050405020304" pitchFamily="18" charset="0"/>
+                                                      </a:rPr>
+                                                      <m:t>, </m:t>
+                                                    </m:r>
+                                                    <m:sSub>
+                                                      <m:sSubPr>
+                                                        <m:ctrlPr>
+                                                          <a:rPr lang="ru-RU" i="1">
+                                                            <a:effectLst/>
+                                                            <a:latin typeface="Cambria Math" panose="02040503050406030204" pitchFamily="18" charset="0"/>
+                                                          </a:rPr>
+                                                        </m:ctrlPr>
+                                                      </m:sSubPr>
+                                                      <m:e>
+                                                        <m:r>
+                                                          <a:rPr lang="en-US" sz="1800" i="1">
+                                                            <a:effectLst/>
+                                                            <a:latin typeface="Cambria Math" panose="02040503050406030204" pitchFamily="18" charset="0"/>
+                                                            <a:ea typeface="Times New Roman" panose="02020603050405020304" pitchFamily="18" charset="0"/>
+                                                            <a:cs typeface="Times New Roman" panose="02020603050405020304" pitchFamily="18" charset="0"/>
+                                                          </a:rPr>
+                                                          <m:t>𝑦</m:t>
+                                                        </m:r>
+                                                      </m:e>
+                                                      <m:sub>
+                                                        <m:r>
+                                                          <a:rPr lang="ru-RU" sz="1800">
+                                                            <a:effectLst/>
+                                                            <a:latin typeface="Cambria Math" panose="02040503050406030204" pitchFamily="18" charset="0"/>
+                                                            <a:ea typeface="Times New Roman" panose="02020603050405020304" pitchFamily="18" charset="0"/>
+                                                            <a:cs typeface="Times New Roman" panose="02020603050405020304" pitchFamily="18" charset="0"/>
+                                                          </a:rPr>
+                                                          <m:t>2</m:t>
+                                                        </m:r>
+                                                      </m:sub>
+                                                    </m:sSub>
+                                                  </m:e>
+                                                </m:d>
+                                              </m:e>
+                                            </m:d>
+                                          </m:e>
+                                        </m:nary>
+                                      </m:e>
+                                    </m:nary>
+                                  </m:e>
+                                </m:d>
+                              </m:e>
+                              <m:sup>
+                                <m:r>
+                                  <a:rPr lang="ru-RU" sz="1800">
+                                    <a:effectLst/>
+                                    <a:latin typeface="Cambria Math" panose="02040503050406030204" pitchFamily="18" charset="0"/>
+                                    <a:ea typeface="Times New Roman" panose="02020603050405020304" pitchFamily="18" charset="0"/>
+                                    <a:cs typeface="Times New Roman" panose="02020603050405020304" pitchFamily="18" charset="0"/>
+                                  </a:rPr>
+                                  <m:t>2</m:t>
+                                </m:r>
+                              </m:sup>
+                            </m:sSup>
+                          </m:e>
+                        </m:mr>
+                      </m:m>
+                    </m:oMath>
+                  </m:oMathPara>
+                </a14:m>
+                <a:endParaRPr lang="en-US" dirty="0"/>
+              </a:p>
+              <a:p>
+                <a:pPr marL="0" indent="0">
+                  <a:buNone/>
+                </a:pPr>
+                <a14:m>
+                  <m:oMathPara xmlns:m="http://schemas.openxmlformats.org/officeDocument/2006/math">
+                    <m:oMathParaPr>
+                      <m:jc m:val="centerGroup"/>
+                    </m:oMathParaPr>
+                    <m:oMath xmlns:m="http://schemas.openxmlformats.org/officeDocument/2006/math">
+                      <m:sSub>
+                        <m:sSubPr>
+                          <m:ctrlPr>
+                            <a:rPr lang="ru-RU" i="1" smtClean="0">
+                              <a:effectLst/>
+                              <a:latin typeface="Cambria Math" panose="02040503050406030204" pitchFamily="18" charset="0"/>
+                            </a:rPr>
+                          </m:ctrlPr>
+                        </m:sSubPr>
+                        <m:e>
+                          <m:r>
+                            <a:rPr lang="en-US" sz="1800" i="1">
+                              <a:effectLst/>
+                              <a:latin typeface="Cambria Math" panose="02040503050406030204" pitchFamily="18" charset="0"/>
+                              <a:ea typeface="Times New Roman" panose="02020603050405020304" pitchFamily="18" charset="0"/>
+                              <a:cs typeface="Times New Roman" panose="02020603050405020304" pitchFamily="18" charset="0"/>
+                            </a:rPr>
+                            <m:t>𝑎</m:t>
+                          </m:r>
+                        </m:e>
+                        <m:sub>
+                          <m:r>
+                            <a:rPr lang="en-US" sz="1800" i="1">
+                              <a:effectLst/>
+                              <a:latin typeface="Cambria Math" panose="02040503050406030204" pitchFamily="18" charset="0"/>
+                              <a:ea typeface="Times New Roman" panose="02020603050405020304" pitchFamily="18" charset="0"/>
+                              <a:cs typeface="Times New Roman" panose="02020603050405020304" pitchFamily="18" charset="0"/>
+                            </a:rPr>
+                            <m:t>𝑖𝑗</m:t>
+                          </m:r>
+                        </m:sub>
+                      </m:sSub>
+                      <m:d>
+                        <m:dPr>
+                          <m:ctrlPr>
+                            <a:rPr lang="ru-RU" i="1">
+                              <a:effectLst/>
+                              <a:latin typeface="Cambria Math" panose="02040503050406030204" pitchFamily="18" charset="0"/>
+                            </a:rPr>
+                          </m:ctrlPr>
+                        </m:dPr>
+                        <m:e>
+                          <m:sSub>
+                            <m:sSubPr>
+                              <m:ctrlPr>
+                                <a:rPr lang="ru-RU" i="1">
+                                  <a:effectLst/>
+                                  <a:latin typeface="Cambria Math" panose="02040503050406030204" pitchFamily="18" charset="0"/>
+                                </a:rPr>
+                              </m:ctrlPr>
+                            </m:sSubPr>
+                            <m:e>
+                              <m:r>
+                                <a:rPr lang="en-US" sz="1800" i="1">
+                                  <a:effectLst/>
+                                  <a:latin typeface="Cambria Math" panose="02040503050406030204" pitchFamily="18" charset="0"/>
+                                  <a:ea typeface="Times New Roman" panose="02020603050405020304" pitchFamily="18" charset="0"/>
+                                  <a:cs typeface="Times New Roman" panose="02020603050405020304" pitchFamily="18" charset="0"/>
+                                </a:rPr>
+                                <m:t>𝑦</m:t>
+                              </m:r>
+                            </m:e>
+                            <m:sub>
+                              <m:r>
+                                <a:rPr lang="en-US" sz="1800">
+                                  <a:effectLst/>
+                                  <a:latin typeface="Cambria Math" panose="02040503050406030204" pitchFamily="18" charset="0"/>
+                                  <a:ea typeface="Times New Roman" panose="02020603050405020304" pitchFamily="18" charset="0"/>
+                                  <a:cs typeface="Times New Roman" panose="02020603050405020304" pitchFamily="18" charset="0"/>
+                                </a:rPr>
+                                <m:t>1</m:t>
+                              </m:r>
+                            </m:sub>
+                          </m:sSub>
+                          <m:r>
+                            <a:rPr lang="en-US" sz="1800">
+                              <a:effectLst/>
+                              <a:latin typeface="Cambria Math" panose="02040503050406030204" pitchFamily="18" charset="0"/>
+                              <a:ea typeface="Times New Roman" panose="02020603050405020304" pitchFamily="18" charset="0"/>
+                              <a:cs typeface="Times New Roman" panose="02020603050405020304" pitchFamily="18" charset="0"/>
+                            </a:rPr>
+                            <m:t>, </m:t>
+                          </m:r>
+                          <m:sSub>
+                            <m:sSubPr>
+                              <m:ctrlPr>
+                                <a:rPr lang="ru-RU" i="1">
+                                  <a:effectLst/>
+                                  <a:latin typeface="Cambria Math" panose="02040503050406030204" pitchFamily="18" charset="0"/>
+                                </a:rPr>
+                              </m:ctrlPr>
+                            </m:sSubPr>
+                            <m:e>
+                              <m:r>
+                                <a:rPr lang="en-US" sz="1800" i="1">
+                                  <a:effectLst/>
+                                  <a:latin typeface="Cambria Math" panose="02040503050406030204" pitchFamily="18" charset="0"/>
+                                  <a:ea typeface="Times New Roman" panose="02020603050405020304" pitchFamily="18" charset="0"/>
+                                  <a:cs typeface="Times New Roman" panose="02020603050405020304" pitchFamily="18" charset="0"/>
+                                </a:rPr>
+                                <m:t>𝑦</m:t>
+                              </m:r>
+                            </m:e>
+                            <m:sub>
+                              <m:r>
+                                <a:rPr lang="en-US" sz="1800">
+                                  <a:effectLst/>
+                                  <a:latin typeface="Cambria Math" panose="02040503050406030204" pitchFamily="18" charset="0"/>
+                                  <a:ea typeface="Times New Roman" panose="02020603050405020304" pitchFamily="18" charset="0"/>
+                                  <a:cs typeface="Times New Roman" panose="02020603050405020304" pitchFamily="18" charset="0"/>
+                                </a:rPr>
+                                <m:t>2</m:t>
+                              </m:r>
+                            </m:sub>
+                          </m:sSub>
+                        </m:e>
+                      </m:d>
+                      <m:r>
+                        <a:rPr lang="en-US" sz="1800">
+                          <a:effectLst/>
+                          <a:latin typeface="Cambria Math" panose="02040503050406030204" pitchFamily="18" charset="0"/>
+                          <a:ea typeface="Times New Roman" panose="02020603050405020304" pitchFamily="18" charset="0"/>
+                          <a:cs typeface="Times New Roman" panose="02020603050405020304" pitchFamily="18" charset="0"/>
+                        </a:rPr>
+                        <m:t>=</m:t>
+                      </m:r>
+                      <m:func>
+                        <m:funcPr>
+                          <m:ctrlPr>
+                            <a:rPr lang="ru-RU" i="1">
+                              <a:effectLst/>
+                              <a:latin typeface="Cambria Math" panose="02040503050406030204" pitchFamily="18" charset="0"/>
+                            </a:rPr>
+                          </m:ctrlPr>
+                        </m:funcPr>
+                        <m:fName>
+                          <m:r>
+                            <m:rPr>
+                              <m:sty m:val="p"/>
+                            </m:rPr>
+                            <a:rPr lang="en-US" sz="1800">
+                              <a:effectLst/>
+                              <a:latin typeface="Cambria Math" panose="02040503050406030204" pitchFamily="18" charset="0"/>
+                              <a:ea typeface="Times New Roman" panose="02020603050405020304" pitchFamily="18" charset="0"/>
+                              <a:cs typeface="Times New Roman" panose="02020603050405020304" pitchFamily="18" charset="0"/>
+                            </a:rPr>
+                            <m:t>sin</m:t>
+                          </m:r>
+                        </m:fName>
+                        <m:e>
+                          <m:d>
+                            <m:dPr>
+                              <m:ctrlPr>
+                                <a:rPr lang="ru-RU" i="1">
+                                  <a:effectLst/>
+                                  <a:latin typeface="Cambria Math" panose="02040503050406030204" pitchFamily="18" charset="0"/>
+                                </a:rPr>
+                              </m:ctrlPr>
+                            </m:dPr>
+                            <m:e>
+                              <m:r>
+                                <a:rPr lang="en-US" sz="1800" i="1">
+                                  <a:effectLst/>
+                                  <a:latin typeface="Cambria Math" panose="02040503050406030204" pitchFamily="18" charset="0"/>
+                                  <a:ea typeface="Times New Roman" panose="02020603050405020304" pitchFamily="18" charset="0"/>
+                                  <a:cs typeface="Times New Roman" panose="02020603050405020304" pitchFamily="18" charset="0"/>
+                                </a:rPr>
+                                <m:t>𝜋</m:t>
+                              </m:r>
+                              <m:r>
+                                <a:rPr lang="en-US" sz="1800" i="1">
+                                  <a:effectLst/>
+                                  <a:latin typeface="Cambria Math" panose="02040503050406030204" pitchFamily="18" charset="0"/>
+                                  <a:ea typeface="Times New Roman" panose="02020603050405020304" pitchFamily="18" charset="0"/>
+                                  <a:cs typeface="Times New Roman" panose="02020603050405020304" pitchFamily="18" charset="0"/>
+                                </a:rPr>
+                                <m:t>𝑖</m:t>
+                              </m:r>
+                              <m:sSub>
+                                <m:sSubPr>
+                                  <m:ctrlPr>
+                                    <a:rPr lang="ru-RU" i="1">
+                                      <a:effectLst/>
+                                      <a:latin typeface="Cambria Math" panose="02040503050406030204" pitchFamily="18" charset="0"/>
+                                    </a:rPr>
+                                  </m:ctrlPr>
+                                </m:sSubPr>
+                                <m:e>
+                                  <m:r>
+                                    <a:rPr lang="en-US" sz="1800" i="1">
+                                      <a:effectLst/>
+                                      <a:latin typeface="Cambria Math" panose="02040503050406030204" pitchFamily="18" charset="0"/>
+                                      <a:ea typeface="Times New Roman" panose="02020603050405020304" pitchFamily="18" charset="0"/>
+                                      <a:cs typeface="Times New Roman" panose="02020603050405020304" pitchFamily="18" charset="0"/>
+                                    </a:rPr>
+                                    <m:t>𝑦</m:t>
+                                  </m:r>
+                                </m:e>
+                                <m:sub>
+                                  <m:r>
+                                    <a:rPr lang="en-US" sz="1800">
+                                      <a:effectLst/>
+                                      <a:latin typeface="Cambria Math" panose="02040503050406030204" pitchFamily="18" charset="0"/>
+                                      <a:ea typeface="Times New Roman" panose="02020603050405020304" pitchFamily="18" charset="0"/>
+                                      <a:cs typeface="Times New Roman" panose="02020603050405020304" pitchFamily="18" charset="0"/>
+                                    </a:rPr>
+                                    <m:t>1</m:t>
+                                  </m:r>
+                                </m:sub>
+                              </m:sSub>
+                            </m:e>
+                          </m:d>
+                        </m:e>
+                      </m:func>
+                      <m:func>
+                        <m:funcPr>
+                          <m:ctrlPr>
+                            <a:rPr lang="ru-RU" i="1">
+                              <a:effectLst/>
+                              <a:latin typeface="Cambria Math" panose="02040503050406030204" pitchFamily="18" charset="0"/>
+                            </a:rPr>
+                          </m:ctrlPr>
+                        </m:funcPr>
+                        <m:fName>
+                          <m:r>
+                            <m:rPr>
+                              <m:sty m:val="p"/>
+                            </m:rPr>
+                            <a:rPr lang="en-US" sz="1800">
+                              <a:effectLst/>
+                              <a:latin typeface="Cambria Math" panose="02040503050406030204" pitchFamily="18" charset="0"/>
+                              <a:ea typeface="Times New Roman" panose="02020603050405020304" pitchFamily="18" charset="0"/>
+                              <a:cs typeface="Times New Roman" panose="02020603050405020304" pitchFamily="18" charset="0"/>
+                            </a:rPr>
+                            <m:t>sin</m:t>
+                          </m:r>
+                        </m:fName>
+                        <m:e>
+                          <m:d>
+                            <m:dPr>
+                              <m:ctrlPr>
+                                <a:rPr lang="ru-RU" i="1">
+                                  <a:effectLst/>
+                                  <a:latin typeface="Cambria Math" panose="02040503050406030204" pitchFamily="18" charset="0"/>
+                                </a:rPr>
+                              </m:ctrlPr>
+                            </m:dPr>
+                            <m:e>
+                              <m:r>
+                                <a:rPr lang="en-US" sz="1800" i="1">
+                                  <a:effectLst/>
+                                  <a:latin typeface="Cambria Math" panose="02040503050406030204" pitchFamily="18" charset="0"/>
+                                  <a:ea typeface="Times New Roman" panose="02020603050405020304" pitchFamily="18" charset="0"/>
+                                  <a:cs typeface="Times New Roman" panose="02020603050405020304" pitchFamily="18" charset="0"/>
+                                </a:rPr>
+                                <m:t>𝜋</m:t>
+                              </m:r>
+                              <m:r>
+                                <a:rPr lang="en-US" sz="1800" i="1">
+                                  <a:effectLst/>
+                                  <a:latin typeface="Cambria Math" panose="02040503050406030204" pitchFamily="18" charset="0"/>
+                                  <a:ea typeface="Times New Roman" panose="02020603050405020304" pitchFamily="18" charset="0"/>
+                                  <a:cs typeface="Times New Roman" panose="02020603050405020304" pitchFamily="18" charset="0"/>
+                                </a:rPr>
+                                <m:t>𝑗</m:t>
+                              </m:r>
+                              <m:sSub>
+                                <m:sSubPr>
+                                  <m:ctrlPr>
+                                    <a:rPr lang="ru-RU" i="1">
+                                      <a:effectLst/>
+                                      <a:latin typeface="Cambria Math" panose="02040503050406030204" pitchFamily="18" charset="0"/>
+                                    </a:rPr>
+                                  </m:ctrlPr>
+                                </m:sSubPr>
+                                <m:e>
+                                  <m:r>
+                                    <a:rPr lang="en-US" sz="1800" i="1">
+                                      <a:effectLst/>
+                                      <a:latin typeface="Cambria Math" panose="02040503050406030204" pitchFamily="18" charset="0"/>
+                                      <a:ea typeface="Times New Roman" panose="02020603050405020304" pitchFamily="18" charset="0"/>
+                                      <a:cs typeface="Times New Roman" panose="02020603050405020304" pitchFamily="18" charset="0"/>
+                                    </a:rPr>
+                                    <m:t>𝑦</m:t>
+                                  </m:r>
+                                </m:e>
+                                <m:sub>
+                                  <m:r>
+                                    <a:rPr lang="en-US" sz="1800">
+                                      <a:effectLst/>
+                                      <a:latin typeface="Cambria Math" panose="02040503050406030204" pitchFamily="18" charset="0"/>
+                                      <a:ea typeface="Times New Roman" panose="02020603050405020304" pitchFamily="18" charset="0"/>
+                                      <a:cs typeface="Times New Roman" panose="02020603050405020304" pitchFamily="18" charset="0"/>
+                                    </a:rPr>
+                                    <m:t>2</m:t>
+                                  </m:r>
+                                </m:sub>
+                              </m:sSub>
+                            </m:e>
+                          </m:d>
+                        </m:e>
+                      </m:func>
+                    </m:oMath>
+                  </m:oMathPara>
+                </a14:m>
+                <a:endParaRPr lang="en-US" sz="1800" dirty="0">
+                  <a:effectLst/>
+                  <a:latin typeface="Times New Roman" panose="02020603050405020304" pitchFamily="18" charset="0"/>
+                  <a:ea typeface="Times New Roman" panose="02020603050405020304" pitchFamily="18" charset="0"/>
+                </a:endParaRPr>
+              </a:p>
+              <a:p>
+                <a:pPr marL="0" indent="0">
+                  <a:buNone/>
+                </a:pPr>
+                <a14:m>
+                  <m:oMathPara xmlns:m="http://schemas.openxmlformats.org/officeDocument/2006/math">
+                    <m:oMathParaPr>
+                      <m:jc m:val="centerGroup"/>
+                    </m:oMathParaPr>
+                    <m:oMath xmlns:m="http://schemas.openxmlformats.org/officeDocument/2006/math">
+                      <m:sSub>
+                        <m:sSubPr>
+                          <m:ctrlPr>
+                            <a:rPr lang="ru-RU" i="1">
+                              <a:effectLst/>
+                              <a:latin typeface="Cambria Math" panose="02040503050406030204" pitchFamily="18" charset="0"/>
+                            </a:rPr>
+                          </m:ctrlPr>
+                        </m:sSubPr>
+                        <m:e>
+                          <m:r>
+                            <a:rPr lang="en-US" sz="1800" i="1">
+                              <a:effectLst/>
+                              <a:latin typeface="Cambria Math" panose="02040503050406030204" pitchFamily="18" charset="0"/>
+                              <a:ea typeface="Times New Roman" panose="02020603050405020304" pitchFamily="18" charset="0"/>
+                              <a:cs typeface="Times New Roman" panose="02020603050405020304" pitchFamily="18" charset="0"/>
+                            </a:rPr>
+                            <m:t>𝑏</m:t>
+                          </m:r>
+                        </m:e>
+                        <m:sub>
+                          <m:r>
+                            <a:rPr lang="en-US" sz="1800" i="1">
+                              <a:effectLst/>
+                              <a:latin typeface="Cambria Math" panose="02040503050406030204" pitchFamily="18" charset="0"/>
+                              <a:ea typeface="Times New Roman" panose="02020603050405020304" pitchFamily="18" charset="0"/>
+                              <a:cs typeface="Times New Roman" panose="02020603050405020304" pitchFamily="18" charset="0"/>
+                            </a:rPr>
+                            <m:t>𝑖𝑗</m:t>
+                          </m:r>
+                        </m:sub>
+                      </m:sSub>
+                      <m:d>
+                        <m:dPr>
+                          <m:ctrlPr>
+                            <a:rPr lang="ru-RU" i="1">
+                              <a:effectLst/>
+                              <a:latin typeface="Cambria Math" panose="02040503050406030204" pitchFamily="18" charset="0"/>
+                            </a:rPr>
+                          </m:ctrlPr>
+                        </m:dPr>
+                        <m:e>
+                          <m:sSub>
+                            <m:sSubPr>
+                              <m:ctrlPr>
+                                <a:rPr lang="ru-RU" i="1">
+                                  <a:effectLst/>
+                                  <a:latin typeface="Cambria Math" panose="02040503050406030204" pitchFamily="18" charset="0"/>
+                                </a:rPr>
+                              </m:ctrlPr>
+                            </m:sSubPr>
+                            <m:e>
+                              <m:r>
+                                <a:rPr lang="en-US" sz="1800" i="1">
+                                  <a:effectLst/>
+                                  <a:latin typeface="Cambria Math" panose="02040503050406030204" pitchFamily="18" charset="0"/>
+                                  <a:ea typeface="Times New Roman" panose="02020603050405020304" pitchFamily="18" charset="0"/>
+                                  <a:cs typeface="Times New Roman" panose="02020603050405020304" pitchFamily="18" charset="0"/>
+                                </a:rPr>
+                                <m:t>𝑦</m:t>
+                              </m:r>
+                            </m:e>
+                            <m:sub>
+                              <m:r>
+                                <a:rPr lang="en-US" sz="1800">
+                                  <a:effectLst/>
+                                  <a:latin typeface="Cambria Math" panose="02040503050406030204" pitchFamily="18" charset="0"/>
+                                  <a:ea typeface="Times New Roman" panose="02020603050405020304" pitchFamily="18" charset="0"/>
+                                  <a:cs typeface="Times New Roman" panose="02020603050405020304" pitchFamily="18" charset="0"/>
+                                </a:rPr>
+                                <m:t>1</m:t>
+                              </m:r>
+                            </m:sub>
+                          </m:sSub>
+                          <m:r>
+                            <a:rPr lang="en-US" sz="1800">
+                              <a:effectLst/>
+                              <a:latin typeface="Cambria Math" panose="02040503050406030204" pitchFamily="18" charset="0"/>
+                              <a:ea typeface="Times New Roman" panose="02020603050405020304" pitchFamily="18" charset="0"/>
+                              <a:cs typeface="Times New Roman" panose="02020603050405020304" pitchFamily="18" charset="0"/>
+                            </a:rPr>
+                            <m:t>, </m:t>
+                          </m:r>
+                          <m:sSub>
+                            <m:sSubPr>
+                              <m:ctrlPr>
+                                <a:rPr lang="ru-RU" i="1">
+                                  <a:effectLst/>
+                                  <a:latin typeface="Cambria Math" panose="02040503050406030204" pitchFamily="18" charset="0"/>
+                                </a:rPr>
+                              </m:ctrlPr>
+                            </m:sSubPr>
+                            <m:e>
+                              <m:r>
+                                <a:rPr lang="en-US" sz="1800" i="1">
+                                  <a:effectLst/>
+                                  <a:latin typeface="Cambria Math" panose="02040503050406030204" pitchFamily="18" charset="0"/>
+                                  <a:ea typeface="Times New Roman" panose="02020603050405020304" pitchFamily="18" charset="0"/>
+                                  <a:cs typeface="Times New Roman" panose="02020603050405020304" pitchFamily="18" charset="0"/>
+                                </a:rPr>
+                                <m:t>𝑦</m:t>
+                              </m:r>
+                            </m:e>
+                            <m:sub>
+                              <m:r>
+                                <a:rPr lang="en-US" sz="1800">
+                                  <a:effectLst/>
+                                  <a:latin typeface="Cambria Math" panose="02040503050406030204" pitchFamily="18" charset="0"/>
+                                  <a:ea typeface="Times New Roman" panose="02020603050405020304" pitchFamily="18" charset="0"/>
+                                  <a:cs typeface="Times New Roman" panose="02020603050405020304" pitchFamily="18" charset="0"/>
+                                </a:rPr>
+                                <m:t>2</m:t>
+                              </m:r>
+                            </m:sub>
+                          </m:sSub>
+                        </m:e>
+                      </m:d>
+                      <m:r>
+                        <a:rPr lang="en-US" sz="1800">
+                          <a:effectLst/>
+                          <a:latin typeface="Cambria Math" panose="02040503050406030204" pitchFamily="18" charset="0"/>
+                          <a:ea typeface="Times New Roman" panose="02020603050405020304" pitchFamily="18" charset="0"/>
+                          <a:cs typeface="Times New Roman" panose="02020603050405020304" pitchFamily="18" charset="0"/>
+                        </a:rPr>
+                        <m:t>=</m:t>
+                      </m:r>
+                      <m:func>
+                        <m:funcPr>
+                          <m:ctrlPr>
+                            <a:rPr lang="ru-RU" i="1">
+                              <a:effectLst/>
+                              <a:latin typeface="Cambria Math" panose="02040503050406030204" pitchFamily="18" charset="0"/>
+                            </a:rPr>
+                          </m:ctrlPr>
+                        </m:funcPr>
+                        <m:fName>
+                          <m:r>
+                            <m:rPr>
+                              <m:sty m:val="p"/>
+                            </m:rPr>
+                            <a:rPr lang="en-US" sz="1800">
+                              <a:effectLst/>
+                              <a:latin typeface="Cambria Math" panose="02040503050406030204" pitchFamily="18" charset="0"/>
+                              <a:ea typeface="Times New Roman" panose="02020603050405020304" pitchFamily="18" charset="0"/>
+                              <a:cs typeface="Times New Roman" panose="02020603050405020304" pitchFamily="18" charset="0"/>
+                            </a:rPr>
+                            <m:t>cos</m:t>
+                          </m:r>
+                        </m:fName>
+                        <m:e>
+                          <m:d>
+                            <m:dPr>
+                              <m:ctrlPr>
+                                <a:rPr lang="ru-RU" i="1">
+                                  <a:effectLst/>
+                                  <a:latin typeface="Cambria Math" panose="02040503050406030204" pitchFamily="18" charset="0"/>
+                                </a:rPr>
+                              </m:ctrlPr>
+                            </m:dPr>
+                            <m:e>
+                              <m:r>
+                                <a:rPr lang="en-US" sz="1800" i="1">
+                                  <a:effectLst/>
+                                  <a:latin typeface="Cambria Math" panose="02040503050406030204" pitchFamily="18" charset="0"/>
+                                  <a:ea typeface="Times New Roman" panose="02020603050405020304" pitchFamily="18" charset="0"/>
+                                  <a:cs typeface="Times New Roman" panose="02020603050405020304" pitchFamily="18" charset="0"/>
+                                </a:rPr>
+                                <m:t>𝜋</m:t>
+                              </m:r>
+                              <m:r>
+                                <a:rPr lang="en-US" sz="1800" i="1">
+                                  <a:effectLst/>
+                                  <a:latin typeface="Cambria Math" panose="02040503050406030204" pitchFamily="18" charset="0"/>
+                                  <a:ea typeface="Times New Roman" panose="02020603050405020304" pitchFamily="18" charset="0"/>
+                                  <a:cs typeface="Times New Roman" panose="02020603050405020304" pitchFamily="18" charset="0"/>
+                                </a:rPr>
+                                <m:t>𝑖</m:t>
+                              </m:r>
+                              <m:sSub>
+                                <m:sSubPr>
+                                  <m:ctrlPr>
+                                    <a:rPr lang="ru-RU" i="1">
+                                      <a:effectLst/>
+                                      <a:latin typeface="Cambria Math" panose="02040503050406030204" pitchFamily="18" charset="0"/>
+                                    </a:rPr>
+                                  </m:ctrlPr>
+                                </m:sSubPr>
+                                <m:e>
+                                  <m:r>
+                                    <a:rPr lang="en-US" sz="1800" i="1">
+                                      <a:effectLst/>
+                                      <a:latin typeface="Cambria Math" panose="02040503050406030204" pitchFamily="18" charset="0"/>
+                                      <a:ea typeface="Times New Roman" panose="02020603050405020304" pitchFamily="18" charset="0"/>
+                                      <a:cs typeface="Times New Roman" panose="02020603050405020304" pitchFamily="18" charset="0"/>
+                                    </a:rPr>
+                                    <m:t>𝑦</m:t>
+                                  </m:r>
+                                </m:e>
+                                <m:sub>
+                                  <m:r>
+                                    <a:rPr lang="en-US" sz="1800">
+                                      <a:effectLst/>
+                                      <a:latin typeface="Cambria Math" panose="02040503050406030204" pitchFamily="18" charset="0"/>
+                                      <a:ea typeface="Times New Roman" panose="02020603050405020304" pitchFamily="18" charset="0"/>
+                                      <a:cs typeface="Times New Roman" panose="02020603050405020304" pitchFamily="18" charset="0"/>
+                                    </a:rPr>
+                                    <m:t>1</m:t>
+                                  </m:r>
+                                </m:sub>
+                              </m:sSub>
+                            </m:e>
+                          </m:d>
+                        </m:e>
+                      </m:func>
+                      <m:func>
+                        <m:funcPr>
+                          <m:ctrlPr>
+                            <a:rPr lang="ru-RU" i="1">
+                              <a:effectLst/>
+                              <a:latin typeface="Cambria Math" panose="02040503050406030204" pitchFamily="18" charset="0"/>
+                            </a:rPr>
+                          </m:ctrlPr>
+                        </m:funcPr>
+                        <m:fName>
+                          <m:r>
+                            <m:rPr>
+                              <m:sty m:val="p"/>
+                            </m:rPr>
+                            <a:rPr lang="en-US" sz="1800">
+                              <a:effectLst/>
+                              <a:latin typeface="Cambria Math" panose="02040503050406030204" pitchFamily="18" charset="0"/>
+                              <a:ea typeface="Times New Roman" panose="02020603050405020304" pitchFamily="18" charset="0"/>
+                              <a:cs typeface="Times New Roman" panose="02020603050405020304" pitchFamily="18" charset="0"/>
+                            </a:rPr>
+                            <m:t>cos</m:t>
+                          </m:r>
+                        </m:fName>
+                        <m:e>
+                          <m:d>
+                            <m:dPr>
+                              <m:ctrlPr>
+                                <a:rPr lang="ru-RU" i="1">
+                                  <a:effectLst/>
+                                  <a:latin typeface="Cambria Math" panose="02040503050406030204" pitchFamily="18" charset="0"/>
+                                </a:rPr>
+                              </m:ctrlPr>
+                            </m:dPr>
+                            <m:e>
+                              <m:r>
+                                <a:rPr lang="en-US" sz="1800" i="1">
+                                  <a:effectLst/>
+                                  <a:latin typeface="Cambria Math" panose="02040503050406030204" pitchFamily="18" charset="0"/>
+                                  <a:ea typeface="Times New Roman" panose="02020603050405020304" pitchFamily="18" charset="0"/>
+                                  <a:cs typeface="Times New Roman" panose="02020603050405020304" pitchFamily="18" charset="0"/>
+                                </a:rPr>
+                                <m:t>𝜋</m:t>
+                              </m:r>
+                              <m:r>
+                                <a:rPr lang="en-US" sz="1800" i="1">
+                                  <a:effectLst/>
+                                  <a:latin typeface="Cambria Math" panose="02040503050406030204" pitchFamily="18" charset="0"/>
+                                  <a:ea typeface="Times New Roman" panose="02020603050405020304" pitchFamily="18" charset="0"/>
+                                  <a:cs typeface="Times New Roman" panose="02020603050405020304" pitchFamily="18" charset="0"/>
+                                </a:rPr>
+                                <m:t>𝑗</m:t>
+                              </m:r>
+                              <m:sSub>
+                                <m:sSubPr>
+                                  <m:ctrlPr>
+                                    <a:rPr lang="ru-RU" i="1">
+                                      <a:effectLst/>
+                                      <a:latin typeface="Cambria Math" panose="02040503050406030204" pitchFamily="18" charset="0"/>
+                                    </a:rPr>
+                                  </m:ctrlPr>
+                                </m:sSubPr>
+                                <m:e>
+                                  <m:r>
+                                    <a:rPr lang="en-US" sz="1800" i="1">
+                                      <a:effectLst/>
+                                      <a:latin typeface="Cambria Math" panose="02040503050406030204" pitchFamily="18" charset="0"/>
+                                      <a:ea typeface="Times New Roman" panose="02020603050405020304" pitchFamily="18" charset="0"/>
+                                      <a:cs typeface="Times New Roman" panose="02020603050405020304" pitchFamily="18" charset="0"/>
+                                    </a:rPr>
+                                    <m:t>𝑦</m:t>
+                                  </m:r>
+                                </m:e>
+                                <m:sub>
+                                  <m:r>
+                                    <a:rPr lang="en-US" sz="1800">
+                                      <a:effectLst/>
+                                      <a:latin typeface="Cambria Math" panose="02040503050406030204" pitchFamily="18" charset="0"/>
+                                      <a:ea typeface="Times New Roman" panose="02020603050405020304" pitchFamily="18" charset="0"/>
+                                      <a:cs typeface="Times New Roman" panose="02020603050405020304" pitchFamily="18" charset="0"/>
+                                    </a:rPr>
+                                    <m:t>2</m:t>
+                                  </m:r>
+                                </m:sub>
+                              </m:sSub>
+                            </m:e>
+                          </m:d>
+                        </m:e>
+                      </m:func>
+                    </m:oMath>
+                  </m:oMathPara>
+                </a14:m>
+                <a:endParaRPr lang="en-US" dirty="0"/>
               </a:p>
             </p:txBody>
           </p:sp>
         </mc:Choice>
-        <mc:Fallback xmlns="">
+        <mc:Fallback>
           <p:sp>
             <p:nvSpPr>
               <p:cNvPr id="3" name="Содержимое 2"/>
@@ -13080,10 +16962,14 @@
               </p:nvPr>
             </p:nvSpPr>
             <p:spPr>
+              <a:xfrm>
+                <a:off x="238092" y="1071546"/>
+                <a:ext cx="7025421" cy="5214974"/>
+              </a:xfrm>
               <a:blipFill>
                 <a:blip r:embed="rId2"/>
                 <a:stretch>
-                  <a:fillRect l="-449" t="-936"/>
+                  <a:fillRect l="-607" t="-936"/>
                 </a:stretch>
               </a:blipFill>
             </p:spPr>
@@ -13102,126 +16988,6 @@
           </p:sp>
         </mc:Fallback>
       </mc:AlternateContent>
-      <p:pic>
-        <p:nvPicPr>
-          <p:cNvPr id="7" name="Picture 1">
-            <a:extLst>
-              <a:ext uri="{FF2B5EF4-FFF2-40B4-BE49-F238E27FC236}">
-                <a16:creationId xmlns:a16="http://schemas.microsoft.com/office/drawing/2014/main" id="{AD1164D0-6226-4B67-8199-BF680C7F2AA2}"/>
-              </a:ext>
-            </a:extLst>
-          </p:cNvPr>
-          <p:cNvPicPr>
-            <a:picLocks noChangeAspect="1" noChangeArrowheads="1"/>
-          </p:cNvPicPr>
-          <p:nvPr/>
-        </p:nvPicPr>
-        <p:blipFill>
-          <a:blip r:embed="rId3">
-            <a:extLst>
-              <a:ext uri="{28A0092B-C50C-407E-A947-70E740481C1C}">
-                <a14:useLocalDpi xmlns:a14="http://schemas.microsoft.com/office/drawing/2010/main" val="0"/>
-              </a:ext>
-            </a:extLst>
-          </a:blip>
-          <a:srcRect/>
-          <a:stretch>
-            <a:fillRect/>
-          </a:stretch>
-        </p:blipFill>
-        <p:spPr bwMode="auto">
-          <a:xfrm>
-            <a:off x="958683" y="2682085"/>
-            <a:ext cx="3471497" cy="3483219"/>
-          </a:xfrm>
-          <a:prstGeom prst="rect">
-            <a:avLst/>
-          </a:prstGeom>
-          <a:noFill/>
-          <a:ln>
-            <a:noFill/>
-          </a:ln>
-          <a:extLst>
-            <a:ext uri="{909E8E84-426E-40DD-AFC4-6F175D3DCCD1}">
-              <a14:hiddenFill xmlns:a14="http://schemas.microsoft.com/office/drawing/2010/main">
-                <a:solidFill>
-                  <a:srgbClr val="FFFFFF"/>
-                </a:solidFill>
-              </a14:hiddenFill>
-            </a:ext>
-            <a:ext uri="{91240B29-F687-4F45-9708-019B960494DF}">
-              <a14:hiddenLine xmlns:a14="http://schemas.microsoft.com/office/drawing/2010/main" w="9525">
-                <a:solidFill>
-                  <a:srgbClr val="000000"/>
-                </a:solidFill>
-                <a:miter lim="800000"/>
-                <a:headEnd/>
-                <a:tailEnd/>
-              </a14:hiddenLine>
-            </a:ext>
-          </a:extLst>
-        </p:spPr>
-      </p:pic>
-      <p:pic>
-        <p:nvPicPr>
-          <p:cNvPr id="9" name="Picture 2">
-            <a:extLst>
-              <a:ext uri="{FF2B5EF4-FFF2-40B4-BE49-F238E27FC236}">
-                <a16:creationId xmlns:a16="http://schemas.microsoft.com/office/drawing/2014/main" id="{EEAD68DF-676B-46B3-B973-D77E66AC4CB2}"/>
-              </a:ext>
-            </a:extLst>
-          </p:cNvPr>
-          <p:cNvPicPr>
-            <a:picLocks noChangeAspect="1" noChangeArrowheads="1"/>
-          </p:cNvPicPr>
-          <p:nvPr/>
-        </p:nvPicPr>
-        <p:blipFill>
-          <a:blip r:embed="rId4">
-            <a:extLst>
-              <a:ext uri="{28A0092B-C50C-407E-A947-70E740481C1C}">
-                <a14:useLocalDpi xmlns:a14="http://schemas.microsoft.com/office/drawing/2010/main" val="0"/>
-              </a:ext>
-            </a:extLst>
-          </a:blip>
-          <a:srcRect/>
-          <a:stretch>
-            <a:fillRect/>
-          </a:stretch>
-        </p:blipFill>
-        <p:spPr bwMode="auto">
-          <a:xfrm>
-            <a:off x="4695414" y="2685015"/>
-            <a:ext cx="4506058" cy="3423138"/>
-          </a:xfrm>
-          <a:prstGeom prst="rect">
-            <a:avLst/>
-          </a:prstGeom>
-          <a:noFill/>
-          <a:ln>
-            <a:noFill/>
-          </a:ln>
-          <a:extLst>
-            <a:ext uri="{909E8E84-426E-40DD-AFC4-6F175D3DCCD1}">
-              <a14:hiddenFill xmlns:a14="http://schemas.microsoft.com/office/drawing/2010/main">
-                <a:solidFill>
-                  <a:srgbClr val="FFFFFF"/>
-                </a:solidFill>
-              </a14:hiddenFill>
-            </a:ext>
-            <a:ext uri="{91240B29-F687-4F45-9708-019B960494DF}">
-              <a14:hiddenLine xmlns:a14="http://schemas.microsoft.com/office/drawing/2010/main" w="9525">
-                <a:solidFill>
-                  <a:srgbClr val="000000"/>
-                </a:solidFill>
-                <a:miter lim="800000"/>
-                <a:headEnd/>
-                <a:tailEnd/>
-              </a14:hiddenLine>
-            </a:ext>
-          </a:extLst>
-        </p:spPr>
-      </p:pic>
       <p:sp>
         <p:nvSpPr>
           <p:cNvPr id="11" name="Нижний колонтитул 10">
@@ -13315,7 +17081,7 @@
               <a:pPr>
                 <a:defRPr/>
               </a:pPr>
-              <a:t>20</a:t>
+              <a:t>21</a:t>
             </a:fld>
             <a:r>
               <a:rPr lang="en-US"/>
@@ -13329,165 +17095,12 @@
           </a:p>
         </p:txBody>
       </p:sp>
-    </p:spTree>
-  </p:cSld>
-  <p:clrMapOvr>
-    <a:masterClrMapping/>
-  </p:clrMapOvr>
-</p:sld>
-</file>
-
-<file path=ppt/slides/slide21.xml><?xml version="1.0" encoding="utf-8"?>
-<p:sld xmlns:a="http://schemas.openxmlformats.org/drawingml/2006/main" xmlns:r="http://schemas.openxmlformats.org/officeDocument/2006/relationships" xmlns:p="http://schemas.openxmlformats.org/presentationml/2006/main">
-  <p:cSld>
-    <p:spTree>
-      <p:nvGrpSpPr>
-        <p:cNvPr id="1" name=""/>
-        <p:cNvGrpSpPr/>
-        <p:nvPr/>
-      </p:nvGrpSpPr>
-      <p:grpSpPr>
-        <a:xfrm>
-          <a:off x="0" y="0"/>
-          <a:ext cx="0" cy="0"/>
-          <a:chOff x="0" y="0"/>
-          <a:chExt cx="0" cy="0"/>
-        </a:xfrm>
-      </p:grpSpPr>
-      <p:sp>
-        <p:nvSpPr>
-          <p:cNvPr id="2" name="Заголовок 1"/>
-          <p:cNvSpPr>
-            <a:spLocks noGrp="1"/>
-          </p:cNvSpPr>
-          <p:nvPr>
-            <p:ph type="title"/>
-          </p:nvPr>
-        </p:nvSpPr>
-        <p:spPr/>
-        <p:txBody>
-          <a:bodyPr/>
-          <a:lstStyle/>
-          <a:p>
-            <a:r>
-              <a:rPr lang="en-US" dirty="0"/>
-              <a:t>Results of numerical experiments…</a:t>
-            </a:r>
-          </a:p>
-        </p:txBody>
-      </p:sp>
-      <mc:AlternateContent xmlns:mc="http://schemas.openxmlformats.org/markup-compatibility/2006" xmlns:a14="http://schemas.microsoft.com/office/drawing/2010/main">
-        <mc:Choice Requires="a14">
-          <p:sp>
-            <p:nvSpPr>
-              <p:cNvPr id="3" name="Содержимое 2"/>
-              <p:cNvSpPr>
-                <a:spLocks noGrp="1"/>
-              </p:cNvSpPr>
-              <p:nvPr>
-                <p:ph idx="1"/>
-              </p:nvPr>
-            </p:nvSpPr>
-            <p:spPr/>
-            <p:txBody>
-              <a:bodyPr/>
-              <a:lstStyle/>
-              <a:p>
-                <a:r>
-                  <a:rPr lang="en-US" dirty="0"/>
-                  <a:t>In the second series of numerical experiments, we solved bi-criteria </a:t>
-                </a:r>
-                <a:br>
-                  <a:rPr lang="en-US" dirty="0"/>
-                </a:br>
-                <a:r>
-                  <a:rPr lang="en-US" dirty="0"/>
-                  <a:t>two-dimensional MOO problems, i.e. </a:t>
-                </a:r>
-                <a14:m>
-                  <m:oMath xmlns:m="http://schemas.openxmlformats.org/officeDocument/2006/math">
-                    <m:r>
-                      <a:rPr lang="en-US" i="1" dirty="0" smtClean="0">
-                        <a:latin typeface="Cambria Math" panose="02040503050406030204" pitchFamily="18" charset="0"/>
-                      </a:rPr>
-                      <m:t>𝑁</m:t>
-                    </m:r>
-                    <m:r>
-                      <a:rPr lang="en-US" i="1" dirty="0" smtClean="0">
-                        <a:latin typeface="Cambria Math" panose="02040503050406030204" pitchFamily="18" charset="0"/>
-                      </a:rPr>
-                      <m:t> = 2</m:t>
-                    </m:r>
-                  </m:oMath>
-                </a14:m>
-                <a:r>
-                  <a:rPr lang="en-US" dirty="0"/>
-                  <a:t>, </a:t>
-                </a:r>
-                <a14:m>
-                  <m:oMath xmlns:m="http://schemas.openxmlformats.org/officeDocument/2006/math">
-                    <m:r>
-                      <a:rPr lang="en-US" i="1" dirty="0" smtClean="0">
-                        <a:latin typeface="Cambria Math" panose="02040503050406030204" pitchFamily="18" charset="0"/>
-                      </a:rPr>
-                      <m:t>𝑠</m:t>
-                    </m:r>
-                    <m:r>
-                      <a:rPr lang="en-US" i="1" dirty="0" smtClean="0">
-                        <a:latin typeface="Cambria Math" panose="02040503050406030204" pitchFamily="18" charset="0"/>
-                      </a:rPr>
-                      <m:t> = 2</m:t>
-                    </m:r>
-                  </m:oMath>
-                </a14:m>
-                <a:r>
-                  <a:rPr lang="en-US" dirty="0"/>
-                  <a:t>.</a:t>
-                </a:r>
-              </a:p>
-            </p:txBody>
-          </p:sp>
-        </mc:Choice>
-        <mc:Fallback xmlns="">
-          <p:sp>
-            <p:nvSpPr>
-              <p:cNvPr id="3" name="Содержимое 2"/>
-              <p:cNvSpPr>
-                <a:spLocks noGrp="1" noRot="1" noChangeAspect="1" noMove="1" noResize="1" noEditPoints="1" noAdjustHandles="1" noChangeArrowheads="1" noChangeShapeType="1" noTextEdit="1"/>
-              </p:cNvSpPr>
-              <p:nvPr>
-                <p:ph idx="1"/>
-              </p:nvPr>
-            </p:nvSpPr>
-            <p:spPr>
-              <a:blipFill>
-                <a:blip r:embed="rId2"/>
-                <a:stretch>
-                  <a:fillRect l="-449" t="-936"/>
-                </a:stretch>
-              </a:blipFill>
-            </p:spPr>
-            <p:txBody>
-              <a:bodyPr/>
-              <a:lstStyle/>
-              <a:p>
-                <a:r>
-                  <a:rPr lang="ru-RU">
-                    <a:noFill/>
-                  </a:rPr>
-                  <a:t> </a:t>
-                </a:r>
-              </a:p>
-            </p:txBody>
-          </p:sp>
-        </mc:Fallback>
-      </mc:AlternateContent>
       <p:pic>
         <p:nvPicPr>
-          <p:cNvPr id="10" name="Рисунок 9">
+          <p:cNvPr id="13" name="Picture 5">
             <a:extLst>
               <a:ext uri="{FF2B5EF4-FFF2-40B4-BE49-F238E27FC236}">
-                <a16:creationId xmlns:a16="http://schemas.microsoft.com/office/drawing/2014/main" id="{C525251B-0C5A-4AC0-B25B-F67F35C8DAC5}"/>
+                <a16:creationId xmlns:a16="http://schemas.microsoft.com/office/drawing/2014/main" id="{30C217C3-EDAF-885F-1049-18F50C2148DC}"/>
               </a:ext>
             </a:extLst>
           </p:cNvPr>
@@ -13497,140 +17110,44 @@
           <p:nvPr/>
         </p:nvPicPr>
         <p:blipFill>
-          <a:blip r:embed="rId3">
+          <a:blip r:embed="rId3" cstate="print">
             <a:extLst>
               <a:ext uri="{28A0092B-C50C-407E-A947-70E740481C1C}">
                 <a14:useLocalDpi xmlns:a14="http://schemas.microsoft.com/office/drawing/2010/main" val="0"/>
               </a:ext>
             </a:extLst>
           </a:blip>
+          <a:srcRect/>
           <a:stretch>
             <a:fillRect/>
           </a:stretch>
         </p:blipFill>
-        <p:spPr>
+        <p:spPr bwMode="auto">
           <a:xfrm>
-            <a:off x="2397000" y="3318892"/>
-            <a:ext cx="5112000" cy="2936008"/>
+            <a:off x="7113241" y="882635"/>
+            <a:ext cx="2541260" cy="2775065"/>
           </a:xfrm>
           <a:prstGeom prst="rect">
             <a:avLst/>
           </a:prstGeom>
+          <a:noFill/>
+          <a:extLst>
+            <a:ext uri="{909E8E84-426E-40DD-AFC4-6F175D3DCCD1}">
+              <a14:hiddenFill xmlns:a14="http://schemas.microsoft.com/office/drawing/2010/main">
+                <a:solidFill>
+                  <a:srgbClr val="FFFFFF"/>
+                </a:solidFill>
+              </a14:hiddenFill>
+            </a:ext>
+          </a:extLst>
         </p:spPr>
       </p:pic>
-      <p:sp>
-        <p:nvSpPr>
-          <p:cNvPr id="9" name="Нижний колонтитул 8">
+      <p:pic>
+        <p:nvPicPr>
+          <p:cNvPr id="14" name="Picture 6">
             <a:extLst>
               <a:ext uri="{FF2B5EF4-FFF2-40B4-BE49-F238E27FC236}">
-                <a16:creationId xmlns:a16="http://schemas.microsoft.com/office/drawing/2014/main" id="{77C5E763-DDEC-4562-83C9-D1672ECADEAB}"/>
-              </a:ext>
-            </a:extLst>
-          </p:cNvPr>
-          <p:cNvSpPr>
-            <a:spLocks noGrp="1"/>
-          </p:cNvSpPr>
-          <p:nvPr>
-            <p:ph type="ftr" sz="quarter" idx="3"/>
-          </p:nvPr>
-        </p:nvSpPr>
-        <p:spPr/>
-        <p:txBody>
-          <a:bodyPr/>
-          <a:lstStyle/>
-          <a:p>
-            <a:pPr algn="ctr">
-              <a:defRPr/>
-            </a:pPr>
-            <a:r>
-              <a:rPr lang="en-US"/>
-              <a:t>ML-based approach for accelerating global search algorithm for solving multicriteria problems</a:t>
-            </a:r>
-            <a:endParaRPr lang="en-US" dirty="0"/>
-          </a:p>
-        </p:txBody>
-      </p:sp>
-      <p:sp>
-        <p:nvSpPr>
-          <p:cNvPr id="12" name="Дата 11">
-            <a:extLst>
-              <a:ext uri="{FF2B5EF4-FFF2-40B4-BE49-F238E27FC236}">
-                <a16:creationId xmlns:a16="http://schemas.microsoft.com/office/drawing/2014/main" id="{9017F876-75D9-4D4F-BC8E-8F3C7E7B420D}"/>
-              </a:ext>
-            </a:extLst>
-          </p:cNvPr>
-          <p:cNvSpPr>
-            <a:spLocks noGrp="1"/>
-          </p:cNvSpPr>
-          <p:nvPr>
-            <p:ph type="dt" sz="half" idx="2"/>
-          </p:nvPr>
-        </p:nvSpPr>
-        <p:spPr/>
-        <p:txBody>
-          <a:bodyPr/>
-          <a:lstStyle/>
-          <a:p>
-            <a:pPr>
-              <a:defRPr/>
-            </a:pPr>
-            <a:r>
-              <a:rPr lang="ru-RU"/>
-              <a:t>LION16</a:t>
-            </a:r>
-            <a:endParaRPr lang="ru-RU" dirty="0"/>
-          </a:p>
-        </p:txBody>
-      </p:sp>
-      <p:sp>
-        <p:nvSpPr>
-          <p:cNvPr id="4" name="Номер слайда 3">
-            <a:extLst>
-              <a:ext uri="{FF2B5EF4-FFF2-40B4-BE49-F238E27FC236}">
-                <a16:creationId xmlns:a16="http://schemas.microsoft.com/office/drawing/2014/main" id="{71C81002-9B9C-4A5C-A9D9-56248BBB5C0E}"/>
-              </a:ext>
-            </a:extLst>
-          </p:cNvPr>
-          <p:cNvSpPr>
-            <a:spLocks noGrp="1"/>
-          </p:cNvSpPr>
-          <p:nvPr>
-            <p:ph type="sldNum" sz="quarter" idx="4"/>
-          </p:nvPr>
-        </p:nvSpPr>
-        <p:spPr/>
-        <p:txBody>
-          <a:bodyPr/>
-          <a:lstStyle/>
-          <a:p>
-            <a:pPr>
-              <a:defRPr/>
-            </a:pPr>
-            <a:fld id="{4F2367BF-7A57-4F5A-B357-719264272D2E}" type="slidenum">
-              <a:rPr lang="ru-RU" smtClean="0"/>
-              <a:pPr>
-                <a:defRPr/>
-              </a:pPr>
-              <a:t>21</a:t>
-            </a:fld>
-            <a:r>
-              <a:rPr lang="en-US"/>
-              <a:t>/1</a:t>
-            </a:r>
-            <a:r>
-              <a:rPr lang="ru-RU"/>
-              <a:t>9</a:t>
-            </a:r>
-            <a:endParaRPr lang="ru-RU" dirty="0"/>
-          </a:p>
-        </p:txBody>
-      </p:sp>
-      <p:pic>
-        <p:nvPicPr>
-          <p:cNvPr id="15" name="Рисунок 14">
-            <a:extLst>
-              <a:ext uri="{FF2B5EF4-FFF2-40B4-BE49-F238E27FC236}">
-                <a16:creationId xmlns:a16="http://schemas.microsoft.com/office/drawing/2014/main" id="{575A4F33-95BB-4D47-9713-D3B4439EAB6A}"/>
+                <a16:creationId xmlns:a16="http://schemas.microsoft.com/office/drawing/2014/main" id="{159C1C84-1800-7224-F824-F25E2A2627CA}"/>
               </a:ext>
             </a:extLst>
           </p:cNvPr>
@@ -13640,19 +17157,36 @@
           <p:nvPr/>
         </p:nvPicPr>
         <p:blipFill>
-          <a:blip r:embed="rId4"/>
+          <a:blip r:embed="rId4" cstate="print">
+            <a:extLst>
+              <a:ext uri="{28A0092B-C50C-407E-A947-70E740481C1C}">
+                <a14:useLocalDpi xmlns:a14="http://schemas.microsoft.com/office/drawing/2010/main" val="0"/>
+              </a:ext>
+            </a:extLst>
+          </a:blip>
+          <a:srcRect/>
           <a:stretch>
             <a:fillRect/>
           </a:stretch>
         </p:blipFill>
-        <p:spPr>
+        <p:spPr bwMode="auto">
           <a:xfrm>
-            <a:off x="2106028" y="1844477"/>
-            <a:ext cx="5693944" cy="1440000"/>
+            <a:off x="7111959" y="3462245"/>
+            <a:ext cx="2555950" cy="2775067"/>
           </a:xfrm>
           <a:prstGeom prst="rect">
             <a:avLst/>
           </a:prstGeom>
+          <a:noFill/>
+          <a:extLst>
+            <a:ext uri="{909E8E84-426E-40DD-AFC4-6F175D3DCCD1}">
+              <a14:hiddenFill xmlns:a14="http://schemas.microsoft.com/office/drawing/2010/main">
+                <a:solidFill>
+                  <a:srgbClr val="FFFFFF"/>
+                </a:solidFill>
+              </a14:hiddenFill>
+            </a:ext>
+          </a:extLst>
         </p:spPr>
       </p:pic>
     </p:spTree>
@@ -13664,324 +17198,6 @@
 </file>
 
 <file path=ppt/slides/slide22.xml><?xml version="1.0" encoding="utf-8"?>
-<p:sld xmlns:a="http://schemas.openxmlformats.org/drawingml/2006/main" xmlns:r="http://schemas.openxmlformats.org/officeDocument/2006/relationships" xmlns:p="http://schemas.openxmlformats.org/presentationml/2006/main">
-  <p:cSld>
-    <p:spTree>
-      <p:nvGrpSpPr>
-        <p:cNvPr id="1" name=""/>
-        <p:cNvGrpSpPr/>
-        <p:nvPr/>
-      </p:nvGrpSpPr>
-      <p:grpSpPr>
-        <a:xfrm>
-          <a:off x="0" y="0"/>
-          <a:ext cx="0" cy="0"/>
-          <a:chOff x="0" y="0"/>
-          <a:chExt cx="0" cy="0"/>
-        </a:xfrm>
-      </p:grpSpPr>
-      <p:sp>
-        <p:nvSpPr>
-          <p:cNvPr id="2" name="Заголовок 1"/>
-          <p:cNvSpPr>
-            <a:spLocks noGrp="1"/>
-          </p:cNvSpPr>
-          <p:nvPr>
-            <p:ph type="title"/>
-          </p:nvPr>
-        </p:nvSpPr>
-        <p:spPr/>
-        <p:txBody>
-          <a:bodyPr/>
-          <a:lstStyle/>
-          <a:p>
-            <a:r>
-              <a:rPr lang="en-US" dirty="0"/>
-              <a:t>Results of numerical experiments…</a:t>
-            </a:r>
-          </a:p>
-        </p:txBody>
-      </p:sp>
-      <mc:AlternateContent xmlns:mc="http://schemas.openxmlformats.org/markup-compatibility/2006" xmlns:a14="http://schemas.microsoft.com/office/drawing/2010/main">
-        <mc:Choice Requires="a14">
-          <p:sp>
-            <p:nvSpPr>
-              <p:cNvPr id="3" name="Содержимое 2"/>
-              <p:cNvSpPr>
-                <a:spLocks noGrp="1"/>
-              </p:cNvSpPr>
-              <p:nvPr>
-                <p:ph idx="1"/>
-              </p:nvPr>
-            </p:nvSpPr>
-            <p:spPr/>
-            <p:txBody>
-              <a:bodyPr/>
-              <a:lstStyle/>
-              <a:p>
-                <a:r>
-                  <a:rPr lang="en-US" dirty="0"/>
-                  <a:t>In the third series of numerical experiments, we solved bi-criteria </a:t>
-                </a:r>
-                <a:br>
-                  <a:rPr lang="en-US" dirty="0"/>
-                </a:br>
-                <a:r>
-                  <a:rPr lang="en-US" dirty="0"/>
-                  <a:t>five-dimensional MOO problems, i.e. </a:t>
-                </a:r>
-                <a14:m>
-                  <m:oMath xmlns:m="http://schemas.openxmlformats.org/officeDocument/2006/math">
-                    <m:r>
-                      <a:rPr lang="en-US" b="0" i="1" smtClean="0">
-                        <a:latin typeface="Cambria Math" panose="02040503050406030204" pitchFamily="18" charset="0"/>
-                      </a:rPr>
-                      <m:t>𝑁</m:t>
-                    </m:r>
-                    <m:r>
-                      <a:rPr lang="en-US" b="0" i="1" smtClean="0">
-                        <a:latin typeface="Cambria Math" panose="02040503050406030204" pitchFamily="18" charset="0"/>
-                      </a:rPr>
-                      <m:t>=5, </m:t>
-                    </m:r>
-                    <m:r>
-                      <a:rPr lang="en-US" b="0" i="1" smtClean="0">
-                        <a:latin typeface="Cambria Math" panose="02040503050406030204" pitchFamily="18" charset="0"/>
-                      </a:rPr>
-                      <m:t>𝑠</m:t>
-                    </m:r>
-                    <m:r>
-                      <a:rPr lang="en-US" b="0" i="1" smtClean="0">
-                        <a:latin typeface="Cambria Math" panose="02040503050406030204" pitchFamily="18" charset="0"/>
-                      </a:rPr>
-                      <m:t>=2</m:t>
-                    </m:r>
-                  </m:oMath>
-                </a14:m>
-                <a:r>
-                  <a:rPr lang="en-US" dirty="0"/>
-                  <a:t>.</a:t>
-                </a:r>
-              </a:p>
-            </p:txBody>
-          </p:sp>
-        </mc:Choice>
-        <mc:Fallback xmlns="">
-          <p:sp>
-            <p:nvSpPr>
-              <p:cNvPr id="3" name="Содержимое 2"/>
-              <p:cNvSpPr>
-                <a:spLocks noGrp="1" noRot="1" noChangeAspect="1" noMove="1" noResize="1" noEditPoints="1" noAdjustHandles="1" noChangeArrowheads="1" noChangeShapeType="1" noTextEdit="1"/>
-              </p:cNvSpPr>
-              <p:nvPr>
-                <p:ph idx="1"/>
-              </p:nvPr>
-            </p:nvSpPr>
-            <p:spPr>
-              <a:blipFill>
-                <a:blip r:embed="rId2"/>
-                <a:stretch>
-                  <a:fillRect l="-449" t="-936"/>
-                </a:stretch>
-              </a:blipFill>
-            </p:spPr>
-            <p:txBody>
-              <a:bodyPr/>
-              <a:lstStyle/>
-              <a:p>
-                <a:r>
-                  <a:rPr lang="ru-RU">
-                    <a:noFill/>
-                  </a:rPr>
-                  <a:t> </a:t>
-                </a:r>
-              </a:p>
-            </p:txBody>
-          </p:sp>
-        </mc:Fallback>
-      </mc:AlternateContent>
-      <p:pic>
-        <p:nvPicPr>
-          <p:cNvPr id="10" name="Рисунок 9">
-            <a:extLst>
-              <a:ext uri="{FF2B5EF4-FFF2-40B4-BE49-F238E27FC236}">
-                <a16:creationId xmlns:a16="http://schemas.microsoft.com/office/drawing/2014/main" id="{9C982148-7F7E-4F8C-A3C7-3493A9614BE9}"/>
-              </a:ext>
-            </a:extLst>
-          </p:cNvPr>
-          <p:cNvPicPr>
-            <a:picLocks noChangeAspect="1"/>
-          </p:cNvPicPr>
-          <p:nvPr/>
-        </p:nvPicPr>
-        <p:blipFill>
-          <a:blip r:embed="rId3">
-            <a:extLst>
-              <a:ext uri="{28A0092B-C50C-407E-A947-70E740481C1C}">
-                <a14:useLocalDpi xmlns:a14="http://schemas.microsoft.com/office/drawing/2010/main" val="0"/>
-              </a:ext>
-            </a:extLst>
-          </a:blip>
-          <a:stretch>
-            <a:fillRect/>
-          </a:stretch>
-        </p:blipFill>
-        <p:spPr>
-          <a:xfrm>
-            <a:off x="2397000" y="3284037"/>
-            <a:ext cx="5112000" cy="2940527"/>
-          </a:xfrm>
-          <a:prstGeom prst="rect">
-            <a:avLst/>
-          </a:prstGeom>
-        </p:spPr>
-      </p:pic>
-      <p:sp>
-        <p:nvSpPr>
-          <p:cNvPr id="9" name="Нижний колонтитул 8">
-            <a:extLst>
-              <a:ext uri="{FF2B5EF4-FFF2-40B4-BE49-F238E27FC236}">
-                <a16:creationId xmlns:a16="http://schemas.microsoft.com/office/drawing/2014/main" id="{B73E413E-ED80-4614-92C8-CE1EAF9B8310}"/>
-              </a:ext>
-            </a:extLst>
-          </p:cNvPr>
-          <p:cNvSpPr>
-            <a:spLocks noGrp="1"/>
-          </p:cNvSpPr>
-          <p:nvPr>
-            <p:ph type="ftr" sz="quarter" idx="3"/>
-          </p:nvPr>
-        </p:nvSpPr>
-        <p:spPr/>
-        <p:txBody>
-          <a:bodyPr/>
-          <a:lstStyle/>
-          <a:p>
-            <a:pPr algn="ctr">
-              <a:defRPr/>
-            </a:pPr>
-            <a:r>
-              <a:rPr lang="en-US"/>
-              <a:t>ML-based approach for accelerating global search algorithm for solving multicriteria problems</a:t>
-            </a:r>
-            <a:endParaRPr lang="en-US" dirty="0"/>
-          </a:p>
-        </p:txBody>
-      </p:sp>
-      <p:sp>
-        <p:nvSpPr>
-          <p:cNvPr id="12" name="Дата 11">
-            <a:extLst>
-              <a:ext uri="{FF2B5EF4-FFF2-40B4-BE49-F238E27FC236}">
-                <a16:creationId xmlns:a16="http://schemas.microsoft.com/office/drawing/2014/main" id="{EF2E340E-60E1-4286-8A95-2E4439409B99}"/>
-              </a:ext>
-            </a:extLst>
-          </p:cNvPr>
-          <p:cNvSpPr>
-            <a:spLocks noGrp="1"/>
-          </p:cNvSpPr>
-          <p:nvPr>
-            <p:ph type="dt" sz="half" idx="2"/>
-          </p:nvPr>
-        </p:nvSpPr>
-        <p:spPr/>
-        <p:txBody>
-          <a:bodyPr/>
-          <a:lstStyle/>
-          <a:p>
-            <a:pPr>
-              <a:defRPr/>
-            </a:pPr>
-            <a:r>
-              <a:rPr lang="ru-RU"/>
-              <a:t>LION16</a:t>
-            </a:r>
-            <a:endParaRPr lang="ru-RU" dirty="0"/>
-          </a:p>
-        </p:txBody>
-      </p:sp>
-      <p:sp>
-        <p:nvSpPr>
-          <p:cNvPr id="4" name="Номер слайда 3">
-            <a:extLst>
-              <a:ext uri="{FF2B5EF4-FFF2-40B4-BE49-F238E27FC236}">
-                <a16:creationId xmlns:a16="http://schemas.microsoft.com/office/drawing/2014/main" id="{FD69BBA2-A277-4A7C-A71F-668814A4F27E}"/>
-              </a:ext>
-            </a:extLst>
-          </p:cNvPr>
-          <p:cNvSpPr>
-            <a:spLocks noGrp="1"/>
-          </p:cNvSpPr>
-          <p:nvPr>
-            <p:ph type="sldNum" sz="quarter" idx="4"/>
-          </p:nvPr>
-        </p:nvSpPr>
-        <p:spPr/>
-        <p:txBody>
-          <a:bodyPr/>
-          <a:lstStyle/>
-          <a:p>
-            <a:pPr>
-              <a:defRPr/>
-            </a:pPr>
-            <a:fld id="{4F2367BF-7A57-4F5A-B357-719264272D2E}" type="slidenum">
-              <a:rPr lang="ru-RU" smtClean="0"/>
-              <a:pPr>
-                <a:defRPr/>
-              </a:pPr>
-              <a:t>22</a:t>
-            </a:fld>
-            <a:r>
-              <a:rPr lang="en-US"/>
-              <a:t>/1</a:t>
-            </a:r>
-            <a:r>
-              <a:rPr lang="ru-RU"/>
-              <a:t>9</a:t>
-            </a:r>
-            <a:endParaRPr lang="ru-RU" dirty="0"/>
-          </a:p>
-        </p:txBody>
-      </p:sp>
-      <p:pic>
-        <p:nvPicPr>
-          <p:cNvPr id="5" name="Рисунок 4">
-            <a:extLst>
-              <a:ext uri="{FF2B5EF4-FFF2-40B4-BE49-F238E27FC236}">
-                <a16:creationId xmlns:a16="http://schemas.microsoft.com/office/drawing/2014/main" id="{4B6122BB-714D-4146-9414-59F9B9A278DD}"/>
-              </a:ext>
-            </a:extLst>
-          </p:cNvPr>
-          <p:cNvPicPr>
-            <a:picLocks noChangeAspect="1"/>
-          </p:cNvPicPr>
-          <p:nvPr/>
-        </p:nvPicPr>
-        <p:blipFill>
-          <a:blip r:embed="rId4"/>
-          <a:stretch>
-            <a:fillRect/>
-          </a:stretch>
-        </p:blipFill>
-        <p:spPr>
-          <a:xfrm>
-            <a:off x="1594248" y="1844037"/>
-            <a:ext cx="6527104" cy="1440000"/>
-          </a:xfrm>
-          <a:prstGeom prst="rect">
-            <a:avLst/>
-          </a:prstGeom>
-        </p:spPr>
-      </p:pic>
-    </p:spTree>
-  </p:cSld>
-  <p:clrMapOvr>
-    <a:masterClrMapping/>
-  </p:clrMapOvr>
-</p:sld>
-</file>
-
-<file path=ppt/slides/slide23.xml><?xml version="1.0" encoding="utf-8"?>
 <p:sld xmlns:a="http://schemas.openxmlformats.org/drawingml/2006/main" xmlns:r="http://schemas.openxmlformats.org/officeDocument/2006/relationships" xmlns:p="http://schemas.openxmlformats.org/presentationml/2006/main">
   <p:cSld>
     <p:spTree>
@@ -14219,7 +17435,7 @@
               <a:pPr>
                 <a:defRPr/>
               </a:pPr>
-              <a:t>23</a:t>
+              <a:t>22</a:t>
             </a:fld>
             <a:r>
               <a:rPr lang="en-US"/>
@@ -14235,10 +17451,10 @@
       </p:sp>
       <p:pic>
         <p:nvPicPr>
-          <p:cNvPr id="15" name="Рисунок 14">
+          <p:cNvPr id="11" name="Рисунок 10">
             <a:extLst>
               <a:ext uri="{FF2B5EF4-FFF2-40B4-BE49-F238E27FC236}">
-                <a16:creationId xmlns:a16="http://schemas.microsoft.com/office/drawing/2014/main" id="{575A4F33-95BB-4D47-9713-D3B4439EAB6A}"/>
+                <a16:creationId xmlns:a16="http://schemas.microsoft.com/office/drawing/2014/main" id="{9662620F-9143-4E61-B8DC-1C099CFE38F9}"/>
               </a:ext>
             </a:extLst>
           </p:cNvPr>
@@ -14255,20 +17471,285 @@
         </p:blipFill>
         <p:spPr>
           <a:xfrm>
-            <a:off x="2106028" y="1844477"/>
-            <a:ext cx="5693944" cy="1440000"/>
+            <a:off x="748308" y="1916832"/>
+            <a:ext cx="8409384" cy="4243842"/>
           </a:xfrm>
           <a:prstGeom prst="rect">
             <a:avLst/>
           </a:prstGeom>
         </p:spPr>
       </p:pic>
+    </p:spTree>
+    <p:extLst>
+      <p:ext uri="{BB962C8B-B14F-4D97-AF65-F5344CB8AC3E}">
+        <p14:creationId xmlns:p14="http://schemas.microsoft.com/office/powerpoint/2010/main" val="3931060897"/>
+      </p:ext>
+    </p:extLst>
+  </p:cSld>
+  <p:clrMapOvr>
+    <a:masterClrMapping/>
+  </p:clrMapOvr>
+</p:sld>
+</file>
+
+<file path=ppt/slides/slide23.xml><?xml version="1.0" encoding="utf-8"?>
+<p:sld xmlns:a="http://schemas.openxmlformats.org/drawingml/2006/main" xmlns:r="http://schemas.openxmlformats.org/officeDocument/2006/relationships" xmlns:p="http://schemas.openxmlformats.org/presentationml/2006/main">
+  <p:cSld>
+    <p:spTree>
+      <p:nvGrpSpPr>
+        <p:cNvPr id="1" name=""/>
+        <p:cNvGrpSpPr/>
+        <p:nvPr/>
+      </p:nvGrpSpPr>
+      <p:grpSpPr>
+        <a:xfrm>
+          <a:off x="0" y="0"/>
+          <a:ext cx="0" cy="0"/>
+          <a:chOff x="0" y="0"/>
+          <a:chExt cx="0" cy="0"/>
+        </a:xfrm>
+      </p:grpSpPr>
+      <p:sp>
+        <p:nvSpPr>
+          <p:cNvPr id="2" name="Заголовок 1"/>
+          <p:cNvSpPr>
+            <a:spLocks noGrp="1"/>
+          </p:cNvSpPr>
+          <p:nvPr>
+            <p:ph type="title"/>
+          </p:nvPr>
+        </p:nvSpPr>
+        <p:spPr/>
+        <p:txBody>
+          <a:bodyPr/>
+          <a:lstStyle/>
+          <a:p>
+            <a:r>
+              <a:rPr lang="en-US" dirty="0"/>
+              <a:t>Results of numerical experiments…</a:t>
+            </a:r>
+          </a:p>
+        </p:txBody>
+      </p:sp>
+      <mc:AlternateContent xmlns:mc="http://schemas.openxmlformats.org/markup-compatibility/2006" xmlns:a14="http://schemas.microsoft.com/office/drawing/2010/main">
+        <mc:Choice Requires="a14">
+          <p:sp>
+            <p:nvSpPr>
+              <p:cNvPr id="3" name="Содержимое 2"/>
+              <p:cNvSpPr>
+                <a:spLocks noGrp="1"/>
+              </p:cNvSpPr>
+              <p:nvPr>
+                <p:ph idx="1"/>
+              </p:nvPr>
+            </p:nvSpPr>
+            <p:spPr/>
+            <p:txBody>
+              <a:bodyPr/>
+              <a:lstStyle/>
+              <a:p>
+                <a:r>
+                  <a:rPr lang="en-US" dirty="0"/>
+                  <a:t>In the second series of numerical experiments, we solved bi-criteria </a:t>
+                </a:r>
+                <a:br>
+                  <a:rPr lang="en-US" dirty="0"/>
+                </a:br>
+                <a:r>
+                  <a:rPr lang="en-US" dirty="0"/>
+                  <a:t>two-dimensional MOO problems, i.e. </a:t>
+                </a:r>
+                <a14:m>
+                  <m:oMath xmlns:m="http://schemas.openxmlformats.org/officeDocument/2006/math">
+                    <m:r>
+                      <a:rPr lang="en-US" i="1" dirty="0" smtClean="0">
+                        <a:latin typeface="Cambria Math" panose="02040503050406030204" pitchFamily="18" charset="0"/>
+                      </a:rPr>
+                      <m:t>𝑁</m:t>
+                    </m:r>
+                    <m:r>
+                      <a:rPr lang="en-US" i="1" dirty="0" smtClean="0">
+                        <a:latin typeface="Cambria Math" panose="02040503050406030204" pitchFamily="18" charset="0"/>
+                      </a:rPr>
+                      <m:t> = 2</m:t>
+                    </m:r>
+                  </m:oMath>
+                </a14:m>
+                <a:r>
+                  <a:rPr lang="en-US" dirty="0"/>
+                  <a:t>, </a:t>
+                </a:r>
+                <a14:m>
+                  <m:oMath xmlns:m="http://schemas.openxmlformats.org/officeDocument/2006/math">
+                    <m:r>
+                      <a:rPr lang="en-US" i="1" dirty="0" smtClean="0">
+                        <a:latin typeface="Cambria Math" panose="02040503050406030204" pitchFamily="18" charset="0"/>
+                      </a:rPr>
+                      <m:t>𝑠</m:t>
+                    </m:r>
+                    <m:r>
+                      <a:rPr lang="en-US" i="1" dirty="0" smtClean="0">
+                        <a:latin typeface="Cambria Math" panose="02040503050406030204" pitchFamily="18" charset="0"/>
+                      </a:rPr>
+                      <m:t> = 2</m:t>
+                    </m:r>
+                  </m:oMath>
+                </a14:m>
+                <a:r>
+                  <a:rPr lang="en-US" dirty="0"/>
+                  <a:t>.</a:t>
+                </a:r>
+              </a:p>
+            </p:txBody>
+          </p:sp>
+        </mc:Choice>
+        <mc:Fallback xmlns="">
+          <p:sp>
+            <p:nvSpPr>
+              <p:cNvPr id="3" name="Содержимое 2"/>
+              <p:cNvSpPr>
+                <a:spLocks noGrp="1" noRot="1" noChangeAspect="1" noMove="1" noResize="1" noEditPoints="1" noAdjustHandles="1" noChangeArrowheads="1" noChangeShapeType="1" noTextEdit="1"/>
+              </p:cNvSpPr>
+              <p:nvPr>
+                <p:ph idx="1"/>
+              </p:nvPr>
+            </p:nvSpPr>
+            <p:spPr>
+              <a:blipFill>
+                <a:blip r:embed="rId2"/>
+                <a:stretch>
+                  <a:fillRect l="-449" t="-936"/>
+                </a:stretch>
+              </a:blipFill>
+            </p:spPr>
+            <p:txBody>
+              <a:bodyPr/>
+              <a:lstStyle/>
+              <a:p>
+                <a:r>
+                  <a:rPr lang="ru-RU">
+                    <a:noFill/>
+                  </a:rPr>
+                  <a:t> </a:t>
+                </a:r>
+              </a:p>
+            </p:txBody>
+          </p:sp>
+        </mc:Fallback>
+      </mc:AlternateContent>
+      <p:sp>
+        <p:nvSpPr>
+          <p:cNvPr id="9" name="Нижний колонтитул 8">
+            <a:extLst>
+              <a:ext uri="{FF2B5EF4-FFF2-40B4-BE49-F238E27FC236}">
+                <a16:creationId xmlns:a16="http://schemas.microsoft.com/office/drawing/2014/main" id="{77C5E763-DDEC-4562-83C9-D1672ECADEAB}"/>
+              </a:ext>
+            </a:extLst>
+          </p:cNvPr>
+          <p:cNvSpPr>
+            <a:spLocks noGrp="1"/>
+          </p:cNvSpPr>
+          <p:nvPr>
+            <p:ph type="ftr" sz="quarter" idx="3"/>
+          </p:nvPr>
+        </p:nvSpPr>
+        <p:spPr/>
+        <p:txBody>
+          <a:bodyPr/>
+          <a:lstStyle/>
+          <a:p>
+            <a:pPr algn="ctr">
+              <a:defRPr/>
+            </a:pPr>
+            <a:r>
+              <a:rPr lang="en-US"/>
+              <a:t>ML-based approach for accelerating global search algorithm for solving multicriteria problems</a:t>
+            </a:r>
+            <a:endParaRPr lang="en-US" dirty="0"/>
+          </a:p>
+        </p:txBody>
+      </p:sp>
+      <p:sp>
+        <p:nvSpPr>
+          <p:cNvPr id="12" name="Дата 11">
+            <a:extLst>
+              <a:ext uri="{FF2B5EF4-FFF2-40B4-BE49-F238E27FC236}">
+                <a16:creationId xmlns:a16="http://schemas.microsoft.com/office/drawing/2014/main" id="{9017F876-75D9-4D4F-BC8E-8F3C7E7B420D}"/>
+              </a:ext>
+            </a:extLst>
+          </p:cNvPr>
+          <p:cNvSpPr>
+            <a:spLocks noGrp="1"/>
+          </p:cNvSpPr>
+          <p:nvPr>
+            <p:ph type="dt" sz="half" idx="2"/>
+          </p:nvPr>
+        </p:nvSpPr>
+        <p:spPr/>
+        <p:txBody>
+          <a:bodyPr/>
+          <a:lstStyle/>
+          <a:p>
+            <a:pPr>
+              <a:defRPr/>
+            </a:pPr>
+            <a:r>
+              <a:rPr lang="ru-RU"/>
+              <a:t>LION16</a:t>
+            </a:r>
+            <a:endParaRPr lang="ru-RU" dirty="0"/>
+          </a:p>
+        </p:txBody>
+      </p:sp>
+      <p:sp>
+        <p:nvSpPr>
+          <p:cNvPr id="4" name="Номер слайда 3">
+            <a:extLst>
+              <a:ext uri="{FF2B5EF4-FFF2-40B4-BE49-F238E27FC236}">
+                <a16:creationId xmlns:a16="http://schemas.microsoft.com/office/drawing/2014/main" id="{71C81002-9B9C-4A5C-A9D9-56248BBB5C0E}"/>
+              </a:ext>
+            </a:extLst>
+          </p:cNvPr>
+          <p:cNvSpPr>
+            <a:spLocks noGrp="1"/>
+          </p:cNvSpPr>
+          <p:nvPr>
+            <p:ph type="sldNum" sz="quarter" idx="4"/>
+          </p:nvPr>
+        </p:nvSpPr>
+        <p:spPr/>
+        <p:txBody>
+          <a:bodyPr/>
+          <a:lstStyle/>
+          <a:p>
+            <a:pPr>
+              <a:defRPr/>
+            </a:pPr>
+            <a:fld id="{4F2367BF-7A57-4F5A-B357-719264272D2E}" type="slidenum">
+              <a:rPr lang="ru-RU" smtClean="0"/>
+              <a:pPr>
+                <a:defRPr/>
+              </a:pPr>
+              <a:t>23</a:t>
+            </a:fld>
+            <a:r>
+              <a:rPr lang="en-US"/>
+              <a:t>/1</a:t>
+            </a:r>
+            <a:r>
+              <a:rPr lang="ru-RU"/>
+              <a:t>9</a:t>
+            </a:r>
+            <a:endParaRPr lang="ru-RU" dirty="0"/>
+          </a:p>
+        </p:txBody>
+      </p:sp>
       <p:pic>
         <p:nvPicPr>
-          <p:cNvPr id="11" name="Рисунок 10">
+          <p:cNvPr id="6" name="Рисунок 5">
             <a:extLst>
               <a:ext uri="{FF2B5EF4-FFF2-40B4-BE49-F238E27FC236}">
-                <a16:creationId xmlns:a16="http://schemas.microsoft.com/office/drawing/2014/main" id="{6FB3112E-9F21-444A-82E3-ABE232E2190F}"/>
+                <a16:creationId xmlns:a16="http://schemas.microsoft.com/office/drawing/2014/main" id="{EBDBBCFC-B5FD-38BB-08A8-091AC25F4FED}"/>
               </a:ext>
             </a:extLst>
           </p:cNvPr>
@@ -14278,15 +17759,15 @@
           <p:nvPr/>
         </p:nvPicPr>
         <p:blipFill>
-          <a:blip r:embed="rId4"/>
+          <a:blip r:embed="rId3"/>
           <a:stretch>
             <a:fillRect/>
           </a:stretch>
         </p:blipFill>
         <p:spPr>
           <a:xfrm>
-            <a:off x="381000" y="3412579"/>
-            <a:ext cx="9144000" cy="2752725"/>
+            <a:off x="0" y="2070028"/>
+            <a:ext cx="9906000" cy="1863028"/>
           </a:xfrm>
           <a:prstGeom prst="rect">
             <a:avLst/>
@@ -14294,11 +17775,6 @@
         </p:spPr>
       </p:pic>
     </p:spTree>
-    <p:extLst>
-      <p:ext uri="{BB962C8B-B14F-4D97-AF65-F5344CB8AC3E}">
-        <p14:creationId xmlns:p14="http://schemas.microsoft.com/office/powerpoint/2010/main" val="3632243838"/>
-      </p:ext>
-    </p:extLst>
   </p:cSld>
   <p:clrMapOvr>
     <a:masterClrMapping/>
@@ -14340,220 +17816,123 @@
           <a:p>
             <a:r>
               <a:rPr lang="en-US" dirty="0"/>
-              <a:t>Thank you for attention</a:t>
+              <a:t>Results of numerical experiments…</a:t>
             </a:r>
           </a:p>
         </p:txBody>
       </p:sp>
+      <mc:AlternateContent xmlns:mc="http://schemas.openxmlformats.org/markup-compatibility/2006" xmlns:a14="http://schemas.microsoft.com/office/drawing/2010/main">
+        <mc:Choice Requires="a14">
+          <p:sp>
+            <p:nvSpPr>
+              <p:cNvPr id="3" name="Содержимое 2"/>
+              <p:cNvSpPr>
+                <a:spLocks noGrp="1"/>
+              </p:cNvSpPr>
+              <p:nvPr>
+                <p:ph idx="1"/>
+              </p:nvPr>
+            </p:nvSpPr>
+            <p:spPr/>
+            <p:txBody>
+              <a:bodyPr/>
+              <a:lstStyle/>
+              <a:p>
+                <a:r>
+                  <a:rPr lang="en-US" dirty="0"/>
+                  <a:t>In the second series of numerical experiments, we solved bi-criteria </a:t>
+                </a:r>
+                <a:br>
+                  <a:rPr lang="en-US" dirty="0"/>
+                </a:br>
+                <a:r>
+                  <a:rPr lang="en-US" dirty="0"/>
+                  <a:t>two-dimensional MOO problems, i.e. </a:t>
+                </a:r>
+                <a14:m>
+                  <m:oMath xmlns:m="http://schemas.openxmlformats.org/officeDocument/2006/math">
+                    <m:r>
+                      <a:rPr lang="en-US" i="1" dirty="0" smtClean="0">
+                        <a:latin typeface="Cambria Math" panose="02040503050406030204" pitchFamily="18" charset="0"/>
+                      </a:rPr>
+                      <m:t>𝑁</m:t>
+                    </m:r>
+                    <m:r>
+                      <a:rPr lang="en-US" i="1" dirty="0" smtClean="0">
+                        <a:latin typeface="Cambria Math" panose="02040503050406030204" pitchFamily="18" charset="0"/>
+                      </a:rPr>
+                      <m:t> = 2</m:t>
+                    </m:r>
+                  </m:oMath>
+                </a14:m>
+                <a:r>
+                  <a:rPr lang="en-US" dirty="0"/>
+                  <a:t>, </a:t>
+                </a:r>
+                <a14:m>
+                  <m:oMath xmlns:m="http://schemas.openxmlformats.org/officeDocument/2006/math">
+                    <m:r>
+                      <a:rPr lang="en-US" i="1" dirty="0" smtClean="0">
+                        <a:latin typeface="Cambria Math" panose="02040503050406030204" pitchFamily="18" charset="0"/>
+                      </a:rPr>
+                      <m:t>𝑠</m:t>
+                    </m:r>
+                    <m:r>
+                      <a:rPr lang="en-US" i="1" dirty="0" smtClean="0">
+                        <a:latin typeface="Cambria Math" panose="02040503050406030204" pitchFamily="18" charset="0"/>
+                      </a:rPr>
+                      <m:t> = 2</m:t>
+                    </m:r>
+                  </m:oMath>
+                </a14:m>
+                <a:r>
+                  <a:rPr lang="en-US" dirty="0"/>
+                  <a:t>.</a:t>
+                </a:r>
+              </a:p>
+            </p:txBody>
+          </p:sp>
+        </mc:Choice>
+        <mc:Fallback xmlns="">
+          <p:sp>
+            <p:nvSpPr>
+              <p:cNvPr id="3" name="Содержимое 2"/>
+              <p:cNvSpPr>
+                <a:spLocks noGrp="1" noRot="1" noChangeAspect="1" noMove="1" noResize="1" noEditPoints="1" noAdjustHandles="1" noChangeArrowheads="1" noChangeShapeType="1" noTextEdit="1"/>
+              </p:cNvSpPr>
+              <p:nvPr>
+                <p:ph idx="1"/>
+              </p:nvPr>
+            </p:nvSpPr>
+            <p:spPr>
+              <a:blipFill>
+                <a:blip r:embed="rId2"/>
+                <a:stretch>
+                  <a:fillRect l="-449" t="-936"/>
+                </a:stretch>
+              </a:blipFill>
+            </p:spPr>
+            <p:txBody>
+              <a:bodyPr/>
+              <a:lstStyle/>
+              <a:p>
+                <a:r>
+                  <a:rPr lang="ru-RU">
+                    <a:noFill/>
+                  </a:rPr>
+                  <a:t> </a:t>
+                </a:r>
+              </a:p>
+            </p:txBody>
+          </p:sp>
+        </mc:Fallback>
+      </mc:AlternateContent>
       <p:sp>
         <p:nvSpPr>
-          <p:cNvPr id="3" name="Содержимое 2"/>
-          <p:cNvSpPr>
-            <a:spLocks noGrp="1"/>
-          </p:cNvSpPr>
-          <p:nvPr>
-            <p:ph idx="1"/>
-          </p:nvPr>
-        </p:nvSpPr>
-        <p:spPr/>
-        <p:txBody>
-          <a:bodyPr/>
-          <a:lstStyle/>
-          <a:p>
-            <a:r>
-              <a:rPr lang="en-US" dirty="0"/>
-              <a:t>This work was supported by the Ministry of Science and Higher Education of the Russian Federation, project no.0729-2020-0055, and by the Research and Education Mathematical Center, project no. 075-02-2020-1483/1.</a:t>
-            </a:r>
-            <a:endParaRPr lang="ru-RU" dirty="0"/>
-          </a:p>
-          <a:p>
-            <a:r>
-              <a:rPr lang="en-US" dirty="0" err="1"/>
-              <a:t>Lobachevsky</a:t>
-            </a:r>
-            <a:r>
-              <a:rPr lang="en-US" dirty="0"/>
-              <a:t> State University of </a:t>
-            </a:r>
-            <a:r>
-              <a:rPr lang="en-US" dirty="0" err="1"/>
-              <a:t>Nizhni</a:t>
-            </a:r>
-            <a:r>
-              <a:rPr lang="en-US" dirty="0"/>
-              <a:t> Novgorod, </a:t>
-            </a:r>
-            <a:br>
-              <a:rPr lang="en-US" dirty="0"/>
-            </a:br>
-            <a:r>
-              <a:rPr lang="en-US" dirty="0" err="1"/>
-              <a:t>Nizhni</a:t>
-            </a:r>
-            <a:r>
-              <a:rPr lang="en-US" dirty="0"/>
-              <a:t> Novgorod, Russia</a:t>
-            </a:r>
-            <a:endParaRPr lang="ru-RU" dirty="0"/>
-          </a:p>
-          <a:p>
-            <a:pPr lvl="1"/>
-            <a:r>
-              <a:rPr lang="en-US" dirty="0"/>
-              <a:t>Konstantin Barkalov </a:t>
-            </a:r>
-            <a:r>
-              <a:rPr lang="en-US" b="1" dirty="0">
-                <a:solidFill>
-                  <a:srgbClr val="000000"/>
-                </a:solidFill>
-                <a:effectLst/>
-                <a:latin typeface="Courier New" panose="02070309020205020404" pitchFamily="49" charset="0"/>
-                <a:cs typeface="Courier New" panose="02070309020205020404" pitchFamily="49" charset="0"/>
-              </a:rPr>
-              <a:t>konstantin.barkalov@itmm.unn.ru</a:t>
-            </a:r>
-            <a:endParaRPr lang="en-US" dirty="0"/>
-          </a:p>
-          <a:p>
-            <a:pPr lvl="1"/>
-            <a:r>
-              <a:rPr lang="en-US" sz="2400" b="1" dirty="0">
-                <a:solidFill>
-                  <a:srgbClr val="000000"/>
-                </a:solidFill>
-                <a:effectLst/>
-                <a:latin typeface="Courier New" panose="02070309020205020404" pitchFamily="49" charset="0"/>
-                <a:cs typeface="Courier New" panose="02070309020205020404" pitchFamily="49" charset="0"/>
-              </a:rPr>
-              <a:t>          </a:t>
-            </a:r>
-            <a:r>
-              <a:rPr lang="en-US" b="1" dirty="0">
-                <a:solidFill>
-                  <a:srgbClr val="000000"/>
-                </a:solidFill>
-                <a:effectLst/>
-                <a:latin typeface="Courier New" panose="02070309020205020404" pitchFamily="49" charset="0"/>
-                <a:cs typeface="Courier New" panose="02070309020205020404" pitchFamily="49" charset="0"/>
-              </a:rPr>
-              <a:t>gergel@unn.ru</a:t>
-            </a:r>
-            <a:endParaRPr lang="en-US" dirty="0"/>
-          </a:p>
-          <a:p>
-            <a:pPr lvl="1"/>
-            <a:r>
-              <a:rPr lang="en-US" dirty="0"/>
-              <a:t>Vladimir </a:t>
-            </a:r>
-            <a:r>
-              <a:rPr lang="en-US" dirty="0" err="1"/>
-              <a:t>Grishagin</a:t>
-            </a:r>
-            <a:r>
-              <a:rPr lang="en-US" dirty="0"/>
-              <a:t> </a:t>
-            </a:r>
-            <a:r>
-              <a:rPr lang="en-US" b="1" dirty="0">
-                <a:solidFill>
-                  <a:srgbClr val="000000"/>
-                </a:solidFill>
-                <a:effectLst/>
-                <a:latin typeface="Courier New" panose="02070309020205020404" pitchFamily="49" charset="0"/>
-                <a:cs typeface="Courier New" panose="02070309020205020404" pitchFamily="49" charset="0"/>
-              </a:rPr>
-              <a:t>vagris@unn.ru</a:t>
-            </a:r>
-            <a:endParaRPr lang="en-US" dirty="0"/>
-          </a:p>
-          <a:p>
-            <a:pPr lvl="1"/>
-            <a:r>
-              <a:rPr lang="en-US" dirty="0"/>
-              <a:t>Evgeniy Kozinov </a:t>
-            </a:r>
-            <a:r>
-              <a:rPr lang="en-US" b="1" dirty="0">
-                <a:solidFill>
-                  <a:srgbClr val="000000"/>
-                </a:solidFill>
-                <a:effectLst/>
-                <a:latin typeface="Courier New" panose="02070309020205020404" pitchFamily="49" charset="0"/>
-                <a:cs typeface="Courier New" panose="02070309020205020404" pitchFamily="49" charset="0"/>
-              </a:rPr>
-              <a:t>evgeny.kozinov@itmm.unn.ru</a:t>
-            </a:r>
-            <a:endParaRPr lang="en-US" dirty="0"/>
-          </a:p>
-        </p:txBody>
-      </p:sp>
-      <p:sp>
-        <p:nvSpPr>
-          <p:cNvPr id="6" name="Прямоугольник 5">
+          <p:cNvPr id="9" name="Нижний колонтитул 8">
             <a:extLst>
               <a:ext uri="{FF2B5EF4-FFF2-40B4-BE49-F238E27FC236}">
-                <a16:creationId xmlns:a16="http://schemas.microsoft.com/office/drawing/2014/main" id="{1776E4A7-48CB-48F8-9FF4-E56744566583}"/>
-              </a:ext>
-            </a:extLst>
-          </p:cNvPr>
-          <p:cNvSpPr/>
-          <p:nvPr/>
-        </p:nvSpPr>
-        <p:spPr bwMode="auto">
-          <a:xfrm>
-            <a:off x="829882" y="3870379"/>
-            <a:ext cx="1655320" cy="360040"/>
-          </a:xfrm>
-          <a:prstGeom prst="rect">
-            <a:avLst/>
-          </a:prstGeom>
-          <a:noFill/>
-          <a:ln w="9525" cap="flat" cmpd="sng" algn="ctr">
-            <a:solidFill>
-              <a:schemeClr val="tx1"/>
-            </a:solidFill>
-            <a:prstDash val="solid"/>
-            <a:round/>
-            <a:headEnd type="none" w="med" len="med"/>
-            <a:tailEnd type="none" w="med" len="med"/>
-          </a:ln>
-          <a:effectLst/>
-        </p:spPr>
-        <p:txBody>
-          <a:bodyPr vert="horz" wrap="none" lIns="91440" tIns="45720" rIns="91440" bIns="45720" numCol="1" rtlCol="0" anchor="ctr" anchorCtr="0" compatLnSpc="1">
-            <a:prstTxWarp prst="textNoShape">
-              <a:avLst/>
-            </a:prstTxWarp>
-          </a:bodyPr>
-          <a:lstStyle/>
-          <a:p>
-            <a:pPr algn="ctr"/>
-            <a:r>
-              <a:rPr lang="en-US" sz="2200" dirty="0"/>
-              <a:t>Victor Gergel</a:t>
-            </a:r>
-            <a:endParaRPr kumimoji="0" lang="ru-RU" sz="2200" b="0" i="0" u="none" strike="noStrike" cap="none" normalizeH="0" baseline="0" dirty="0">
-              <a:ln>
-                <a:noFill/>
-              </a:ln>
-              <a:solidFill>
-                <a:schemeClr val="tx1"/>
-              </a:solidFill>
-              <a:effectLst/>
-              <a:latin typeface="Bernard MT Condensed" pitchFamily="18" charset="0"/>
-              <a:cs typeface="Arial" pitchFamily="34" charset="0"/>
-            </a:endParaRPr>
-          </a:p>
-        </p:txBody>
-      </p:sp>
-      <p:sp>
-        <p:nvSpPr>
-          <p:cNvPr id="10" name="Нижний колонтитул 9">
-            <a:extLst>
-              <a:ext uri="{FF2B5EF4-FFF2-40B4-BE49-F238E27FC236}">
-                <a16:creationId xmlns:a16="http://schemas.microsoft.com/office/drawing/2014/main" id="{A3665664-2677-4DA8-A977-2E2A540433BB}"/>
+                <a16:creationId xmlns:a16="http://schemas.microsoft.com/office/drawing/2014/main" id="{77C5E763-DDEC-4562-83C9-D1672ECADEAB}"/>
               </a:ext>
             </a:extLst>
           </p:cNvPr>
@@ -14582,10 +17961,10 @@
       </p:sp>
       <p:sp>
         <p:nvSpPr>
-          <p:cNvPr id="11" name="Дата 10">
+          <p:cNvPr id="12" name="Дата 11">
             <a:extLst>
               <a:ext uri="{FF2B5EF4-FFF2-40B4-BE49-F238E27FC236}">
-                <a16:creationId xmlns:a16="http://schemas.microsoft.com/office/drawing/2014/main" id="{24E4E052-614A-4CD3-ABAA-BB1882C58194}"/>
+                <a16:creationId xmlns:a16="http://schemas.microsoft.com/office/drawing/2014/main" id="{9017F876-75D9-4D4F-BC8E-8F3C7E7B420D}"/>
               </a:ext>
             </a:extLst>
           </p:cNvPr>
@@ -14617,7 +17996,7 @@
           <p:cNvPr id="4" name="Номер слайда 3">
             <a:extLst>
               <a:ext uri="{FF2B5EF4-FFF2-40B4-BE49-F238E27FC236}">
-                <a16:creationId xmlns:a16="http://schemas.microsoft.com/office/drawing/2014/main" id="{33030DF6-DE2F-4C82-939B-2ECB83C6E187}"/>
+                <a16:creationId xmlns:a16="http://schemas.microsoft.com/office/drawing/2014/main" id="{71C81002-9B9C-4A5C-A9D9-56248BBB5C0E}"/>
               </a:ext>
             </a:extLst>
           </p:cNvPr>
@@ -14655,7 +18034,42 @@
           </a:p>
         </p:txBody>
       </p:sp>
+      <p:pic>
+        <p:nvPicPr>
+          <p:cNvPr id="8" name="Рисунок 7">
+            <a:extLst>
+              <a:ext uri="{FF2B5EF4-FFF2-40B4-BE49-F238E27FC236}">
+                <a16:creationId xmlns:a16="http://schemas.microsoft.com/office/drawing/2014/main" id="{0AD695A9-F061-9BCE-E2E8-892EEAB55CFA}"/>
+              </a:ext>
+            </a:extLst>
+          </p:cNvPr>
+          <p:cNvPicPr>
+            <a:picLocks noChangeAspect="1"/>
+          </p:cNvPicPr>
+          <p:nvPr/>
+        </p:nvPicPr>
+        <p:blipFill>
+          <a:blip r:embed="rId3"/>
+          <a:stretch>
+            <a:fillRect/>
+          </a:stretch>
+        </p:blipFill>
+        <p:spPr>
+          <a:xfrm>
+            <a:off x="856320" y="2137922"/>
+            <a:ext cx="8193360" cy="4123771"/>
+          </a:xfrm>
+          <a:prstGeom prst="rect">
+            <a:avLst/>
+          </a:prstGeom>
+        </p:spPr>
+      </p:pic>
     </p:spTree>
+    <p:extLst>
+      <p:ext uri="{BB962C8B-B14F-4D97-AF65-F5344CB8AC3E}">
+        <p14:creationId xmlns:p14="http://schemas.microsoft.com/office/powerpoint/2010/main" val="3150182822"/>
+      </p:ext>
+    </p:extLst>
   </p:cSld>
   <p:clrMapOvr>
     <a:masterClrMapping/>
@@ -14695,7 +18109,10 @@
           <a:bodyPr/>
           <a:lstStyle/>
           <a:p>
-            <a:endParaRPr lang="en-US" dirty="0"/>
+            <a:r>
+              <a:rPr lang="en-US" dirty="0"/>
+              <a:t>Thank you for attention</a:t>
+            </a:r>
           </a:p>
         </p:txBody>
       </p:sp>
@@ -14714,7 +18131,191 @@
           <a:bodyPr/>
           <a:lstStyle/>
           <a:p>
+            <a:r>
+              <a:rPr lang="en-US" dirty="0"/>
+              <a:t>This study was supported by the Russian Science Foundation, project No 21-11-00204..</a:t>
+            </a:r>
+            <a:endParaRPr lang="ru-RU" dirty="0"/>
+          </a:p>
+          <a:p>
+            <a:r>
+              <a:rPr lang="en-US" dirty="0" err="1"/>
+              <a:t>Lobachevsky</a:t>
+            </a:r>
+            <a:r>
+              <a:rPr lang="en-US" dirty="0"/>
+              <a:t> State University of </a:t>
+            </a:r>
+            <a:r>
+              <a:rPr lang="en-US" dirty="0" err="1"/>
+              <a:t>Nizhni</a:t>
+            </a:r>
+            <a:r>
+              <a:rPr lang="en-US" dirty="0"/>
+              <a:t> Novgorod, </a:t>
+            </a:r>
+            <a:br>
+              <a:rPr lang="en-US" dirty="0"/>
+            </a:br>
+            <a:r>
+              <a:rPr lang="en-US" dirty="0" err="1"/>
+              <a:t>Nizhni</a:t>
+            </a:r>
+            <a:r>
+              <a:rPr lang="en-US" dirty="0"/>
+              <a:t> Novgorod, Russia</a:t>
+            </a:r>
+            <a:endParaRPr lang="ru-RU" dirty="0"/>
+          </a:p>
+          <a:p>
+            <a:pPr lvl="1"/>
+            <a:r>
+              <a:rPr lang="en-US" dirty="0"/>
+              <a:t>Konstantin Barkalov </a:t>
+            </a:r>
+            <a:r>
+              <a:rPr lang="en-US" b="1" dirty="0">
+                <a:solidFill>
+                  <a:srgbClr val="000000"/>
+                </a:solidFill>
+                <a:effectLst/>
+                <a:latin typeface="Courier New" panose="02070309020205020404" pitchFamily="49" charset="0"/>
+                <a:cs typeface="Courier New" panose="02070309020205020404" pitchFamily="49" charset="0"/>
+              </a:rPr>
+              <a:t>konstantin.barkalov@itmm.unn.ru</a:t>
+            </a:r>
             <a:endParaRPr lang="en-US" dirty="0"/>
+          </a:p>
+          <a:p>
+            <a:pPr lvl="1"/>
+            <a:r>
+              <a:rPr lang="en-US" sz="2400" b="1" dirty="0">
+                <a:solidFill>
+                  <a:srgbClr val="000000"/>
+                </a:solidFill>
+                <a:effectLst/>
+                <a:latin typeface="Courier New" panose="02070309020205020404" pitchFamily="49" charset="0"/>
+                <a:cs typeface="Courier New" panose="02070309020205020404" pitchFamily="49" charset="0"/>
+              </a:rPr>
+              <a:t>          </a:t>
+            </a:r>
+            <a:r>
+              <a:rPr lang="en-US" b="1" dirty="0">
+                <a:solidFill>
+                  <a:srgbClr val="000000"/>
+                </a:solidFill>
+                <a:effectLst/>
+                <a:latin typeface="Courier New" panose="02070309020205020404" pitchFamily="49" charset="0"/>
+                <a:cs typeface="Courier New" panose="02070309020205020404" pitchFamily="49" charset="0"/>
+              </a:rPr>
+              <a:t>gergel@unn.ru</a:t>
+            </a:r>
+            <a:endParaRPr lang="en-US" dirty="0"/>
+          </a:p>
+          <a:p>
+            <a:pPr lvl="1"/>
+            <a:r>
+              <a:rPr lang="en-US" dirty="0"/>
+              <a:t>Vladimir </a:t>
+            </a:r>
+            <a:r>
+              <a:rPr lang="en-US" dirty="0" err="1"/>
+              <a:t>Grishagin</a:t>
+            </a:r>
+            <a:r>
+              <a:rPr lang="en-US" dirty="0"/>
+              <a:t> </a:t>
+            </a:r>
+            <a:r>
+              <a:rPr lang="en-US" b="1" dirty="0">
+                <a:solidFill>
+                  <a:srgbClr val="000000"/>
+                </a:solidFill>
+                <a:effectLst/>
+                <a:latin typeface="Courier New" panose="02070309020205020404" pitchFamily="49" charset="0"/>
+                <a:cs typeface="Courier New" panose="02070309020205020404" pitchFamily="49" charset="0"/>
+              </a:rPr>
+              <a:t>vagris@unn.ru</a:t>
+            </a:r>
+            <a:endParaRPr lang="en-US" dirty="0"/>
+          </a:p>
+          <a:p>
+            <a:pPr lvl="1"/>
+            <a:r>
+              <a:rPr lang="en-US" dirty="0"/>
+              <a:t>Evgeniy Kozinov </a:t>
+            </a:r>
+            <a:r>
+              <a:rPr lang="en-US" b="1" dirty="0">
+                <a:solidFill>
+                  <a:srgbClr val="000000"/>
+                </a:solidFill>
+                <a:effectLst/>
+                <a:latin typeface="Courier New" panose="02070309020205020404" pitchFamily="49" charset="0"/>
+                <a:cs typeface="Courier New" panose="02070309020205020404" pitchFamily="49" charset="0"/>
+              </a:rPr>
+              <a:t>evgeny.kozinov@itmm.unn.ru</a:t>
+            </a:r>
+            <a:endParaRPr lang="en-US" dirty="0"/>
+          </a:p>
+        </p:txBody>
+      </p:sp>
+      <p:sp>
+        <p:nvSpPr>
+          <p:cNvPr id="6" name="Прямоугольник 5">
+            <a:extLst>
+              <a:ext uri="{FF2B5EF4-FFF2-40B4-BE49-F238E27FC236}">
+                <a16:creationId xmlns:a16="http://schemas.microsoft.com/office/drawing/2014/main" id="{1776E4A7-48CB-48F8-9FF4-E56744566583}"/>
+              </a:ext>
+            </a:extLst>
+          </p:cNvPr>
+          <p:cNvSpPr/>
+          <p:nvPr/>
+        </p:nvSpPr>
+        <p:spPr bwMode="auto">
+          <a:xfrm>
+            <a:off x="856733" y="3140968"/>
+            <a:ext cx="1655320" cy="360040"/>
+          </a:xfrm>
+          <a:prstGeom prst="rect">
+            <a:avLst/>
+          </a:prstGeom>
+          <a:noFill/>
+          <a:ln w="9525" cap="flat" cmpd="sng" algn="ctr">
+            <a:solidFill>
+              <a:schemeClr val="tx1"/>
+            </a:solidFill>
+            <a:prstDash val="solid"/>
+            <a:round/>
+            <a:headEnd type="none" w="med" len="med"/>
+            <a:tailEnd type="none" w="med" len="med"/>
+          </a:ln>
+          <a:effectLst/>
+        </p:spPr>
+        <p:txBody>
+          <a:bodyPr vert="horz" wrap="none" lIns="91440" tIns="45720" rIns="91440" bIns="45720" numCol="1" rtlCol="0" anchor="ctr" anchorCtr="0" compatLnSpc="1">
+            <a:prstTxWarp prst="textNoShape">
+              <a:avLst/>
+            </a:prstTxWarp>
+          </a:bodyPr>
+          <a:lstStyle/>
+          <a:p>
+            <a:pPr algn="ctr"/>
+            <a:r>
+              <a:rPr lang="en-US" sz="2200" dirty="0"/>
+              <a:t>Victor Gergel</a:t>
+            </a:r>
+            <a:endParaRPr kumimoji="0" lang="ru-RU" sz="2200" b="0" i="0" u="none" strike="noStrike" cap="none" normalizeH="0" baseline="0" dirty="0">
+              <a:ln>
+                <a:noFill/>
+              </a:ln>
+              <a:solidFill>
+                <a:schemeClr val="tx1"/>
+              </a:solidFill>
+              <a:effectLst/>
+              <a:latin typeface="Bernard MT Condensed" pitchFamily="18" charset="0"/>
+              <a:cs typeface="Arial" pitchFamily="34" charset="0"/>
+            </a:endParaRPr>
           </a:p>
         </p:txBody>
       </p:sp>
@@ -14825,72 +18426,7 @@
           </a:p>
         </p:txBody>
       </p:sp>
-      <p:pic>
-        <p:nvPicPr>
-          <p:cNvPr id="5" name="Рисунок 4">
-            <a:extLst>
-              <a:ext uri="{FF2B5EF4-FFF2-40B4-BE49-F238E27FC236}">
-                <a16:creationId xmlns:a16="http://schemas.microsoft.com/office/drawing/2014/main" id="{632E418E-94F3-4629-9331-40F5A8E7C787}"/>
-              </a:ext>
-            </a:extLst>
-          </p:cNvPr>
-          <p:cNvPicPr>
-            <a:picLocks noChangeAspect="1"/>
-          </p:cNvPicPr>
-          <p:nvPr/>
-        </p:nvPicPr>
-        <p:blipFill>
-          <a:blip r:embed="rId2"/>
-          <a:stretch>
-            <a:fillRect/>
-          </a:stretch>
-        </p:blipFill>
-        <p:spPr>
-          <a:xfrm>
-            <a:off x="432182" y="1296143"/>
-            <a:ext cx="4520818" cy="4520818"/>
-          </a:xfrm>
-          <a:prstGeom prst="rect">
-            <a:avLst/>
-          </a:prstGeom>
-        </p:spPr>
-      </p:pic>
-      <p:pic>
-        <p:nvPicPr>
-          <p:cNvPr id="7" name="Рисунок 6">
-            <a:extLst>
-              <a:ext uri="{FF2B5EF4-FFF2-40B4-BE49-F238E27FC236}">
-                <a16:creationId xmlns:a16="http://schemas.microsoft.com/office/drawing/2014/main" id="{948D9FE7-CA8B-4E82-B110-3768B9A5A759}"/>
-              </a:ext>
-            </a:extLst>
-          </p:cNvPr>
-          <p:cNvPicPr>
-            <a:picLocks noChangeAspect="1"/>
-          </p:cNvPicPr>
-          <p:nvPr/>
-        </p:nvPicPr>
-        <p:blipFill>
-          <a:blip r:embed="rId3"/>
-          <a:stretch>
-            <a:fillRect/>
-          </a:stretch>
-        </p:blipFill>
-        <p:spPr>
-          <a:xfrm>
-            <a:off x="5147091" y="1280789"/>
-            <a:ext cx="4554760" cy="4554760"/>
-          </a:xfrm>
-          <a:prstGeom prst="rect">
-            <a:avLst/>
-          </a:prstGeom>
-        </p:spPr>
-      </p:pic>
     </p:spTree>
-    <p:extLst>
-      <p:ext uri="{BB962C8B-B14F-4D97-AF65-F5344CB8AC3E}">
-        <p14:creationId xmlns:p14="http://schemas.microsoft.com/office/powerpoint/2010/main" val="350281001"/>
-      </p:ext>
-    </p:extLst>
   </p:cSld>
   <p:clrMapOvr>
     <a:masterClrMapping/>
@@ -17860,7 +21396,7 @@
           <p:spPr>
             <a:xfrm>
               <a:off x="983615" y="1461720"/>
-              <a:ext cx="324000" cy="108000"/>
+              <a:ext cx="324000" cy="130080"/>
             </a:xfrm>
             <a:prstGeom prst="downArrow">
               <a:avLst/>
@@ -17907,8 +21443,8 @@
           </p:nvSpPr>
           <p:spPr>
             <a:xfrm rot="10800000">
-              <a:off x="3043850" y="1491180"/>
-              <a:ext cx="323850" cy="107950"/>
+              <a:off x="3043848" y="1473130"/>
+              <a:ext cx="323850" cy="118669"/>
             </a:xfrm>
             <a:prstGeom prst="downArrow">
               <a:avLst/>
@@ -17955,8 +21491,8 @@
           </p:nvSpPr>
           <p:spPr>
             <a:xfrm rot="10800000">
-              <a:off x="3043850" y="937310"/>
-              <a:ext cx="323850" cy="107950"/>
+              <a:off x="3043849" y="917828"/>
+              <a:ext cx="323850" cy="117712"/>
             </a:xfrm>
             <a:prstGeom prst="downArrow">
               <a:avLst/>
@@ -17985,7 +21521,7 @@
             </a:bodyPr>
             <a:lstStyle/>
             <a:p>
-              <a:endParaRPr lang="ru-RU" sz="2400" kern="2000"/>
+              <a:endParaRPr lang="ru-RU" sz="2400" kern="2000" dirty="0"/>
             </a:p>
           </p:txBody>
         </p:sp>
@@ -18004,7 +21540,7 @@
           <p:spPr>
             <a:xfrm>
               <a:off x="983615" y="906780"/>
-              <a:ext cx="324000" cy="108000"/>
+              <a:ext cx="324000" cy="117712"/>
             </a:xfrm>
             <a:prstGeom prst="downArrow">
               <a:avLst/>
